--- a/Etudiants/Corentin/Revues de projet/Visio finale.pptx
+++ b/Etudiants/Corentin/Revues de projet/Visio finale.pptx
@@ -5,19 +5,20 @@
     <p:sldMasterId id="2147483648" r:id="rId1"/>
   </p:sldMasterIdLst>
   <p:notesMasterIdLst>
-    <p:notesMasterId r:id="rId12"/>
+    <p:notesMasterId r:id="rId13"/>
   </p:notesMasterIdLst>
   <p:sldIdLst>
     <p:sldId id="261" r:id="rId2"/>
-    <p:sldId id="263" r:id="rId3"/>
-    <p:sldId id="260" r:id="rId4"/>
-    <p:sldId id="257" r:id="rId5"/>
-    <p:sldId id="262" r:id="rId6"/>
-    <p:sldId id="264" r:id="rId7"/>
-    <p:sldId id="265" r:id="rId8"/>
-    <p:sldId id="267" r:id="rId9"/>
-    <p:sldId id="268" r:id="rId10"/>
-    <p:sldId id="266" r:id="rId11"/>
+    <p:sldId id="269" r:id="rId3"/>
+    <p:sldId id="263" r:id="rId4"/>
+    <p:sldId id="260" r:id="rId5"/>
+    <p:sldId id="257" r:id="rId6"/>
+    <p:sldId id="262" r:id="rId7"/>
+    <p:sldId id="264" r:id="rId8"/>
+    <p:sldId id="265" r:id="rId9"/>
+    <p:sldId id="267" r:id="rId10"/>
+    <p:sldId id="268" r:id="rId11"/>
+    <p:sldId id="266" r:id="rId12"/>
   </p:sldIdLst>
   <p:sldSz cx="12192000" cy="6858000"/>
   <p:notesSz cx="6858000" cy="9144000"/>
@@ -206,7 +207,7 @@
           <a:p>
             <a:fld id="{DF58694C-23AD-4650-B8D6-B1F91D7D05B1}" type="datetimeFigureOut">
               <a:rPr lang="fr-FR" smtClean="0"/>
-              <a:t>25/05/2020</a:t>
+              <a:t>26/05/2020</a:t>
             </a:fld>
             <a:endParaRPr lang="fr-FR"/>
           </a:p>
@@ -620,7 +621,7 @@
           <a:p>
             <a:fld id="{E4F7B456-D95B-47DD-85D8-980B608A87F5}" type="datetime1">
               <a:rPr lang="fr-FR" smtClean="0"/>
-              <a:t>25/05/2020</a:t>
+              <a:t>26/05/2020</a:t>
             </a:fld>
             <a:endParaRPr lang="fr-FR"/>
           </a:p>
@@ -821,7 +822,7 @@
           <a:p>
             <a:fld id="{3BE383A3-58C1-4E4C-8271-2D33C1B85A11}" type="datetime1">
               <a:rPr lang="fr-FR" smtClean="0"/>
-              <a:t>25/05/2020</a:t>
+              <a:t>26/05/2020</a:t>
             </a:fld>
             <a:endParaRPr lang="fr-FR"/>
           </a:p>
@@ -1032,7 +1033,7 @@
           <a:p>
             <a:fld id="{9657C936-4966-4098-AADB-3A79286A072F}" type="datetime1">
               <a:rPr lang="fr-FR" smtClean="0"/>
-              <a:t>25/05/2020</a:t>
+              <a:t>26/05/2020</a:t>
             </a:fld>
             <a:endParaRPr lang="fr-FR"/>
           </a:p>
@@ -1233,7 +1234,7 @@
           <a:p>
             <a:fld id="{B616544E-D29A-4146-93F9-36B1ECF943E3}" type="datetime1">
               <a:rPr lang="fr-FR" smtClean="0"/>
-              <a:t>25/05/2020</a:t>
+              <a:t>26/05/2020</a:t>
             </a:fld>
             <a:endParaRPr lang="fr-FR"/>
           </a:p>
@@ -1511,7 +1512,7 @@
           <a:p>
             <a:fld id="{8AB5A178-5A70-4A66-9698-90C7FE000B13}" type="datetime1">
               <a:rPr lang="fr-FR" smtClean="0"/>
-              <a:t>25/05/2020</a:t>
+              <a:t>26/05/2020</a:t>
             </a:fld>
             <a:endParaRPr lang="fr-FR"/>
           </a:p>
@@ -1779,7 +1780,7 @@
           <a:p>
             <a:fld id="{7454423C-F285-489D-AA4A-BBB78B91CB62}" type="datetime1">
               <a:rPr lang="fr-FR" smtClean="0"/>
-              <a:t>25/05/2020</a:t>
+              <a:t>26/05/2020</a:t>
             </a:fld>
             <a:endParaRPr lang="fr-FR"/>
           </a:p>
@@ -2194,7 +2195,7 @@
           <a:p>
             <a:fld id="{58EAFDD7-E246-48D2-A0CF-903CE0A359FC}" type="datetime1">
               <a:rPr lang="fr-FR" smtClean="0"/>
-              <a:t>25/05/2020</a:t>
+              <a:t>26/05/2020</a:t>
             </a:fld>
             <a:endParaRPr lang="fr-FR"/>
           </a:p>
@@ -2338,7 +2339,7 @@
           <a:p>
             <a:fld id="{0455F871-879D-4630-9202-9DCE8AE53DBB}" type="datetime1">
               <a:rPr lang="fr-FR" smtClean="0"/>
-              <a:t>25/05/2020</a:t>
+              <a:t>26/05/2020</a:t>
             </a:fld>
             <a:endParaRPr lang="fr-FR"/>
           </a:p>
@@ -2454,7 +2455,7 @@
           <a:p>
             <a:fld id="{26BC4146-FEA9-4865-84B3-9EC3A08F8027}" type="datetime1">
               <a:rPr lang="fr-FR" smtClean="0"/>
-              <a:t>25/05/2020</a:t>
+              <a:t>26/05/2020</a:t>
             </a:fld>
             <a:endParaRPr lang="fr-FR"/>
           </a:p>
@@ -2768,7 +2769,7 @@
           <a:p>
             <a:fld id="{D763E1B4-BA40-4993-B94F-4B66614E6697}" type="datetime1">
               <a:rPr lang="fr-FR" smtClean="0"/>
-              <a:t>25/05/2020</a:t>
+              <a:t>26/05/2020</a:t>
             </a:fld>
             <a:endParaRPr lang="fr-FR"/>
           </a:p>
@@ -3059,7 +3060,7 @@
           <a:p>
             <a:fld id="{E0D0BC75-8619-4FAB-8157-12FA9E2A5761}" type="datetime1">
               <a:rPr lang="fr-FR" smtClean="0"/>
-              <a:t>25/05/2020</a:t>
+              <a:t>26/05/2020</a:t>
             </a:fld>
             <a:endParaRPr lang="fr-FR"/>
           </a:p>
@@ -3303,7 +3304,7 @@
           <a:p>
             <a:fld id="{EAFCDA6A-9493-444A-A143-F0388B2A6646}" type="datetime1">
               <a:rPr lang="fr-FR" smtClean="0"/>
-              <a:t>25/05/2020</a:t>
+              <a:t>26/05/2020</a:t>
             </a:fld>
             <a:endParaRPr lang="fr-FR"/>
           </a:p>
@@ -3827,6 +3828,495 @@
 <file path=ppt/slides/slide10.xml><?xml version="1.0" encoding="utf-8"?>
 <p:sld xmlns:a="http://schemas.openxmlformats.org/drawingml/2006/main" xmlns:r="http://schemas.openxmlformats.org/officeDocument/2006/relationships" xmlns:p="http://schemas.openxmlformats.org/presentationml/2006/main">
   <p:cSld>
+    <p:spTree>
+      <p:nvGrpSpPr>
+        <p:cNvPr id="1" name=""/>
+        <p:cNvGrpSpPr/>
+        <p:nvPr/>
+      </p:nvGrpSpPr>
+      <p:grpSpPr>
+        <a:xfrm>
+          <a:off x="0" y="0"/>
+          <a:ext cx="0" cy="0"/>
+          <a:chOff x="0" y="0"/>
+          <a:chExt cx="0" cy="0"/>
+        </a:xfrm>
+      </p:grpSpPr>
+      <p:pic>
+        <p:nvPicPr>
+          <p:cNvPr id="6" name="Espace réservé du contenu 3" descr="Une image contenant table, paire&#10;&#10;Description générée automatiquement">
+            <a:extLst>
+              <a:ext uri="{FF2B5EF4-FFF2-40B4-BE49-F238E27FC236}">
+                <a16:creationId xmlns:a16="http://schemas.microsoft.com/office/drawing/2014/main" id="{36AADBB3-FE91-4F9F-9535-6CF3BFD6922F}"/>
+              </a:ext>
+            </a:extLst>
+          </p:cNvPr>
+          <p:cNvPicPr>
+            <a:picLocks noChangeAspect="1"/>
+          </p:cNvPicPr>
+          <p:nvPr/>
+        </p:nvPicPr>
+        <p:blipFill rotWithShape="1">
+          <a:blip r:embed="rId2">
+            <a:extLst>
+              <a:ext uri="{28A0092B-C50C-407E-A947-70E740481C1C}">
+                <a14:useLocalDpi xmlns:a14="http://schemas.microsoft.com/office/drawing/2010/main" val="0"/>
+              </a:ext>
+            </a:extLst>
+          </a:blip>
+          <a:srcRect t="6250"/>
+          <a:stretch/>
+        </p:blipFill>
+        <p:spPr>
+          <a:xfrm>
+            <a:off x="0" y="0"/>
+            <a:ext cx="12192000" cy="6855958"/>
+          </a:xfrm>
+          <a:prstGeom prst="rect">
+            <a:avLst/>
+          </a:prstGeom>
+        </p:spPr>
+      </p:pic>
+      <p:sp>
+        <p:nvSpPr>
+          <p:cNvPr id="2" name="Titre 1">
+            <a:extLst>
+              <a:ext uri="{FF2B5EF4-FFF2-40B4-BE49-F238E27FC236}">
+                <a16:creationId xmlns:a16="http://schemas.microsoft.com/office/drawing/2014/main" id="{C804A32E-AB4B-4C2B-9FD5-BC3FAB0E272B}"/>
+              </a:ext>
+            </a:extLst>
+          </p:cNvPr>
+          <p:cNvSpPr>
+            <a:spLocks noGrp="1"/>
+          </p:cNvSpPr>
+          <p:nvPr>
+            <p:ph type="title"/>
+          </p:nvPr>
+        </p:nvSpPr>
+        <p:spPr>
+          <a:xfrm>
+            <a:off x="838200" y="0"/>
+            <a:ext cx="10515600" cy="1325563"/>
+          </a:xfrm>
+        </p:spPr>
+        <p:txBody>
+          <a:bodyPr/>
+          <a:lstStyle/>
+          <a:p>
+            <a:pPr algn="ctr"/>
+            <a:r>
+              <a:rPr lang="fr-FR" b="1" dirty="0">
+                <a:solidFill>
+                  <a:srgbClr val="FF0000"/>
+                </a:solidFill>
+              </a:rPr>
+              <a:t>Base de données finale</a:t>
+            </a:r>
+          </a:p>
+        </p:txBody>
+      </p:sp>
+      <p:sp>
+        <p:nvSpPr>
+          <p:cNvPr id="4" name="Espace réservé du pied de page 3">
+            <a:extLst>
+              <a:ext uri="{FF2B5EF4-FFF2-40B4-BE49-F238E27FC236}">
+                <a16:creationId xmlns:a16="http://schemas.microsoft.com/office/drawing/2014/main" id="{4A8D1CF7-04E6-46C9-BF49-58FD1BF54189}"/>
+              </a:ext>
+            </a:extLst>
+          </p:cNvPr>
+          <p:cNvSpPr>
+            <a:spLocks noGrp="1"/>
+          </p:cNvSpPr>
+          <p:nvPr>
+            <p:ph type="ftr" sz="quarter" idx="11"/>
+          </p:nvPr>
+        </p:nvSpPr>
+        <p:spPr/>
+        <p:txBody>
+          <a:bodyPr/>
+          <a:lstStyle/>
+          <a:p>
+            <a:r>
+              <a:rPr lang="fr-FR"/>
+              <a:t>Corentin BRENY - ST Félix La Salle - 2020</a:t>
+            </a:r>
+          </a:p>
+        </p:txBody>
+      </p:sp>
+      <p:sp>
+        <p:nvSpPr>
+          <p:cNvPr id="5" name="Espace réservé du numéro de diapositive 4">
+            <a:extLst>
+              <a:ext uri="{FF2B5EF4-FFF2-40B4-BE49-F238E27FC236}">
+                <a16:creationId xmlns:a16="http://schemas.microsoft.com/office/drawing/2014/main" id="{F193CF98-5D02-4D74-A27A-BFA6EC168915}"/>
+              </a:ext>
+            </a:extLst>
+          </p:cNvPr>
+          <p:cNvSpPr>
+            <a:spLocks noGrp="1"/>
+          </p:cNvSpPr>
+          <p:nvPr>
+            <p:ph type="sldNum" sz="quarter" idx="12"/>
+          </p:nvPr>
+        </p:nvSpPr>
+        <p:spPr/>
+        <p:txBody>
+          <a:bodyPr/>
+          <a:lstStyle/>
+          <a:p>
+            <a:fld id="{B8E0B961-A637-4848-B0A2-B04876406418}" type="slidenum">
+              <a:rPr lang="fr-FR" smtClean="0"/>
+              <a:t>10</a:t>
+            </a:fld>
+            <a:endParaRPr lang="fr-FR"/>
+          </a:p>
+        </p:txBody>
+      </p:sp>
+      <p:pic>
+        <p:nvPicPr>
+          <p:cNvPr id="10" name="Image 9">
+            <a:extLst>
+              <a:ext uri="{FF2B5EF4-FFF2-40B4-BE49-F238E27FC236}">
+                <a16:creationId xmlns:a16="http://schemas.microsoft.com/office/drawing/2014/main" id="{1521DD76-E4D6-4AA3-8BCE-58F8D5D79E60}"/>
+              </a:ext>
+            </a:extLst>
+          </p:cNvPr>
+          <p:cNvPicPr/>
+          <p:nvPr/>
+        </p:nvPicPr>
+        <p:blipFill rotWithShape="1">
+          <a:blip r:embed="rId3"/>
+          <a:srcRect t="-990" r="27167"/>
+          <a:stretch/>
+        </p:blipFill>
+        <p:spPr bwMode="auto">
+          <a:xfrm>
+            <a:off x="2190538" y="2447948"/>
+            <a:ext cx="7040601" cy="2271182"/>
+          </a:xfrm>
+          <a:prstGeom prst="rect">
+            <a:avLst/>
+          </a:prstGeom>
+          <a:ln>
+            <a:noFill/>
+          </a:ln>
+          <a:extLst>
+            <a:ext uri="{53640926-AAD7-44D8-BBD7-CCE9431645EC}">
+              <a14:shadowObscured xmlns:a14="http://schemas.microsoft.com/office/drawing/2010/main"/>
+            </a:ext>
+          </a:extLst>
+        </p:spPr>
+      </p:pic>
+      <p:pic>
+        <p:nvPicPr>
+          <p:cNvPr id="9" name="Image 8">
+            <a:extLst>
+              <a:ext uri="{FF2B5EF4-FFF2-40B4-BE49-F238E27FC236}">
+                <a16:creationId xmlns:a16="http://schemas.microsoft.com/office/drawing/2014/main" id="{7B8AAB24-96D4-46C5-9560-F2E075DF0EA5}"/>
+              </a:ext>
+            </a:extLst>
+          </p:cNvPr>
+          <p:cNvPicPr/>
+          <p:nvPr/>
+        </p:nvPicPr>
+        <p:blipFill>
+          <a:blip r:embed="rId4"/>
+          <a:stretch>
+            <a:fillRect/>
+          </a:stretch>
+        </p:blipFill>
+        <p:spPr>
+          <a:xfrm>
+            <a:off x="2011943" y="1804801"/>
+            <a:ext cx="7279874" cy="3980177"/>
+          </a:xfrm>
+          <a:prstGeom prst="rect">
+            <a:avLst/>
+          </a:prstGeom>
+        </p:spPr>
+      </p:pic>
+      <p:pic>
+        <p:nvPicPr>
+          <p:cNvPr id="8" name="Image 7">
+            <a:extLst>
+              <a:ext uri="{FF2B5EF4-FFF2-40B4-BE49-F238E27FC236}">
+                <a16:creationId xmlns:a16="http://schemas.microsoft.com/office/drawing/2014/main" id="{BBBF9243-0C6A-4CE9-A55D-33EDF6CFCFB7}"/>
+              </a:ext>
+            </a:extLst>
+          </p:cNvPr>
+          <p:cNvPicPr/>
+          <p:nvPr/>
+        </p:nvPicPr>
+        <p:blipFill>
+          <a:blip r:embed="rId5"/>
+          <a:stretch>
+            <a:fillRect/>
+          </a:stretch>
+        </p:blipFill>
+        <p:spPr>
+          <a:xfrm>
+            <a:off x="1641054" y="1507894"/>
+            <a:ext cx="8420985" cy="4848456"/>
+          </a:xfrm>
+          <a:prstGeom prst="rect">
+            <a:avLst/>
+          </a:prstGeom>
+        </p:spPr>
+      </p:pic>
+      <p:pic>
+        <p:nvPicPr>
+          <p:cNvPr id="7" name="Image 6">
+            <a:extLst>
+              <a:ext uri="{FF2B5EF4-FFF2-40B4-BE49-F238E27FC236}">
+                <a16:creationId xmlns:a16="http://schemas.microsoft.com/office/drawing/2014/main" id="{A3E03887-7E88-4CD1-B0C2-797B92001DA0}"/>
+              </a:ext>
+            </a:extLst>
+          </p:cNvPr>
+          <p:cNvPicPr/>
+          <p:nvPr/>
+        </p:nvPicPr>
+        <p:blipFill>
+          <a:blip r:embed="rId6"/>
+          <a:stretch>
+            <a:fillRect/>
+          </a:stretch>
+        </p:blipFill>
+        <p:spPr>
+          <a:xfrm>
+            <a:off x="1641053" y="1507894"/>
+            <a:ext cx="8539004" cy="4848457"/>
+          </a:xfrm>
+          <a:prstGeom prst="rect">
+            <a:avLst/>
+          </a:prstGeom>
+        </p:spPr>
+      </p:pic>
+    </p:spTree>
+    <p:extLst>
+      <p:ext uri="{BB962C8B-B14F-4D97-AF65-F5344CB8AC3E}">
+        <p14:creationId xmlns:p14="http://schemas.microsoft.com/office/powerpoint/2010/main" val="685834599"/>
+      </p:ext>
+    </p:extLst>
+  </p:cSld>
+  <p:clrMapOvr>
+    <a:masterClrMapping/>
+  </p:clrMapOvr>
+  <p:timing>
+    <p:tnLst>
+      <p:par>
+        <p:cTn id="1" dur="indefinite" restart="never" nodeType="tmRoot">
+          <p:childTnLst>
+            <p:seq concurrent="1" nextAc="seek">
+              <p:cTn id="2" dur="indefinite" nodeType="mainSeq">
+                <p:childTnLst>
+                  <p:par>
+                    <p:cTn id="3" fill="hold">
+                      <p:stCondLst>
+                        <p:cond delay="indefinite"/>
+                      </p:stCondLst>
+                      <p:childTnLst>
+                        <p:par>
+                          <p:cTn id="4" fill="hold">
+                            <p:stCondLst>
+                              <p:cond delay="0"/>
+                            </p:stCondLst>
+                            <p:childTnLst>
+                              <p:par>
+                                <p:cTn id="5" presetID="1" presetClass="entr" presetSubtype="0" fill="hold" nodeType="clickEffect">
+                                  <p:stCondLst>
+                                    <p:cond delay="0"/>
+                                  </p:stCondLst>
+                                  <p:childTnLst>
+                                    <p:set>
+                                      <p:cBhvr>
+                                        <p:cTn id="6" dur="1" fill="hold">
+                                          <p:stCondLst>
+                                            <p:cond delay="1999"/>
+                                          </p:stCondLst>
+                                        </p:cTn>
+                                        <p:tgtEl>
+                                          <p:spTgt spid="10"/>
+                                        </p:tgtEl>
+                                        <p:attrNameLst>
+                                          <p:attrName>style.visibility</p:attrName>
+                                        </p:attrNameLst>
+                                      </p:cBhvr>
+                                      <p:to>
+                                        <p:strVal val="visible"/>
+                                      </p:to>
+                                    </p:set>
+                                  </p:childTnLst>
+                                </p:cTn>
+                              </p:par>
+                            </p:childTnLst>
+                          </p:cTn>
+                        </p:par>
+                      </p:childTnLst>
+                    </p:cTn>
+                  </p:par>
+                  <p:par>
+                    <p:cTn id="7" fill="hold">
+                      <p:stCondLst>
+                        <p:cond delay="indefinite"/>
+                      </p:stCondLst>
+                      <p:childTnLst>
+                        <p:par>
+                          <p:cTn id="8" fill="hold">
+                            <p:stCondLst>
+                              <p:cond delay="0"/>
+                            </p:stCondLst>
+                            <p:childTnLst>
+                              <p:par>
+                                <p:cTn id="9" presetID="1" presetClass="entr" presetSubtype="0" fill="hold" nodeType="clickEffect">
+                                  <p:stCondLst>
+                                    <p:cond delay="0"/>
+                                  </p:stCondLst>
+                                  <p:childTnLst>
+                                    <p:set>
+                                      <p:cBhvr>
+                                        <p:cTn id="10" dur="1" fill="hold">
+                                          <p:stCondLst>
+                                            <p:cond delay="0"/>
+                                          </p:stCondLst>
+                                        </p:cTn>
+                                        <p:tgtEl>
+                                          <p:spTgt spid="9"/>
+                                        </p:tgtEl>
+                                        <p:attrNameLst>
+                                          <p:attrName>style.visibility</p:attrName>
+                                        </p:attrNameLst>
+                                      </p:cBhvr>
+                                      <p:to>
+                                        <p:strVal val="visible"/>
+                                      </p:to>
+                                    </p:set>
+                                  </p:childTnLst>
+                                </p:cTn>
+                              </p:par>
+                            </p:childTnLst>
+                          </p:cTn>
+                        </p:par>
+                      </p:childTnLst>
+                    </p:cTn>
+                  </p:par>
+                  <p:par>
+                    <p:cTn id="11" fill="hold">
+                      <p:stCondLst>
+                        <p:cond delay="indefinite"/>
+                      </p:stCondLst>
+                      <p:childTnLst>
+                        <p:par>
+                          <p:cTn id="12" fill="hold">
+                            <p:stCondLst>
+                              <p:cond delay="0"/>
+                            </p:stCondLst>
+                            <p:childTnLst>
+                              <p:par>
+                                <p:cTn id="13" presetID="1" presetClass="entr" presetSubtype="0" fill="hold" nodeType="clickEffect">
+                                  <p:stCondLst>
+                                    <p:cond delay="0"/>
+                                  </p:stCondLst>
+                                  <p:childTnLst>
+                                    <p:set>
+                                      <p:cBhvr>
+                                        <p:cTn id="14" dur="1" fill="hold">
+                                          <p:stCondLst>
+                                            <p:cond delay="0"/>
+                                          </p:stCondLst>
+                                        </p:cTn>
+                                        <p:tgtEl>
+                                          <p:spTgt spid="8"/>
+                                        </p:tgtEl>
+                                        <p:attrNameLst>
+                                          <p:attrName>style.visibility</p:attrName>
+                                        </p:attrNameLst>
+                                      </p:cBhvr>
+                                      <p:to>
+                                        <p:strVal val="visible"/>
+                                      </p:to>
+                                    </p:set>
+                                  </p:childTnLst>
+                                </p:cTn>
+                              </p:par>
+                            </p:childTnLst>
+                          </p:cTn>
+                        </p:par>
+                      </p:childTnLst>
+                    </p:cTn>
+                  </p:par>
+                  <p:par>
+                    <p:cTn id="15" fill="hold">
+                      <p:stCondLst>
+                        <p:cond delay="indefinite"/>
+                      </p:stCondLst>
+                      <p:childTnLst>
+                        <p:par>
+                          <p:cTn id="16" fill="hold">
+                            <p:stCondLst>
+                              <p:cond delay="0"/>
+                            </p:stCondLst>
+                            <p:childTnLst>
+                              <p:par>
+                                <p:cTn id="17" presetID="1" presetClass="entr" presetSubtype="0" fill="hold" nodeType="clickEffect">
+                                  <p:stCondLst>
+                                    <p:cond delay="0"/>
+                                  </p:stCondLst>
+                                  <p:childTnLst>
+                                    <p:set>
+                                      <p:cBhvr>
+                                        <p:cTn id="18" dur="1" fill="hold">
+                                          <p:stCondLst>
+                                            <p:cond delay="0"/>
+                                          </p:stCondLst>
+                                        </p:cTn>
+                                        <p:tgtEl>
+                                          <p:spTgt spid="7"/>
+                                        </p:tgtEl>
+                                        <p:attrNameLst>
+                                          <p:attrName>style.visibility</p:attrName>
+                                        </p:attrNameLst>
+                                      </p:cBhvr>
+                                      <p:to>
+                                        <p:strVal val="visible"/>
+                                      </p:to>
+                                    </p:set>
+                                  </p:childTnLst>
+                                </p:cTn>
+                              </p:par>
+                            </p:childTnLst>
+                          </p:cTn>
+                        </p:par>
+                      </p:childTnLst>
+                    </p:cTn>
+                  </p:par>
+                </p:childTnLst>
+              </p:cTn>
+              <p:prevCondLst>
+                <p:cond evt="onPrev" delay="0">
+                  <p:tgtEl>
+                    <p:sldTgt/>
+                  </p:tgtEl>
+                </p:cond>
+              </p:prevCondLst>
+              <p:nextCondLst>
+                <p:cond evt="onNext" delay="0">
+                  <p:tgtEl>
+                    <p:sldTgt/>
+                  </p:tgtEl>
+                </p:cond>
+              </p:nextCondLst>
+            </p:seq>
+          </p:childTnLst>
+        </p:cTn>
+      </p:par>
+    </p:tnLst>
+  </p:timing>
+</p:sld>
+</file>
+
+<file path=ppt/slides/slide11.xml><?xml version="1.0" encoding="utf-8"?>
+<p:sld xmlns:a="http://schemas.openxmlformats.org/drawingml/2006/main" xmlns:r="http://schemas.openxmlformats.org/officeDocument/2006/relationships" xmlns:p="http://schemas.openxmlformats.org/presentationml/2006/main">
+  <p:cSld>
     <p:bg>
       <p:bgPr>
         <a:solidFill>
@@ -4173,7 +4663,7 @@
           <a:p>
             <a:fld id="{B8E0B961-A637-4848-B0A2-B04876406418}" type="slidenum">
               <a:rPr lang="fr-FR" smtClean="0"/>
-              <a:t>10</a:t>
+              <a:t>11</a:t>
             </a:fld>
             <a:endParaRPr lang="fr-FR"/>
           </a:p>
@@ -4193,6 +4683,229 @@
 </file>
 
 <file path=ppt/slides/slide2.xml><?xml version="1.0" encoding="utf-8"?>
+<p:sld xmlns:a="http://schemas.openxmlformats.org/drawingml/2006/main" xmlns:r="http://schemas.openxmlformats.org/officeDocument/2006/relationships" xmlns:p="http://schemas.openxmlformats.org/presentationml/2006/main">
+  <p:cSld>
+    <p:spTree>
+      <p:nvGrpSpPr>
+        <p:cNvPr id="1" name=""/>
+        <p:cNvGrpSpPr/>
+        <p:nvPr/>
+      </p:nvGrpSpPr>
+      <p:grpSpPr>
+        <a:xfrm>
+          <a:off x="0" y="0"/>
+          <a:ext cx="0" cy="0"/>
+          <a:chOff x="0" y="0"/>
+          <a:chExt cx="0" cy="0"/>
+        </a:xfrm>
+      </p:grpSpPr>
+      <p:pic>
+        <p:nvPicPr>
+          <p:cNvPr id="7" name="Espace réservé du contenu 3" descr="Une image contenant table, paire&#10;&#10;Description générée automatiquement">
+            <a:extLst>
+              <a:ext uri="{FF2B5EF4-FFF2-40B4-BE49-F238E27FC236}">
+                <a16:creationId xmlns:a16="http://schemas.microsoft.com/office/drawing/2014/main" id="{5067C159-30FC-4244-AC86-5AB231483719}"/>
+              </a:ext>
+            </a:extLst>
+          </p:cNvPr>
+          <p:cNvPicPr>
+            <a:picLocks noChangeAspect="1"/>
+          </p:cNvPicPr>
+          <p:nvPr/>
+        </p:nvPicPr>
+        <p:blipFill rotWithShape="1">
+          <a:blip r:embed="rId2">
+            <a:extLst>
+              <a:ext uri="{28A0092B-C50C-407E-A947-70E740481C1C}">
+                <a14:useLocalDpi xmlns:a14="http://schemas.microsoft.com/office/drawing/2010/main" val="0"/>
+              </a:ext>
+            </a:extLst>
+          </a:blip>
+          <a:srcRect t="6250"/>
+          <a:stretch/>
+        </p:blipFill>
+        <p:spPr>
+          <a:xfrm>
+            <a:off x="0" y="2042"/>
+            <a:ext cx="12192000" cy="6855958"/>
+          </a:xfrm>
+          <a:prstGeom prst="rect">
+            <a:avLst/>
+          </a:prstGeom>
+        </p:spPr>
+      </p:pic>
+      <p:sp>
+        <p:nvSpPr>
+          <p:cNvPr id="2" name="Titre 1">
+            <a:extLst>
+              <a:ext uri="{FF2B5EF4-FFF2-40B4-BE49-F238E27FC236}">
+                <a16:creationId xmlns:a16="http://schemas.microsoft.com/office/drawing/2014/main" id="{61602C2B-D90E-4616-A295-E44864BF2590}"/>
+              </a:ext>
+            </a:extLst>
+          </p:cNvPr>
+          <p:cNvSpPr>
+            <a:spLocks noGrp="1"/>
+          </p:cNvSpPr>
+          <p:nvPr>
+            <p:ph type="title"/>
+          </p:nvPr>
+        </p:nvSpPr>
+        <p:spPr>
+          <a:xfrm>
+            <a:off x="838200" y="-54602"/>
+            <a:ext cx="10515600" cy="979636"/>
+          </a:xfrm>
+        </p:spPr>
+        <p:txBody>
+          <a:bodyPr>
+            <a:normAutofit/>
+          </a:bodyPr>
+          <a:lstStyle/>
+          <a:p>
+            <a:r>
+              <a:rPr lang="fr-FR" sz="4000" b="1" dirty="0">
+                <a:solidFill>
+                  <a:srgbClr val="FF0000"/>
+                </a:solidFill>
+              </a:rPr>
+              <a:t>Présentation de l’entreprise et objectifs du projet</a:t>
+            </a:r>
+          </a:p>
+        </p:txBody>
+      </p:sp>
+      <p:pic>
+        <p:nvPicPr>
+          <p:cNvPr id="6" name="Espace réservé du contenu 5">
+            <a:extLst>
+              <a:ext uri="{FF2B5EF4-FFF2-40B4-BE49-F238E27FC236}">
+                <a16:creationId xmlns:a16="http://schemas.microsoft.com/office/drawing/2014/main" id="{DE415BA8-1BA1-45F1-A6BF-741C3CB3A85B}"/>
+              </a:ext>
+            </a:extLst>
+          </p:cNvPr>
+          <p:cNvPicPr>
+            <a:picLocks noGrp="1" noChangeAspect="1"/>
+          </p:cNvPicPr>
+          <p:nvPr>
+            <p:ph idx="1"/>
+          </p:nvPr>
+        </p:nvPicPr>
+        <p:blipFill>
+          <a:blip r:embed="rId3"/>
+          <a:stretch>
+            <a:fillRect/>
+          </a:stretch>
+        </p:blipFill>
+        <p:spPr>
+          <a:xfrm>
+            <a:off x="1437278" y="981678"/>
+            <a:ext cx="8299992" cy="3395452"/>
+          </a:xfrm>
+          <a:prstGeom prst="rect">
+            <a:avLst/>
+          </a:prstGeom>
+        </p:spPr>
+      </p:pic>
+      <p:sp>
+        <p:nvSpPr>
+          <p:cNvPr id="4" name="Espace réservé du pied de page 3">
+            <a:extLst>
+              <a:ext uri="{FF2B5EF4-FFF2-40B4-BE49-F238E27FC236}">
+                <a16:creationId xmlns:a16="http://schemas.microsoft.com/office/drawing/2014/main" id="{2D968505-40D5-4930-89EC-8E39E8FFCAC6}"/>
+              </a:ext>
+            </a:extLst>
+          </p:cNvPr>
+          <p:cNvSpPr>
+            <a:spLocks noGrp="1"/>
+          </p:cNvSpPr>
+          <p:nvPr>
+            <p:ph type="ftr" sz="quarter" idx="11"/>
+          </p:nvPr>
+        </p:nvSpPr>
+        <p:spPr/>
+        <p:txBody>
+          <a:bodyPr/>
+          <a:lstStyle/>
+          <a:p>
+            <a:r>
+              <a:rPr lang="fr-FR"/>
+              <a:t>Corentin BRENY - ST Félix La Salle - 2020</a:t>
+            </a:r>
+          </a:p>
+        </p:txBody>
+      </p:sp>
+      <p:sp>
+        <p:nvSpPr>
+          <p:cNvPr id="5" name="Espace réservé du numéro de diapositive 4">
+            <a:extLst>
+              <a:ext uri="{FF2B5EF4-FFF2-40B4-BE49-F238E27FC236}">
+                <a16:creationId xmlns:a16="http://schemas.microsoft.com/office/drawing/2014/main" id="{71AD356B-4955-48AD-B93A-CC1932D6242D}"/>
+              </a:ext>
+            </a:extLst>
+          </p:cNvPr>
+          <p:cNvSpPr>
+            <a:spLocks noGrp="1"/>
+          </p:cNvSpPr>
+          <p:nvPr>
+            <p:ph type="sldNum" sz="quarter" idx="12"/>
+          </p:nvPr>
+        </p:nvSpPr>
+        <p:spPr/>
+        <p:txBody>
+          <a:bodyPr/>
+          <a:lstStyle/>
+          <a:p>
+            <a:fld id="{B8E0B961-A637-4848-B0A2-B04876406418}" type="slidenum">
+              <a:rPr lang="fr-FR" smtClean="0"/>
+              <a:t>2</a:t>
+            </a:fld>
+            <a:endParaRPr lang="fr-FR"/>
+          </a:p>
+        </p:txBody>
+      </p:sp>
+      <p:pic>
+        <p:nvPicPr>
+          <p:cNvPr id="8" name="Image 7">
+            <a:extLst>
+              <a:ext uri="{FF2B5EF4-FFF2-40B4-BE49-F238E27FC236}">
+                <a16:creationId xmlns:a16="http://schemas.microsoft.com/office/drawing/2014/main" id="{D910F89A-477C-4D3E-884A-2E0D4ED252CF}"/>
+              </a:ext>
+            </a:extLst>
+          </p:cNvPr>
+          <p:cNvPicPr>
+            <a:picLocks noChangeAspect="1"/>
+          </p:cNvPicPr>
+          <p:nvPr/>
+        </p:nvPicPr>
+        <p:blipFill>
+          <a:blip r:embed="rId4"/>
+          <a:stretch>
+            <a:fillRect/>
+          </a:stretch>
+        </p:blipFill>
+        <p:spPr>
+          <a:xfrm>
+            <a:off x="1437278" y="4726521"/>
+            <a:ext cx="8299992" cy="1493304"/>
+          </a:xfrm>
+          <a:prstGeom prst="rect">
+            <a:avLst/>
+          </a:prstGeom>
+        </p:spPr>
+      </p:pic>
+    </p:spTree>
+    <p:extLst>
+      <p:ext uri="{BB962C8B-B14F-4D97-AF65-F5344CB8AC3E}">
+        <p14:creationId xmlns:p14="http://schemas.microsoft.com/office/powerpoint/2010/main" val="1815106166"/>
+      </p:ext>
+    </p:extLst>
+  </p:cSld>
+  <p:clrMapOvr>
+    <a:masterClrMapping/>
+  </p:clrMapOvr>
+</p:sld>
+</file>
+
+<file path=ppt/slides/slide3.xml><?xml version="1.0" encoding="utf-8"?>
 <p:sld xmlns:a="http://schemas.openxmlformats.org/drawingml/2006/main" xmlns:r="http://schemas.openxmlformats.org/officeDocument/2006/relationships" xmlns:p="http://schemas.openxmlformats.org/presentationml/2006/main">
   <p:cSld>
     <p:bg>
@@ -4776,440 +5489,8 @@
           <a:p>
             <a:fld id="{B8E0B961-A637-4848-B0A2-B04876406418}" type="slidenum">
               <a:rPr lang="fr-FR" smtClean="0"/>
-              <a:t>2</a:t>
+              <a:t>3</a:t>
             </a:fld>
-            <a:endParaRPr lang="fr-FR"/>
-          </a:p>
-        </p:txBody>
-      </p:sp>
-      <p:sp>
-        <p:nvSpPr>
-          <p:cNvPr id="7" name="Rectangle 6">
-            <a:extLst>
-              <a:ext uri="{FF2B5EF4-FFF2-40B4-BE49-F238E27FC236}">
-                <a16:creationId xmlns:a16="http://schemas.microsoft.com/office/drawing/2014/main" id="{6EDA0B43-52F3-4BF2-B7D6-8DB4998F485C}"/>
-              </a:ext>
-            </a:extLst>
-          </p:cNvPr>
-          <p:cNvSpPr/>
-          <p:nvPr/>
-        </p:nvSpPr>
-        <p:spPr>
-          <a:xfrm>
-            <a:off x="11352276" y="339806"/>
-            <a:ext cx="649222" cy="5859825"/>
-          </a:xfrm>
-          <a:prstGeom prst="rect">
-            <a:avLst/>
-          </a:prstGeom>
-          <a:solidFill>
-            <a:schemeClr val="tx1"/>
-          </a:solidFill>
-          <a:ln>
-            <a:solidFill>
-              <a:srgbClr val="00C020"/>
-            </a:solidFill>
-          </a:ln>
-        </p:spPr>
-        <p:style>
-          <a:lnRef idx="2">
-            <a:schemeClr val="accent1">
-              <a:shade val="50000"/>
-            </a:schemeClr>
-          </a:lnRef>
-          <a:fillRef idx="1">
-            <a:schemeClr val="accent1"/>
-          </a:fillRef>
-          <a:effectRef idx="0">
-            <a:schemeClr val="accent1"/>
-          </a:effectRef>
-          <a:fontRef idx="minor">
-            <a:schemeClr val="lt1"/>
-          </a:fontRef>
-        </p:style>
-        <p:txBody>
-          <a:bodyPr rtlCol="0" anchor="ctr"/>
-          <a:lstStyle/>
-          <a:p>
-            <a:pPr algn="ctr"/>
-            <a:endParaRPr lang="fr-FR"/>
-          </a:p>
-        </p:txBody>
-      </p:sp>
-      <p:sp>
-        <p:nvSpPr>
-          <p:cNvPr id="8" name="Ellipse 7">
-            <a:extLst>
-              <a:ext uri="{FF2B5EF4-FFF2-40B4-BE49-F238E27FC236}">
-                <a16:creationId xmlns:a16="http://schemas.microsoft.com/office/drawing/2014/main" id="{F8AD6DE1-77EF-4238-BB80-2B6895662343}"/>
-              </a:ext>
-            </a:extLst>
-          </p:cNvPr>
-          <p:cNvSpPr/>
-          <p:nvPr/>
-        </p:nvSpPr>
-        <p:spPr>
-          <a:xfrm>
-            <a:off x="11352274" y="-36612"/>
-            <a:ext cx="649224" cy="694981"/>
-          </a:xfrm>
-          <a:prstGeom prst="ellipse">
-            <a:avLst/>
-          </a:prstGeom>
-          <a:solidFill>
-            <a:srgbClr val="00C020"/>
-          </a:solidFill>
-          <a:ln>
-            <a:solidFill>
-              <a:srgbClr val="00C020"/>
-            </a:solidFill>
-          </a:ln>
-        </p:spPr>
-        <p:style>
-          <a:lnRef idx="2">
-            <a:schemeClr val="accent1">
-              <a:shade val="50000"/>
-            </a:schemeClr>
-          </a:lnRef>
-          <a:fillRef idx="1">
-            <a:schemeClr val="accent1"/>
-          </a:fillRef>
-          <a:effectRef idx="0">
-            <a:schemeClr val="accent1"/>
-          </a:effectRef>
-          <a:fontRef idx="minor">
-            <a:schemeClr val="lt1"/>
-          </a:fontRef>
-        </p:style>
-        <p:txBody>
-          <a:bodyPr rtlCol="0" anchor="ctr"/>
-          <a:lstStyle/>
-          <a:p>
-            <a:pPr algn="ctr"/>
-            <a:endParaRPr lang="fr-FR"/>
-          </a:p>
-        </p:txBody>
-      </p:sp>
-      <p:sp>
-        <p:nvSpPr>
-          <p:cNvPr id="11" name="Ellipse 10">
-            <a:extLst>
-              <a:ext uri="{FF2B5EF4-FFF2-40B4-BE49-F238E27FC236}">
-                <a16:creationId xmlns:a16="http://schemas.microsoft.com/office/drawing/2014/main" id="{6B05A488-072D-4C14-9D26-6CA8F88F43E4}"/>
-              </a:ext>
-            </a:extLst>
-          </p:cNvPr>
-          <p:cNvSpPr/>
-          <p:nvPr/>
-        </p:nvSpPr>
-        <p:spPr>
-          <a:xfrm>
-            <a:off x="11352273" y="954310"/>
-            <a:ext cx="649224" cy="694981"/>
-          </a:xfrm>
-          <a:prstGeom prst="ellipse">
-            <a:avLst/>
-          </a:prstGeom>
-          <a:solidFill>
-            <a:schemeClr val="tx1"/>
-          </a:solidFill>
-          <a:ln>
-            <a:solidFill>
-              <a:srgbClr val="00C020"/>
-            </a:solidFill>
-          </a:ln>
-        </p:spPr>
-        <p:style>
-          <a:lnRef idx="2">
-            <a:schemeClr val="accent1">
-              <a:shade val="50000"/>
-            </a:schemeClr>
-          </a:lnRef>
-          <a:fillRef idx="1">
-            <a:schemeClr val="accent1"/>
-          </a:fillRef>
-          <a:effectRef idx="0">
-            <a:schemeClr val="accent1"/>
-          </a:effectRef>
-          <a:fontRef idx="minor">
-            <a:schemeClr val="lt1"/>
-          </a:fontRef>
-        </p:style>
-        <p:txBody>
-          <a:bodyPr rtlCol="0" anchor="ctr"/>
-          <a:lstStyle/>
-          <a:p>
-            <a:pPr algn="ctr"/>
-            <a:endParaRPr lang="fr-FR"/>
-          </a:p>
-        </p:txBody>
-      </p:sp>
-      <p:sp>
-        <p:nvSpPr>
-          <p:cNvPr id="12" name="Ellipse 11">
-            <a:extLst>
-              <a:ext uri="{FF2B5EF4-FFF2-40B4-BE49-F238E27FC236}">
-                <a16:creationId xmlns:a16="http://schemas.microsoft.com/office/drawing/2014/main" id="{EEA8304F-752E-4359-B5AA-30C4B32C8994}"/>
-              </a:ext>
-            </a:extLst>
-          </p:cNvPr>
-          <p:cNvSpPr/>
-          <p:nvPr/>
-        </p:nvSpPr>
-        <p:spPr>
-          <a:xfrm>
-            <a:off x="11352273" y="1922124"/>
-            <a:ext cx="649225" cy="694981"/>
-          </a:xfrm>
-          <a:prstGeom prst="ellipse">
-            <a:avLst/>
-          </a:prstGeom>
-          <a:solidFill>
-            <a:schemeClr val="tx1"/>
-          </a:solidFill>
-          <a:ln>
-            <a:solidFill>
-              <a:srgbClr val="00C020"/>
-            </a:solidFill>
-          </a:ln>
-        </p:spPr>
-        <p:style>
-          <a:lnRef idx="2">
-            <a:schemeClr val="accent1">
-              <a:shade val="50000"/>
-            </a:schemeClr>
-          </a:lnRef>
-          <a:fillRef idx="1">
-            <a:schemeClr val="accent1"/>
-          </a:fillRef>
-          <a:effectRef idx="0">
-            <a:schemeClr val="accent1"/>
-          </a:effectRef>
-          <a:fontRef idx="minor">
-            <a:schemeClr val="lt1"/>
-          </a:fontRef>
-        </p:style>
-        <p:txBody>
-          <a:bodyPr rtlCol="0" anchor="ctr"/>
-          <a:lstStyle/>
-          <a:p>
-            <a:pPr algn="ctr"/>
-            <a:endParaRPr lang="fr-FR"/>
-          </a:p>
-        </p:txBody>
-      </p:sp>
-      <p:sp>
-        <p:nvSpPr>
-          <p:cNvPr id="13" name="Ellipse 12">
-            <a:extLst>
-              <a:ext uri="{FF2B5EF4-FFF2-40B4-BE49-F238E27FC236}">
-                <a16:creationId xmlns:a16="http://schemas.microsoft.com/office/drawing/2014/main" id="{4273C0B2-217E-44FF-B0C2-2734CBE3E405}"/>
-              </a:ext>
-            </a:extLst>
-          </p:cNvPr>
-          <p:cNvSpPr/>
-          <p:nvPr/>
-        </p:nvSpPr>
-        <p:spPr>
-          <a:xfrm>
-            <a:off x="11352273" y="2913046"/>
-            <a:ext cx="649225" cy="694981"/>
-          </a:xfrm>
-          <a:prstGeom prst="ellipse">
-            <a:avLst/>
-          </a:prstGeom>
-          <a:solidFill>
-            <a:schemeClr val="tx1"/>
-          </a:solidFill>
-          <a:ln>
-            <a:solidFill>
-              <a:srgbClr val="00C020"/>
-            </a:solidFill>
-          </a:ln>
-        </p:spPr>
-        <p:style>
-          <a:lnRef idx="2">
-            <a:schemeClr val="accent1">
-              <a:shade val="50000"/>
-            </a:schemeClr>
-          </a:lnRef>
-          <a:fillRef idx="1">
-            <a:schemeClr val="accent1"/>
-          </a:fillRef>
-          <a:effectRef idx="0">
-            <a:schemeClr val="accent1"/>
-          </a:effectRef>
-          <a:fontRef idx="minor">
-            <a:schemeClr val="lt1"/>
-          </a:fontRef>
-        </p:style>
-        <p:txBody>
-          <a:bodyPr rtlCol="0" anchor="ctr"/>
-          <a:lstStyle/>
-          <a:p>
-            <a:pPr algn="ctr"/>
-            <a:endParaRPr lang="fr-FR"/>
-          </a:p>
-        </p:txBody>
-      </p:sp>
-      <p:sp>
-        <p:nvSpPr>
-          <p:cNvPr id="14" name="Ellipse 13">
-            <a:extLst>
-              <a:ext uri="{FF2B5EF4-FFF2-40B4-BE49-F238E27FC236}">
-                <a16:creationId xmlns:a16="http://schemas.microsoft.com/office/drawing/2014/main" id="{665741B3-026A-4D72-B443-02E03947E1ED}"/>
-              </a:ext>
-            </a:extLst>
-          </p:cNvPr>
-          <p:cNvSpPr/>
-          <p:nvPr/>
-        </p:nvSpPr>
-        <p:spPr>
-          <a:xfrm>
-            <a:off x="11352273" y="3903968"/>
-            <a:ext cx="649224" cy="694981"/>
-          </a:xfrm>
-          <a:prstGeom prst="ellipse">
-            <a:avLst/>
-          </a:prstGeom>
-          <a:solidFill>
-            <a:schemeClr val="tx1"/>
-          </a:solidFill>
-          <a:ln>
-            <a:solidFill>
-              <a:srgbClr val="00C020"/>
-            </a:solidFill>
-          </a:ln>
-        </p:spPr>
-        <p:style>
-          <a:lnRef idx="2">
-            <a:schemeClr val="accent1">
-              <a:shade val="50000"/>
-            </a:schemeClr>
-          </a:lnRef>
-          <a:fillRef idx="1">
-            <a:schemeClr val="accent1"/>
-          </a:fillRef>
-          <a:effectRef idx="0">
-            <a:schemeClr val="accent1"/>
-          </a:effectRef>
-          <a:fontRef idx="minor">
-            <a:schemeClr val="lt1"/>
-          </a:fontRef>
-        </p:style>
-        <p:txBody>
-          <a:bodyPr rtlCol="0" anchor="ctr"/>
-          <a:lstStyle/>
-          <a:p>
-            <a:pPr algn="ctr"/>
-            <a:endParaRPr lang="fr-FR"/>
-          </a:p>
-        </p:txBody>
-      </p:sp>
-      <p:sp>
-        <p:nvSpPr>
-          <p:cNvPr id="15" name="Ellipse 14">
-            <a:extLst>
-              <a:ext uri="{FF2B5EF4-FFF2-40B4-BE49-F238E27FC236}">
-                <a16:creationId xmlns:a16="http://schemas.microsoft.com/office/drawing/2014/main" id="{A72AB978-F4DE-4BD2-A9C1-DDCACD1447B9}"/>
-              </a:ext>
-            </a:extLst>
-          </p:cNvPr>
-          <p:cNvSpPr/>
-          <p:nvPr/>
-        </p:nvSpPr>
-        <p:spPr>
-          <a:xfrm>
-            <a:off x="11352273" y="4894193"/>
-            <a:ext cx="649224" cy="694982"/>
-          </a:xfrm>
-          <a:prstGeom prst="ellipse">
-            <a:avLst/>
-          </a:prstGeom>
-          <a:solidFill>
-            <a:schemeClr val="tx1"/>
-          </a:solidFill>
-          <a:ln>
-            <a:solidFill>
-              <a:srgbClr val="00C020"/>
-            </a:solidFill>
-          </a:ln>
-        </p:spPr>
-        <p:style>
-          <a:lnRef idx="2">
-            <a:schemeClr val="accent1">
-              <a:shade val="50000"/>
-            </a:schemeClr>
-          </a:lnRef>
-          <a:fillRef idx="1">
-            <a:schemeClr val="accent1"/>
-          </a:fillRef>
-          <a:effectRef idx="0">
-            <a:schemeClr val="accent1"/>
-          </a:effectRef>
-          <a:fontRef idx="minor">
-            <a:schemeClr val="lt1"/>
-          </a:fontRef>
-        </p:style>
-        <p:txBody>
-          <a:bodyPr rtlCol="0" anchor="ctr"/>
-          <a:lstStyle/>
-          <a:p>
-            <a:pPr algn="ctr"/>
-            <a:endParaRPr lang="fr-FR"/>
-          </a:p>
-        </p:txBody>
-      </p:sp>
-      <p:sp>
-        <p:nvSpPr>
-          <p:cNvPr id="16" name="Ellipse 15">
-            <a:extLst>
-              <a:ext uri="{FF2B5EF4-FFF2-40B4-BE49-F238E27FC236}">
-                <a16:creationId xmlns:a16="http://schemas.microsoft.com/office/drawing/2014/main" id="{2ED169C0-3B08-4A8E-AC1C-ED2E1E2CE371}"/>
-              </a:ext>
-            </a:extLst>
-          </p:cNvPr>
-          <p:cNvSpPr/>
-          <p:nvPr/>
-        </p:nvSpPr>
-        <p:spPr>
-          <a:xfrm>
-            <a:off x="11352273" y="5888237"/>
-            <a:ext cx="649224" cy="694981"/>
-          </a:xfrm>
-          <a:prstGeom prst="ellipse">
-            <a:avLst/>
-          </a:prstGeom>
-          <a:solidFill>
-            <a:schemeClr val="tx1"/>
-          </a:solidFill>
-          <a:ln>
-            <a:solidFill>
-              <a:srgbClr val="00C020"/>
-            </a:solidFill>
-          </a:ln>
-        </p:spPr>
-        <p:style>
-          <a:lnRef idx="2">
-            <a:schemeClr val="accent1">
-              <a:shade val="50000"/>
-            </a:schemeClr>
-          </a:lnRef>
-          <a:fillRef idx="1">
-            <a:schemeClr val="accent1"/>
-          </a:fillRef>
-          <a:effectRef idx="0">
-            <a:schemeClr val="accent1"/>
-          </a:effectRef>
-          <a:fontRef idx="minor">
-            <a:schemeClr val="lt1"/>
-          </a:fontRef>
-        </p:style>
-        <p:txBody>
-          <a:bodyPr rtlCol="0" anchor="ctr"/>
-          <a:lstStyle/>
-          <a:p>
-            <a:pPr algn="ctr"/>
             <a:endParaRPr lang="fr-FR"/>
           </a:p>
         </p:txBody>
@@ -5684,7 +5965,7 @@
 </p:sld>
 </file>
 
-<file path=ppt/slides/slide3.xml><?xml version="1.0" encoding="utf-8"?>
+<file path=ppt/slides/slide4.xml><?xml version="1.0" encoding="utf-8"?>
 <p:sld xmlns:a="http://schemas.openxmlformats.org/drawingml/2006/main" xmlns:r="http://schemas.openxmlformats.org/officeDocument/2006/relationships" xmlns:p="http://schemas.openxmlformats.org/presentationml/2006/main">
   <p:cSld>
     <p:bg>
@@ -5736,7 +6017,7 @@
         </p:blipFill>
         <p:spPr>
           <a:xfrm>
-            <a:off x="0" y="9143"/>
+            <a:off x="0" y="0"/>
             <a:ext cx="12192001" cy="6855959"/>
           </a:xfrm>
           <a:prstGeom prst="rect">
@@ -6008,440 +6289,8 @@
           <a:p>
             <a:fld id="{B8E0B961-A637-4848-B0A2-B04876406418}" type="slidenum">
               <a:rPr lang="fr-FR" smtClean="0"/>
-              <a:t>3</a:t>
+              <a:t>4</a:t>
             </a:fld>
-            <a:endParaRPr lang="fr-FR"/>
-          </a:p>
-        </p:txBody>
-      </p:sp>
-      <p:sp>
-        <p:nvSpPr>
-          <p:cNvPr id="9" name="Rectangle 8">
-            <a:extLst>
-              <a:ext uri="{FF2B5EF4-FFF2-40B4-BE49-F238E27FC236}">
-                <a16:creationId xmlns:a16="http://schemas.microsoft.com/office/drawing/2014/main" id="{8389554A-3B79-490C-8AC8-414BD3843895}"/>
-              </a:ext>
-            </a:extLst>
-          </p:cNvPr>
-          <p:cNvSpPr/>
-          <p:nvPr/>
-        </p:nvSpPr>
-        <p:spPr>
-          <a:xfrm>
-            <a:off x="11352276" y="339806"/>
-            <a:ext cx="649222" cy="5859825"/>
-          </a:xfrm>
-          <a:prstGeom prst="rect">
-            <a:avLst/>
-          </a:prstGeom>
-          <a:solidFill>
-            <a:schemeClr val="tx1"/>
-          </a:solidFill>
-          <a:ln>
-            <a:solidFill>
-              <a:srgbClr val="00C020"/>
-            </a:solidFill>
-          </a:ln>
-        </p:spPr>
-        <p:style>
-          <a:lnRef idx="2">
-            <a:schemeClr val="accent1">
-              <a:shade val="50000"/>
-            </a:schemeClr>
-          </a:lnRef>
-          <a:fillRef idx="1">
-            <a:schemeClr val="accent1"/>
-          </a:fillRef>
-          <a:effectRef idx="0">
-            <a:schemeClr val="accent1"/>
-          </a:effectRef>
-          <a:fontRef idx="minor">
-            <a:schemeClr val="lt1"/>
-          </a:fontRef>
-        </p:style>
-        <p:txBody>
-          <a:bodyPr rtlCol="0" anchor="ctr"/>
-          <a:lstStyle/>
-          <a:p>
-            <a:pPr algn="ctr"/>
-            <a:endParaRPr lang="fr-FR"/>
-          </a:p>
-        </p:txBody>
-      </p:sp>
-      <p:sp>
-        <p:nvSpPr>
-          <p:cNvPr id="11" name="Ellipse 10">
-            <a:extLst>
-              <a:ext uri="{FF2B5EF4-FFF2-40B4-BE49-F238E27FC236}">
-                <a16:creationId xmlns:a16="http://schemas.microsoft.com/office/drawing/2014/main" id="{EDF7EF51-9236-4D09-BC68-1478E58C6CAB}"/>
-              </a:ext>
-            </a:extLst>
-          </p:cNvPr>
-          <p:cNvSpPr/>
-          <p:nvPr/>
-        </p:nvSpPr>
-        <p:spPr>
-          <a:xfrm>
-            <a:off x="11352274" y="-36612"/>
-            <a:ext cx="649224" cy="694981"/>
-          </a:xfrm>
-          <a:prstGeom prst="ellipse">
-            <a:avLst/>
-          </a:prstGeom>
-          <a:solidFill>
-            <a:srgbClr val="00C020"/>
-          </a:solidFill>
-          <a:ln>
-            <a:solidFill>
-              <a:srgbClr val="00C020"/>
-            </a:solidFill>
-          </a:ln>
-        </p:spPr>
-        <p:style>
-          <a:lnRef idx="2">
-            <a:schemeClr val="accent1">
-              <a:shade val="50000"/>
-            </a:schemeClr>
-          </a:lnRef>
-          <a:fillRef idx="1">
-            <a:schemeClr val="accent1"/>
-          </a:fillRef>
-          <a:effectRef idx="0">
-            <a:schemeClr val="accent1"/>
-          </a:effectRef>
-          <a:fontRef idx="minor">
-            <a:schemeClr val="lt1"/>
-          </a:fontRef>
-        </p:style>
-        <p:txBody>
-          <a:bodyPr rtlCol="0" anchor="ctr"/>
-          <a:lstStyle/>
-          <a:p>
-            <a:pPr algn="ctr"/>
-            <a:endParaRPr lang="fr-FR"/>
-          </a:p>
-        </p:txBody>
-      </p:sp>
-      <p:sp>
-        <p:nvSpPr>
-          <p:cNvPr id="13" name="Ellipse 12">
-            <a:extLst>
-              <a:ext uri="{FF2B5EF4-FFF2-40B4-BE49-F238E27FC236}">
-                <a16:creationId xmlns:a16="http://schemas.microsoft.com/office/drawing/2014/main" id="{5AD9C6EF-175E-45F2-A6D9-041A6237F7E5}"/>
-              </a:ext>
-            </a:extLst>
-          </p:cNvPr>
-          <p:cNvSpPr/>
-          <p:nvPr/>
-        </p:nvSpPr>
-        <p:spPr>
-          <a:xfrm>
-            <a:off x="11352273" y="954310"/>
-            <a:ext cx="649224" cy="694981"/>
-          </a:xfrm>
-          <a:prstGeom prst="ellipse">
-            <a:avLst/>
-          </a:prstGeom>
-          <a:solidFill>
-            <a:srgbClr val="00C020"/>
-          </a:solidFill>
-          <a:ln>
-            <a:solidFill>
-              <a:srgbClr val="00C020"/>
-            </a:solidFill>
-          </a:ln>
-        </p:spPr>
-        <p:style>
-          <a:lnRef idx="2">
-            <a:schemeClr val="accent1">
-              <a:shade val="50000"/>
-            </a:schemeClr>
-          </a:lnRef>
-          <a:fillRef idx="1">
-            <a:schemeClr val="accent1"/>
-          </a:fillRef>
-          <a:effectRef idx="0">
-            <a:schemeClr val="accent1"/>
-          </a:effectRef>
-          <a:fontRef idx="minor">
-            <a:schemeClr val="lt1"/>
-          </a:fontRef>
-        </p:style>
-        <p:txBody>
-          <a:bodyPr rtlCol="0" anchor="ctr"/>
-          <a:lstStyle/>
-          <a:p>
-            <a:pPr algn="ctr"/>
-            <a:endParaRPr lang="fr-FR"/>
-          </a:p>
-        </p:txBody>
-      </p:sp>
-      <p:sp>
-        <p:nvSpPr>
-          <p:cNvPr id="14" name="Ellipse 13">
-            <a:extLst>
-              <a:ext uri="{FF2B5EF4-FFF2-40B4-BE49-F238E27FC236}">
-                <a16:creationId xmlns:a16="http://schemas.microsoft.com/office/drawing/2014/main" id="{67691030-F2DB-46FA-9A2F-50560E3E960F}"/>
-              </a:ext>
-            </a:extLst>
-          </p:cNvPr>
-          <p:cNvSpPr/>
-          <p:nvPr/>
-        </p:nvSpPr>
-        <p:spPr>
-          <a:xfrm>
-            <a:off x="11352273" y="1922124"/>
-            <a:ext cx="649225" cy="694981"/>
-          </a:xfrm>
-          <a:prstGeom prst="ellipse">
-            <a:avLst/>
-          </a:prstGeom>
-          <a:solidFill>
-            <a:schemeClr val="tx1"/>
-          </a:solidFill>
-          <a:ln>
-            <a:solidFill>
-              <a:srgbClr val="00C020"/>
-            </a:solidFill>
-          </a:ln>
-        </p:spPr>
-        <p:style>
-          <a:lnRef idx="2">
-            <a:schemeClr val="accent1">
-              <a:shade val="50000"/>
-            </a:schemeClr>
-          </a:lnRef>
-          <a:fillRef idx="1">
-            <a:schemeClr val="accent1"/>
-          </a:fillRef>
-          <a:effectRef idx="0">
-            <a:schemeClr val="accent1"/>
-          </a:effectRef>
-          <a:fontRef idx="minor">
-            <a:schemeClr val="lt1"/>
-          </a:fontRef>
-        </p:style>
-        <p:txBody>
-          <a:bodyPr rtlCol="0" anchor="ctr"/>
-          <a:lstStyle/>
-          <a:p>
-            <a:pPr algn="ctr"/>
-            <a:endParaRPr lang="fr-FR"/>
-          </a:p>
-        </p:txBody>
-      </p:sp>
-      <p:sp>
-        <p:nvSpPr>
-          <p:cNvPr id="15" name="Ellipse 14">
-            <a:extLst>
-              <a:ext uri="{FF2B5EF4-FFF2-40B4-BE49-F238E27FC236}">
-                <a16:creationId xmlns:a16="http://schemas.microsoft.com/office/drawing/2014/main" id="{83558371-B75E-4FC0-8F8A-1D7ADA585C90}"/>
-              </a:ext>
-            </a:extLst>
-          </p:cNvPr>
-          <p:cNvSpPr/>
-          <p:nvPr/>
-        </p:nvSpPr>
-        <p:spPr>
-          <a:xfrm>
-            <a:off x="11352273" y="2913046"/>
-            <a:ext cx="649225" cy="694981"/>
-          </a:xfrm>
-          <a:prstGeom prst="ellipse">
-            <a:avLst/>
-          </a:prstGeom>
-          <a:solidFill>
-            <a:schemeClr val="tx1"/>
-          </a:solidFill>
-          <a:ln>
-            <a:solidFill>
-              <a:srgbClr val="00C020"/>
-            </a:solidFill>
-          </a:ln>
-        </p:spPr>
-        <p:style>
-          <a:lnRef idx="2">
-            <a:schemeClr val="accent1">
-              <a:shade val="50000"/>
-            </a:schemeClr>
-          </a:lnRef>
-          <a:fillRef idx="1">
-            <a:schemeClr val="accent1"/>
-          </a:fillRef>
-          <a:effectRef idx="0">
-            <a:schemeClr val="accent1"/>
-          </a:effectRef>
-          <a:fontRef idx="minor">
-            <a:schemeClr val="lt1"/>
-          </a:fontRef>
-        </p:style>
-        <p:txBody>
-          <a:bodyPr rtlCol="0" anchor="ctr"/>
-          <a:lstStyle/>
-          <a:p>
-            <a:pPr algn="ctr"/>
-            <a:endParaRPr lang="fr-FR"/>
-          </a:p>
-        </p:txBody>
-      </p:sp>
-      <p:sp>
-        <p:nvSpPr>
-          <p:cNvPr id="16" name="Ellipse 15">
-            <a:extLst>
-              <a:ext uri="{FF2B5EF4-FFF2-40B4-BE49-F238E27FC236}">
-                <a16:creationId xmlns:a16="http://schemas.microsoft.com/office/drawing/2014/main" id="{DB237F81-E94C-478D-BD14-8EB9DA41F451}"/>
-              </a:ext>
-            </a:extLst>
-          </p:cNvPr>
-          <p:cNvSpPr/>
-          <p:nvPr/>
-        </p:nvSpPr>
-        <p:spPr>
-          <a:xfrm>
-            <a:off x="11352273" y="3903968"/>
-            <a:ext cx="649224" cy="694981"/>
-          </a:xfrm>
-          <a:prstGeom prst="ellipse">
-            <a:avLst/>
-          </a:prstGeom>
-          <a:solidFill>
-            <a:schemeClr val="tx1"/>
-          </a:solidFill>
-          <a:ln>
-            <a:solidFill>
-              <a:srgbClr val="00C020"/>
-            </a:solidFill>
-          </a:ln>
-        </p:spPr>
-        <p:style>
-          <a:lnRef idx="2">
-            <a:schemeClr val="accent1">
-              <a:shade val="50000"/>
-            </a:schemeClr>
-          </a:lnRef>
-          <a:fillRef idx="1">
-            <a:schemeClr val="accent1"/>
-          </a:fillRef>
-          <a:effectRef idx="0">
-            <a:schemeClr val="accent1"/>
-          </a:effectRef>
-          <a:fontRef idx="minor">
-            <a:schemeClr val="lt1"/>
-          </a:fontRef>
-        </p:style>
-        <p:txBody>
-          <a:bodyPr rtlCol="0" anchor="ctr"/>
-          <a:lstStyle/>
-          <a:p>
-            <a:pPr algn="ctr"/>
-            <a:endParaRPr lang="fr-FR"/>
-          </a:p>
-        </p:txBody>
-      </p:sp>
-      <p:sp>
-        <p:nvSpPr>
-          <p:cNvPr id="17" name="Ellipse 16">
-            <a:extLst>
-              <a:ext uri="{FF2B5EF4-FFF2-40B4-BE49-F238E27FC236}">
-                <a16:creationId xmlns:a16="http://schemas.microsoft.com/office/drawing/2014/main" id="{1AA66AF7-BA79-4EBE-9187-ABB5EF2A866E}"/>
-              </a:ext>
-            </a:extLst>
-          </p:cNvPr>
-          <p:cNvSpPr/>
-          <p:nvPr/>
-        </p:nvSpPr>
-        <p:spPr>
-          <a:xfrm>
-            <a:off x="11352273" y="4894193"/>
-            <a:ext cx="649224" cy="694982"/>
-          </a:xfrm>
-          <a:prstGeom prst="ellipse">
-            <a:avLst/>
-          </a:prstGeom>
-          <a:solidFill>
-            <a:schemeClr val="tx1"/>
-          </a:solidFill>
-          <a:ln>
-            <a:solidFill>
-              <a:srgbClr val="00C020"/>
-            </a:solidFill>
-          </a:ln>
-        </p:spPr>
-        <p:style>
-          <a:lnRef idx="2">
-            <a:schemeClr val="accent1">
-              <a:shade val="50000"/>
-            </a:schemeClr>
-          </a:lnRef>
-          <a:fillRef idx="1">
-            <a:schemeClr val="accent1"/>
-          </a:fillRef>
-          <a:effectRef idx="0">
-            <a:schemeClr val="accent1"/>
-          </a:effectRef>
-          <a:fontRef idx="minor">
-            <a:schemeClr val="lt1"/>
-          </a:fontRef>
-        </p:style>
-        <p:txBody>
-          <a:bodyPr rtlCol="0" anchor="ctr"/>
-          <a:lstStyle/>
-          <a:p>
-            <a:pPr algn="ctr"/>
-            <a:endParaRPr lang="fr-FR"/>
-          </a:p>
-        </p:txBody>
-      </p:sp>
-      <p:sp>
-        <p:nvSpPr>
-          <p:cNvPr id="18" name="Ellipse 17">
-            <a:extLst>
-              <a:ext uri="{FF2B5EF4-FFF2-40B4-BE49-F238E27FC236}">
-                <a16:creationId xmlns:a16="http://schemas.microsoft.com/office/drawing/2014/main" id="{CBBFA044-34D7-4402-8FF6-013F9B65A878}"/>
-              </a:ext>
-            </a:extLst>
-          </p:cNvPr>
-          <p:cNvSpPr/>
-          <p:nvPr/>
-        </p:nvSpPr>
-        <p:spPr>
-          <a:xfrm>
-            <a:off x="11352273" y="5888237"/>
-            <a:ext cx="649224" cy="694981"/>
-          </a:xfrm>
-          <a:prstGeom prst="ellipse">
-            <a:avLst/>
-          </a:prstGeom>
-          <a:solidFill>
-            <a:schemeClr val="tx1"/>
-          </a:solidFill>
-          <a:ln>
-            <a:solidFill>
-              <a:srgbClr val="00C020"/>
-            </a:solidFill>
-          </a:ln>
-        </p:spPr>
-        <p:style>
-          <a:lnRef idx="2">
-            <a:schemeClr val="accent1">
-              <a:shade val="50000"/>
-            </a:schemeClr>
-          </a:lnRef>
-          <a:fillRef idx="1">
-            <a:schemeClr val="accent1"/>
-          </a:fillRef>
-          <a:effectRef idx="0">
-            <a:schemeClr val="accent1"/>
-          </a:effectRef>
-          <a:fontRef idx="minor">
-            <a:schemeClr val="lt1"/>
-          </a:fontRef>
-        </p:style>
-        <p:txBody>
-          <a:bodyPr rtlCol="0" anchor="ctr"/>
-          <a:lstStyle/>
-          <a:p>
-            <a:pPr algn="ctr"/>
             <a:endParaRPr lang="fr-FR"/>
           </a:p>
         </p:txBody>
@@ -7298,7 +7147,7 @@
 </p:sld>
 </file>
 
-<file path=ppt/slides/slide4.xml><?xml version="1.0" encoding="utf-8"?>
+<file path=ppt/slides/slide5.xml><?xml version="1.0" encoding="utf-8"?>
 <p:sld xmlns:a="http://schemas.openxmlformats.org/drawingml/2006/main" xmlns:r="http://schemas.openxmlformats.org/officeDocument/2006/relationships" xmlns:p="http://schemas.openxmlformats.org/presentationml/2006/main">
   <p:cSld>
     <p:bg>
@@ -7374,440 +7223,8 @@
           <a:p>
             <a:fld id="{B8E0B961-A637-4848-B0A2-B04876406418}" type="slidenum">
               <a:rPr lang="fr-FR" smtClean="0"/>
-              <a:t>4</a:t>
+              <a:t>5</a:t>
             </a:fld>
-            <a:endParaRPr lang="fr-FR"/>
-          </a:p>
-        </p:txBody>
-      </p:sp>
-      <p:sp>
-        <p:nvSpPr>
-          <p:cNvPr id="6" name="Rectangle 5">
-            <a:extLst>
-              <a:ext uri="{FF2B5EF4-FFF2-40B4-BE49-F238E27FC236}">
-                <a16:creationId xmlns:a16="http://schemas.microsoft.com/office/drawing/2014/main" id="{D5E464E2-C3FB-49E5-B803-15FBA2C904BC}"/>
-              </a:ext>
-            </a:extLst>
-          </p:cNvPr>
-          <p:cNvSpPr/>
-          <p:nvPr/>
-        </p:nvSpPr>
-        <p:spPr>
-          <a:xfrm>
-            <a:off x="11352276" y="339806"/>
-            <a:ext cx="649222" cy="5859825"/>
-          </a:xfrm>
-          <a:prstGeom prst="rect">
-            <a:avLst/>
-          </a:prstGeom>
-          <a:solidFill>
-            <a:schemeClr val="tx1"/>
-          </a:solidFill>
-          <a:ln>
-            <a:solidFill>
-              <a:srgbClr val="00C020"/>
-            </a:solidFill>
-          </a:ln>
-        </p:spPr>
-        <p:style>
-          <a:lnRef idx="2">
-            <a:schemeClr val="accent1">
-              <a:shade val="50000"/>
-            </a:schemeClr>
-          </a:lnRef>
-          <a:fillRef idx="1">
-            <a:schemeClr val="accent1"/>
-          </a:fillRef>
-          <a:effectRef idx="0">
-            <a:schemeClr val="accent1"/>
-          </a:effectRef>
-          <a:fontRef idx="minor">
-            <a:schemeClr val="lt1"/>
-          </a:fontRef>
-        </p:style>
-        <p:txBody>
-          <a:bodyPr rtlCol="0" anchor="ctr"/>
-          <a:lstStyle/>
-          <a:p>
-            <a:pPr algn="ctr"/>
-            <a:endParaRPr lang="fr-FR"/>
-          </a:p>
-        </p:txBody>
-      </p:sp>
-      <p:sp>
-        <p:nvSpPr>
-          <p:cNvPr id="7" name="Ellipse 6">
-            <a:extLst>
-              <a:ext uri="{FF2B5EF4-FFF2-40B4-BE49-F238E27FC236}">
-                <a16:creationId xmlns:a16="http://schemas.microsoft.com/office/drawing/2014/main" id="{B4C11401-8191-4244-B284-59A23ABBD5E8}"/>
-              </a:ext>
-            </a:extLst>
-          </p:cNvPr>
-          <p:cNvSpPr/>
-          <p:nvPr/>
-        </p:nvSpPr>
-        <p:spPr>
-          <a:xfrm>
-            <a:off x="11352273" y="954310"/>
-            <a:ext cx="649224" cy="694981"/>
-          </a:xfrm>
-          <a:prstGeom prst="ellipse">
-            <a:avLst/>
-          </a:prstGeom>
-          <a:solidFill>
-            <a:srgbClr val="00C020"/>
-          </a:solidFill>
-          <a:ln>
-            <a:solidFill>
-              <a:srgbClr val="00C020"/>
-            </a:solidFill>
-          </a:ln>
-        </p:spPr>
-        <p:style>
-          <a:lnRef idx="2">
-            <a:schemeClr val="accent1">
-              <a:shade val="50000"/>
-            </a:schemeClr>
-          </a:lnRef>
-          <a:fillRef idx="1">
-            <a:schemeClr val="accent1"/>
-          </a:fillRef>
-          <a:effectRef idx="0">
-            <a:schemeClr val="accent1"/>
-          </a:effectRef>
-          <a:fontRef idx="minor">
-            <a:schemeClr val="lt1"/>
-          </a:fontRef>
-        </p:style>
-        <p:txBody>
-          <a:bodyPr rtlCol="0" anchor="ctr"/>
-          <a:lstStyle/>
-          <a:p>
-            <a:pPr algn="ctr"/>
-            <a:endParaRPr lang="fr-FR"/>
-          </a:p>
-        </p:txBody>
-      </p:sp>
-      <p:sp>
-        <p:nvSpPr>
-          <p:cNvPr id="8" name="Ellipse 7">
-            <a:extLst>
-              <a:ext uri="{FF2B5EF4-FFF2-40B4-BE49-F238E27FC236}">
-                <a16:creationId xmlns:a16="http://schemas.microsoft.com/office/drawing/2014/main" id="{6FA9DB15-90A0-4B81-A451-D25277E986FA}"/>
-              </a:ext>
-            </a:extLst>
-          </p:cNvPr>
-          <p:cNvSpPr/>
-          <p:nvPr/>
-        </p:nvSpPr>
-        <p:spPr>
-          <a:xfrm>
-            <a:off x="11352273" y="102610"/>
-            <a:ext cx="649225" cy="694981"/>
-          </a:xfrm>
-          <a:prstGeom prst="ellipse">
-            <a:avLst/>
-          </a:prstGeom>
-          <a:solidFill>
-            <a:srgbClr val="00C020"/>
-          </a:solidFill>
-          <a:ln>
-            <a:solidFill>
-              <a:srgbClr val="00C020"/>
-            </a:solidFill>
-          </a:ln>
-        </p:spPr>
-        <p:style>
-          <a:lnRef idx="2">
-            <a:schemeClr val="accent1">
-              <a:shade val="50000"/>
-            </a:schemeClr>
-          </a:lnRef>
-          <a:fillRef idx="1">
-            <a:schemeClr val="accent1"/>
-          </a:fillRef>
-          <a:effectRef idx="0">
-            <a:schemeClr val="accent1"/>
-          </a:effectRef>
-          <a:fontRef idx="minor">
-            <a:schemeClr val="lt1"/>
-          </a:fontRef>
-        </p:style>
-        <p:txBody>
-          <a:bodyPr rtlCol="0" anchor="ctr"/>
-          <a:lstStyle/>
-          <a:p>
-            <a:pPr algn="ctr"/>
-            <a:endParaRPr lang="fr-FR"/>
-          </a:p>
-        </p:txBody>
-      </p:sp>
-      <p:sp>
-        <p:nvSpPr>
-          <p:cNvPr id="9" name="Ellipse 8">
-            <a:extLst>
-              <a:ext uri="{FF2B5EF4-FFF2-40B4-BE49-F238E27FC236}">
-                <a16:creationId xmlns:a16="http://schemas.microsoft.com/office/drawing/2014/main" id="{BB3F1355-F31F-4B8F-86A1-3DCE9DFF5E3F}"/>
-              </a:ext>
-            </a:extLst>
-          </p:cNvPr>
-          <p:cNvSpPr/>
-          <p:nvPr/>
-        </p:nvSpPr>
-        <p:spPr>
-          <a:xfrm>
-            <a:off x="11352273" y="1922124"/>
-            <a:ext cx="649225" cy="694981"/>
-          </a:xfrm>
-          <a:prstGeom prst="ellipse">
-            <a:avLst/>
-          </a:prstGeom>
-          <a:solidFill>
-            <a:srgbClr val="00C020"/>
-          </a:solidFill>
-          <a:ln>
-            <a:solidFill>
-              <a:srgbClr val="00C020"/>
-            </a:solidFill>
-          </a:ln>
-        </p:spPr>
-        <p:style>
-          <a:lnRef idx="2">
-            <a:schemeClr val="accent1">
-              <a:shade val="50000"/>
-            </a:schemeClr>
-          </a:lnRef>
-          <a:fillRef idx="1">
-            <a:schemeClr val="accent1"/>
-          </a:fillRef>
-          <a:effectRef idx="0">
-            <a:schemeClr val="accent1"/>
-          </a:effectRef>
-          <a:fontRef idx="minor">
-            <a:schemeClr val="lt1"/>
-          </a:fontRef>
-        </p:style>
-        <p:txBody>
-          <a:bodyPr rtlCol="0" anchor="ctr"/>
-          <a:lstStyle/>
-          <a:p>
-            <a:pPr algn="ctr"/>
-            <a:endParaRPr lang="fr-FR"/>
-          </a:p>
-        </p:txBody>
-      </p:sp>
-      <p:sp>
-        <p:nvSpPr>
-          <p:cNvPr id="10" name="Ellipse 9">
-            <a:extLst>
-              <a:ext uri="{FF2B5EF4-FFF2-40B4-BE49-F238E27FC236}">
-                <a16:creationId xmlns:a16="http://schemas.microsoft.com/office/drawing/2014/main" id="{0C9D887F-CB39-4244-9A2F-2065D342C0A2}"/>
-              </a:ext>
-            </a:extLst>
-          </p:cNvPr>
-          <p:cNvSpPr/>
-          <p:nvPr/>
-        </p:nvSpPr>
-        <p:spPr>
-          <a:xfrm>
-            <a:off x="11352273" y="2913046"/>
-            <a:ext cx="649225" cy="694981"/>
-          </a:xfrm>
-          <a:prstGeom prst="ellipse">
-            <a:avLst/>
-          </a:prstGeom>
-          <a:solidFill>
-            <a:schemeClr val="tx1"/>
-          </a:solidFill>
-          <a:ln>
-            <a:solidFill>
-              <a:srgbClr val="00C020"/>
-            </a:solidFill>
-          </a:ln>
-        </p:spPr>
-        <p:style>
-          <a:lnRef idx="2">
-            <a:schemeClr val="accent1">
-              <a:shade val="50000"/>
-            </a:schemeClr>
-          </a:lnRef>
-          <a:fillRef idx="1">
-            <a:schemeClr val="accent1"/>
-          </a:fillRef>
-          <a:effectRef idx="0">
-            <a:schemeClr val="accent1"/>
-          </a:effectRef>
-          <a:fontRef idx="minor">
-            <a:schemeClr val="lt1"/>
-          </a:fontRef>
-        </p:style>
-        <p:txBody>
-          <a:bodyPr rtlCol="0" anchor="ctr"/>
-          <a:lstStyle/>
-          <a:p>
-            <a:pPr algn="ctr"/>
-            <a:endParaRPr lang="fr-FR"/>
-          </a:p>
-        </p:txBody>
-      </p:sp>
-      <p:sp>
-        <p:nvSpPr>
-          <p:cNvPr id="11" name="Ellipse 10">
-            <a:extLst>
-              <a:ext uri="{FF2B5EF4-FFF2-40B4-BE49-F238E27FC236}">
-                <a16:creationId xmlns:a16="http://schemas.microsoft.com/office/drawing/2014/main" id="{EAD49069-9C70-4887-9C63-525231620CEB}"/>
-              </a:ext>
-            </a:extLst>
-          </p:cNvPr>
-          <p:cNvSpPr/>
-          <p:nvPr/>
-        </p:nvSpPr>
-        <p:spPr>
-          <a:xfrm>
-            <a:off x="11352273" y="3903968"/>
-            <a:ext cx="649224" cy="694981"/>
-          </a:xfrm>
-          <a:prstGeom prst="ellipse">
-            <a:avLst/>
-          </a:prstGeom>
-          <a:solidFill>
-            <a:schemeClr val="tx1"/>
-          </a:solidFill>
-          <a:ln>
-            <a:solidFill>
-              <a:srgbClr val="00C020"/>
-            </a:solidFill>
-          </a:ln>
-        </p:spPr>
-        <p:style>
-          <a:lnRef idx="2">
-            <a:schemeClr val="accent1">
-              <a:shade val="50000"/>
-            </a:schemeClr>
-          </a:lnRef>
-          <a:fillRef idx="1">
-            <a:schemeClr val="accent1"/>
-          </a:fillRef>
-          <a:effectRef idx="0">
-            <a:schemeClr val="accent1"/>
-          </a:effectRef>
-          <a:fontRef idx="minor">
-            <a:schemeClr val="lt1"/>
-          </a:fontRef>
-        </p:style>
-        <p:txBody>
-          <a:bodyPr rtlCol="0" anchor="ctr"/>
-          <a:lstStyle/>
-          <a:p>
-            <a:pPr algn="ctr"/>
-            <a:endParaRPr lang="fr-FR"/>
-          </a:p>
-        </p:txBody>
-      </p:sp>
-      <p:sp>
-        <p:nvSpPr>
-          <p:cNvPr id="12" name="Ellipse 11">
-            <a:extLst>
-              <a:ext uri="{FF2B5EF4-FFF2-40B4-BE49-F238E27FC236}">
-                <a16:creationId xmlns:a16="http://schemas.microsoft.com/office/drawing/2014/main" id="{7DAA8F8B-1C27-4975-B3CA-18A7AA2F4D26}"/>
-              </a:ext>
-            </a:extLst>
-          </p:cNvPr>
-          <p:cNvSpPr/>
-          <p:nvPr/>
-        </p:nvSpPr>
-        <p:spPr>
-          <a:xfrm>
-            <a:off x="11352273" y="4894193"/>
-            <a:ext cx="649224" cy="694982"/>
-          </a:xfrm>
-          <a:prstGeom prst="ellipse">
-            <a:avLst/>
-          </a:prstGeom>
-          <a:solidFill>
-            <a:schemeClr val="tx1"/>
-          </a:solidFill>
-          <a:ln>
-            <a:solidFill>
-              <a:srgbClr val="00C020"/>
-            </a:solidFill>
-          </a:ln>
-        </p:spPr>
-        <p:style>
-          <a:lnRef idx="2">
-            <a:schemeClr val="accent1">
-              <a:shade val="50000"/>
-            </a:schemeClr>
-          </a:lnRef>
-          <a:fillRef idx="1">
-            <a:schemeClr val="accent1"/>
-          </a:fillRef>
-          <a:effectRef idx="0">
-            <a:schemeClr val="accent1"/>
-          </a:effectRef>
-          <a:fontRef idx="minor">
-            <a:schemeClr val="lt1"/>
-          </a:fontRef>
-        </p:style>
-        <p:txBody>
-          <a:bodyPr rtlCol="0" anchor="ctr"/>
-          <a:lstStyle/>
-          <a:p>
-            <a:pPr algn="ctr"/>
-            <a:endParaRPr lang="fr-FR"/>
-          </a:p>
-        </p:txBody>
-      </p:sp>
-      <p:sp>
-        <p:nvSpPr>
-          <p:cNvPr id="13" name="Ellipse 12">
-            <a:extLst>
-              <a:ext uri="{FF2B5EF4-FFF2-40B4-BE49-F238E27FC236}">
-                <a16:creationId xmlns:a16="http://schemas.microsoft.com/office/drawing/2014/main" id="{8DF98B99-CC36-41C0-AE85-7B4891A9381A}"/>
-              </a:ext>
-            </a:extLst>
-          </p:cNvPr>
-          <p:cNvSpPr/>
-          <p:nvPr/>
-        </p:nvSpPr>
-        <p:spPr>
-          <a:xfrm>
-            <a:off x="11352273" y="5888237"/>
-            <a:ext cx="649224" cy="694981"/>
-          </a:xfrm>
-          <a:prstGeom prst="ellipse">
-            <a:avLst/>
-          </a:prstGeom>
-          <a:solidFill>
-            <a:schemeClr val="tx1"/>
-          </a:solidFill>
-          <a:ln>
-            <a:solidFill>
-              <a:srgbClr val="00C020"/>
-            </a:solidFill>
-          </a:ln>
-        </p:spPr>
-        <p:style>
-          <a:lnRef idx="2">
-            <a:schemeClr val="accent1">
-              <a:shade val="50000"/>
-            </a:schemeClr>
-          </a:lnRef>
-          <a:fillRef idx="1">
-            <a:schemeClr val="accent1"/>
-          </a:fillRef>
-          <a:effectRef idx="0">
-            <a:schemeClr val="accent1"/>
-          </a:effectRef>
-          <a:fontRef idx="minor">
-            <a:schemeClr val="lt1"/>
-          </a:fontRef>
-        </p:style>
-        <p:txBody>
-          <a:bodyPr rtlCol="0" anchor="ctr"/>
-          <a:lstStyle/>
-          <a:p>
-            <a:pPr algn="ctr"/>
             <a:endParaRPr lang="fr-FR"/>
           </a:p>
         </p:txBody>
@@ -8093,7 +7510,7 @@
 </p:sld>
 </file>
 
-<file path=ppt/slides/slide5.xml><?xml version="1.0" encoding="utf-8"?>
+<file path=ppt/slides/slide6.xml><?xml version="1.0" encoding="utf-8"?>
 <p:sld xmlns:a="http://schemas.openxmlformats.org/drawingml/2006/main" xmlns:r="http://schemas.openxmlformats.org/officeDocument/2006/relationships" xmlns:p="http://schemas.openxmlformats.org/presentationml/2006/main">
   <p:cSld>
     <p:bg>
@@ -8554,440 +7971,8 @@
           <a:p>
             <a:fld id="{B8E0B961-A637-4848-B0A2-B04876406418}" type="slidenum">
               <a:rPr lang="fr-FR" smtClean="0"/>
-              <a:t>5</a:t>
+              <a:t>6</a:t>
             </a:fld>
-            <a:endParaRPr lang="fr-FR"/>
-          </a:p>
-        </p:txBody>
-      </p:sp>
-      <p:sp>
-        <p:nvSpPr>
-          <p:cNvPr id="9" name="Rectangle 8">
-            <a:extLst>
-              <a:ext uri="{FF2B5EF4-FFF2-40B4-BE49-F238E27FC236}">
-                <a16:creationId xmlns:a16="http://schemas.microsoft.com/office/drawing/2014/main" id="{5D8F0667-0AE9-4590-98AC-7BC0CAAEC663}"/>
-              </a:ext>
-            </a:extLst>
-          </p:cNvPr>
-          <p:cNvSpPr/>
-          <p:nvPr/>
-        </p:nvSpPr>
-        <p:spPr>
-          <a:xfrm>
-            <a:off x="11352276" y="339806"/>
-            <a:ext cx="649222" cy="5859825"/>
-          </a:xfrm>
-          <a:prstGeom prst="rect">
-            <a:avLst/>
-          </a:prstGeom>
-          <a:solidFill>
-            <a:schemeClr val="tx1"/>
-          </a:solidFill>
-          <a:ln>
-            <a:solidFill>
-              <a:srgbClr val="00C020"/>
-            </a:solidFill>
-          </a:ln>
-        </p:spPr>
-        <p:style>
-          <a:lnRef idx="2">
-            <a:schemeClr val="accent1">
-              <a:shade val="50000"/>
-            </a:schemeClr>
-          </a:lnRef>
-          <a:fillRef idx="1">
-            <a:schemeClr val="accent1"/>
-          </a:fillRef>
-          <a:effectRef idx="0">
-            <a:schemeClr val="accent1"/>
-          </a:effectRef>
-          <a:fontRef idx="minor">
-            <a:schemeClr val="lt1"/>
-          </a:fontRef>
-        </p:style>
-        <p:txBody>
-          <a:bodyPr rtlCol="0" anchor="ctr"/>
-          <a:lstStyle/>
-          <a:p>
-            <a:pPr algn="ctr"/>
-            <a:endParaRPr lang="fr-FR"/>
-          </a:p>
-        </p:txBody>
-      </p:sp>
-      <p:sp>
-        <p:nvSpPr>
-          <p:cNvPr id="10" name="Ellipse 9">
-            <a:extLst>
-              <a:ext uri="{FF2B5EF4-FFF2-40B4-BE49-F238E27FC236}">
-                <a16:creationId xmlns:a16="http://schemas.microsoft.com/office/drawing/2014/main" id="{AC4C49B5-82AF-4DE3-9A35-901BD030DADC}"/>
-              </a:ext>
-            </a:extLst>
-          </p:cNvPr>
-          <p:cNvSpPr/>
-          <p:nvPr/>
-        </p:nvSpPr>
-        <p:spPr>
-          <a:xfrm>
-            <a:off x="11352273" y="954310"/>
-            <a:ext cx="649224" cy="694981"/>
-          </a:xfrm>
-          <a:prstGeom prst="ellipse">
-            <a:avLst/>
-          </a:prstGeom>
-          <a:solidFill>
-            <a:srgbClr val="00C020"/>
-          </a:solidFill>
-          <a:ln>
-            <a:solidFill>
-              <a:srgbClr val="00C020"/>
-            </a:solidFill>
-          </a:ln>
-        </p:spPr>
-        <p:style>
-          <a:lnRef idx="2">
-            <a:schemeClr val="accent1">
-              <a:shade val="50000"/>
-            </a:schemeClr>
-          </a:lnRef>
-          <a:fillRef idx="1">
-            <a:schemeClr val="accent1"/>
-          </a:fillRef>
-          <a:effectRef idx="0">
-            <a:schemeClr val="accent1"/>
-          </a:effectRef>
-          <a:fontRef idx="minor">
-            <a:schemeClr val="lt1"/>
-          </a:fontRef>
-        </p:style>
-        <p:txBody>
-          <a:bodyPr rtlCol="0" anchor="ctr"/>
-          <a:lstStyle/>
-          <a:p>
-            <a:pPr algn="ctr"/>
-            <a:endParaRPr lang="fr-FR"/>
-          </a:p>
-        </p:txBody>
-      </p:sp>
-      <p:sp>
-        <p:nvSpPr>
-          <p:cNvPr id="11" name="Ellipse 10">
-            <a:extLst>
-              <a:ext uri="{FF2B5EF4-FFF2-40B4-BE49-F238E27FC236}">
-                <a16:creationId xmlns:a16="http://schemas.microsoft.com/office/drawing/2014/main" id="{6EB45BF2-CD72-4104-AED5-023DFDF81EB4}"/>
-              </a:ext>
-            </a:extLst>
-          </p:cNvPr>
-          <p:cNvSpPr/>
-          <p:nvPr/>
-        </p:nvSpPr>
-        <p:spPr>
-          <a:xfrm>
-            <a:off x="11352274" y="-36612"/>
-            <a:ext cx="649224" cy="694981"/>
-          </a:xfrm>
-          <a:prstGeom prst="ellipse">
-            <a:avLst/>
-          </a:prstGeom>
-          <a:solidFill>
-            <a:srgbClr val="00C020"/>
-          </a:solidFill>
-          <a:ln>
-            <a:solidFill>
-              <a:srgbClr val="00C020"/>
-            </a:solidFill>
-          </a:ln>
-        </p:spPr>
-        <p:style>
-          <a:lnRef idx="2">
-            <a:schemeClr val="accent1">
-              <a:shade val="50000"/>
-            </a:schemeClr>
-          </a:lnRef>
-          <a:fillRef idx="1">
-            <a:schemeClr val="accent1"/>
-          </a:fillRef>
-          <a:effectRef idx="0">
-            <a:schemeClr val="accent1"/>
-          </a:effectRef>
-          <a:fontRef idx="minor">
-            <a:schemeClr val="lt1"/>
-          </a:fontRef>
-        </p:style>
-        <p:txBody>
-          <a:bodyPr rtlCol="0" anchor="ctr"/>
-          <a:lstStyle/>
-          <a:p>
-            <a:pPr algn="ctr"/>
-            <a:endParaRPr lang="fr-FR"/>
-          </a:p>
-        </p:txBody>
-      </p:sp>
-      <p:sp>
-        <p:nvSpPr>
-          <p:cNvPr id="12" name="Ellipse 11">
-            <a:extLst>
-              <a:ext uri="{FF2B5EF4-FFF2-40B4-BE49-F238E27FC236}">
-                <a16:creationId xmlns:a16="http://schemas.microsoft.com/office/drawing/2014/main" id="{40D32FC6-6F7E-4D87-BA2F-315A4743756F}"/>
-              </a:ext>
-            </a:extLst>
-          </p:cNvPr>
-          <p:cNvSpPr/>
-          <p:nvPr/>
-        </p:nvSpPr>
-        <p:spPr>
-          <a:xfrm>
-            <a:off x="11352273" y="1922124"/>
-            <a:ext cx="649225" cy="694981"/>
-          </a:xfrm>
-          <a:prstGeom prst="ellipse">
-            <a:avLst/>
-          </a:prstGeom>
-          <a:solidFill>
-            <a:srgbClr val="00C020"/>
-          </a:solidFill>
-          <a:ln>
-            <a:solidFill>
-              <a:srgbClr val="00C020"/>
-            </a:solidFill>
-          </a:ln>
-        </p:spPr>
-        <p:style>
-          <a:lnRef idx="2">
-            <a:schemeClr val="accent1">
-              <a:shade val="50000"/>
-            </a:schemeClr>
-          </a:lnRef>
-          <a:fillRef idx="1">
-            <a:schemeClr val="accent1"/>
-          </a:fillRef>
-          <a:effectRef idx="0">
-            <a:schemeClr val="accent1"/>
-          </a:effectRef>
-          <a:fontRef idx="minor">
-            <a:schemeClr val="lt1"/>
-          </a:fontRef>
-        </p:style>
-        <p:txBody>
-          <a:bodyPr rtlCol="0" anchor="ctr"/>
-          <a:lstStyle/>
-          <a:p>
-            <a:pPr algn="ctr"/>
-            <a:endParaRPr lang="fr-FR"/>
-          </a:p>
-        </p:txBody>
-      </p:sp>
-      <p:sp>
-        <p:nvSpPr>
-          <p:cNvPr id="13" name="Ellipse 12">
-            <a:extLst>
-              <a:ext uri="{FF2B5EF4-FFF2-40B4-BE49-F238E27FC236}">
-                <a16:creationId xmlns:a16="http://schemas.microsoft.com/office/drawing/2014/main" id="{FB76B2D0-E401-4CA8-987C-65BB44339959}"/>
-              </a:ext>
-            </a:extLst>
-          </p:cNvPr>
-          <p:cNvSpPr/>
-          <p:nvPr/>
-        </p:nvSpPr>
-        <p:spPr>
-          <a:xfrm>
-            <a:off x="11352273" y="2913046"/>
-            <a:ext cx="649225" cy="694981"/>
-          </a:xfrm>
-          <a:prstGeom prst="ellipse">
-            <a:avLst/>
-          </a:prstGeom>
-          <a:solidFill>
-            <a:srgbClr val="00C020"/>
-          </a:solidFill>
-          <a:ln>
-            <a:solidFill>
-              <a:srgbClr val="00C020"/>
-            </a:solidFill>
-          </a:ln>
-        </p:spPr>
-        <p:style>
-          <a:lnRef idx="2">
-            <a:schemeClr val="accent1">
-              <a:shade val="50000"/>
-            </a:schemeClr>
-          </a:lnRef>
-          <a:fillRef idx="1">
-            <a:schemeClr val="accent1"/>
-          </a:fillRef>
-          <a:effectRef idx="0">
-            <a:schemeClr val="accent1"/>
-          </a:effectRef>
-          <a:fontRef idx="minor">
-            <a:schemeClr val="lt1"/>
-          </a:fontRef>
-        </p:style>
-        <p:txBody>
-          <a:bodyPr rtlCol="0" anchor="ctr"/>
-          <a:lstStyle/>
-          <a:p>
-            <a:pPr algn="ctr"/>
-            <a:endParaRPr lang="fr-FR"/>
-          </a:p>
-        </p:txBody>
-      </p:sp>
-      <p:sp>
-        <p:nvSpPr>
-          <p:cNvPr id="14" name="Ellipse 13">
-            <a:extLst>
-              <a:ext uri="{FF2B5EF4-FFF2-40B4-BE49-F238E27FC236}">
-                <a16:creationId xmlns:a16="http://schemas.microsoft.com/office/drawing/2014/main" id="{D9841FE2-D56A-4E4B-8088-660349BB9641}"/>
-              </a:ext>
-            </a:extLst>
-          </p:cNvPr>
-          <p:cNvSpPr/>
-          <p:nvPr/>
-        </p:nvSpPr>
-        <p:spPr>
-          <a:xfrm>
-            <a:off x="11352273" y="3903968"/>
-            <a:ext cx="649224" cy="694981"/>
-          </a:xfrm>
-          <a:prstGeom prst="ellipse">
-            <a:avLst/>
-          </a:prstGeom>
-          <a:solidFill>
-            <a:schemeClr val="tx1"/>
-          </a:solidFill>
-          <a:ln>
-            <a:solidFill>
-              <a:srgbClr val="00C020"/>
-            </a:solidFill>
-          </a:ln>
-        </p:spPr>
-        <p:style>
-          <a:lnRef idx="2">
-            <a:schemeClr val="accent1">
-              <a:shade val="50000"/>
-            </a:schemeClr>
-          </a:lnRef>
-          <a:fillRef idx="1">
-            <a:schemeClr val="accent1"/>
-          </a:fillRef>
-          <a:effectRef idx="0">
-            <a:schemeClr val="accent1"/>
-          </a:effectRef>
-          <a:fontRef idx="minor">
-            <a:schemeClr val="lt1"/>
-          </a:fontRef>
-        </p:style>
-        <p:txBody>
-          <a:bodyPr rtlCol="0" anchor="ctr"/>
-          <a:lstStyle/>
-          <a:p>
-            <a:pPr algn="ctr"/>
-            <a:endParaRPr lang="fr-FR"/>
-          </a:p>
-        </p:txBody>
-      </p:sp>
-      <p:sp>
-        <p:nvSpPr>
-          <p:cNvPr id="15" name="Ellipse 14">
-            <a:extLst>
-              <a:ext uri="{FF2B5EF4-FFF2-40B4-BE49-F238E27FC236}">
-                <a16:creationId xmlns:a16="http://schemas.microsoft.com/office/drawing/2014/main" id="{91F5A3ED-3CCE-4454-8EAE-3279717B245D}"/>
-              </a:ext>
-            </a:extLst>
-          </p:cNvPr>
-          <p:cNvSpPr/>
-          <p:nvPr/>
-        </p:nvSpPr>
-        <p:spPr>
-          <a:xfrm>
-            <a:off x="11352273" y="4894193"/>
-            <a:ext cx="649224" cy="694982"/>
-          </a:xfrm>
-          <a:prstGeom prst="ellipse">
-            <a:avLst/>
-          </a:prstGeom>
-          <a:solidFill>
-            <a:schemeClr val="tx1"/>
-          </a:solidFill>
-          <a:ln>
-            <a:solidFill>
-              <a:srgbClr val="00C020"/>
-            </a:solidFill>
-          </a:ln>
-        </p:spPr>
-        <p:style>
-          <a:lnRef idx="2">
-            <a:schemeClr val="accent1">
-              <a:shade val="50000"/>
-            </a:schemeClr>
-          </a:lnRef>
-          <a:fillRef idx="1">
-            <a:schemeClr val="accent1"/>
-          </a:fillRef>
-          <a:effectRef idx="0">
-            <a:schemeClr val="accent1"/>
-          </a:effectRef>
-          <a:fontRef idx="minor">
-            <a:schemeClr val="lt1"/>
-          </a:fontRef>
-        </p:style>
-        <p:txBody>
-          <a:bodyPr rtlCol="0" anchor="ctr"/>
-          <a:lstStyle/>
-          <a:p>
-            <a:pPr algn="ctr"/>
-            <a:endParaRPr lang="fr-FR"/>
-          </a:p>
-        </p:txBody>
-      </p:sp>
-      <p:sp>
-        <p:nvSpPr>
-          <p:cNvPr id="16" name="Ellipse 15">
-            <a:extLst>
-              <a:ext uri="{FF2B5EF4-FFF2-40B4-BE49-F238E27FC236}">
-                <a16:creationId xmlns:a16="http://schemas.microsoft.com/office/drawing/2014/main" id="{21415DBA-B0B3-489B-A092-4B9E1A3BE075}"/>
-              </a:ext>
-            </a:extLst>
-          </p:cNvPr>
-          <p:cNvSpPr/>
-          <p:nvPr/>
-        </p:nvSpPr>
-        <p:spPr>
-          <a:xfrm>
-            <a:off x="11352273" y="5888237"/>
-            <a:ext cx="649224" cy="694981"/>
-          </a:xfrm>
-          <a:prstGeom prst="ellipse">
-            <a:avLst/>
-          </a:prstGeom>
-          <a:solidFill>
-            <a:schemeClr val="tx1"/>
-          </a:solidFill>
-          <a:ln>
-            <a:solidFill>
-              <a:srgbClr val="00C020"/>
-            </a:solidFill>
-          </a:ln>
-        </p:spPr>
-        <p:style>
-          <a:lnRef idx="2">
-            <a:schemeClr val="accent1">
-              <a:shade val="50000"/>
-            </a:schemeClr>
-          </a:lnRef>
-          <a:fillRef idx="1">
-            <a:schemeClr val="accent1"/>
-          </a:fillRef>
-          <a:effectRef idx="0">
-            <a:schemeClr val="accent1"/>
-          </a:effectRef>
-          <a:fontRef idx="minor">
-            <a:schemeClr val="lt1"/>
-          </a:fontRef>
-        </p:style>
-        <p:txBody>
-          <a:bodyPr rtlCol="0" anchor="ctr"/>
-          <a:lstStyle/>
-          <a:p>
-            <a:pPr algn="ctr"/>
             <a:endParaRPr lang="fr-FR"/>
           </a:p>
         </p:txBody>
@@ -9026,979 +8011,6 @@
     <p:extLst>
       <p:ext uri="{BB962C8B-B14F-4D97-AF65-F5344CB8AC3E}">
         <p14:creationId xmlns:p14="http://schemas.microsoft.com/office/powerpoint/2010/main" val="3613007509"/>
-      </p:ext>
-    </p:extLst>
-  </p:cSld>
-  <p:clrMapOvr>
-    <a:masterClrMapping/>
-  </p:clrMapOvr>
-  <p:timing>
-    <p:tnLst>
-      <p:par>
-        <p:cTn id="1" dur="indefinite" restart="never" nodeType="tmRoot">
-          <p:childTnLst>
-            <p:seq concurrent="1" nextAc="seek">
-              <p:cTn id="2" dur="indefinite" nodeType="mainSeq">
-                <p:childTnLst>
-                  <p:par>
-                    <p:cTn id="3" fill="hold">
-                      <p:stCondLst>
-                        <p:cond delay="indefinite"/>
-                      </p:stCondLst>
-                      <p:childTnLst>
-                        <p:par>
-                          <p:cTn id="4" fill="hold">
-                            <p:stCondLst>
-                              <p:cond delay="0"/>
-                            </p:stCondLst>
-                            <p:childTnLst>
-                              <p:par>
-                                <p:cTn id="5" presetID="1" presetClass="entr" presetSubtype="0" fill="hold" nodeType="clickEffect">
-                                  <p:stCondLst>
-                                    <p:cond delay="0"/>
-                                  </p:stCondLst>
-                                  <p:childTnLst>
-                                    <p:set>
-                                      <p:cBhvr>
-                                        <p:cTn id="6" dur="1" fill="hold">
-                                          <p:stCondLst>
-                                            <p:cond delay="0"/>
-                                          </p:stCondLst>
-                                        </p:cTn>
-                                        <p:tgtEl>
-                                          <p:spTgt spid="6"/>
-                                        </p:tgtEl>
-                                        <p:attrNameLst>
-                                          <p:attrName>style.visibility</p:attrName>
-                                        </p:attrNameLst>
-                                      </p:cBhvr>
-                                      <p:to>
-                                        <p:strVal val="visible"/>
-                                      </p:to>
-                                    </p:set>
-                                  </p:childTnLst>
-                                </p:cTn>
-                              </p:par>
-                            </p:childTnLst>
-                          </p:cTn>
-                        </p:par>
-                      </p:childTnLst>
-                    </p:cTn>
-                  </p:par>
-                </p:childTnLst>
-              </p:cTn>
-              <p:prevCondLst>
-                <p:cond evt="onPrev" delay="0">
-                  <p:tgtEl>
-                    <p:sldTgt/>
-                  </p:tgtEl>
-                </p:cond>
-              </p:prevCondLst>
-              <p:nextCondLst>
-                <p:cond evt="onNext" delay="0">
-                  <p:tgtEl>
-                    <p:sldTgt/>
-                  </p:tgtEl>
-                </p:cond>
-              </p:nextCondLst>
-            </p:seq>
-          </p:childTnLst>
-        </p:cTn>
-      </p:par>
-    </p:tnLst>
-  </p:timing>
-</p:sld>
-</file>
-
-<file path=ppt/slides/slide6.xml><?xml version="1.0" encoding="utf-8"?>
-<p:sld xmlns:a="http://schemas.openxmlformats.org/drawingml/2006/main" xmlns:r="http://schemas.openxmlformats.org/officeDocument/2006/relationships" xmlns:p="http://schemas.openxmlformats.org/presentationml/2006/main">
-  <p:cSld>
-    <p:bg>
-      <p:bgPr>
-        <a:solidFill>
-          <a:schemeClr val="bg1"/>
-        </a:solidFill>
-        <a:effectLst/>
-      </p:bgPr>
-    </p:bg>
-    <p:spTree>
-      <p:nvGrpSpPr>
-        <p:cNvPr id="1" name=""/>
-        <p:cNvGrpSpPr/>
-        <p:nvPr/>
-      </p:nvGrpSpPr>
-      <p:grpSpPr>
-        <a:xfrm>
-          <a:off x="0" y="0"/>
-          <a:ext cx="0" cy="0"/>
-          <a:chOff x="0" y="0"/>
-          <a:chExt cx="0" cy="0"/>
-        </a:xfrm>
-      </p:grpSpPr>
-      <p:pic>
-        <p:nvPicPr>
-          <p:cNvPr id="4" name="Espace réservé du contenu 3" descr="Une image contenant table, paire&#10;&#10;Description générée automatiquement">
-            <a:extLst>
-              <a:ext uri="{FF2B5EF4-FFF2-40B4-BE49-F238E27FC236}">
-                <a16:creationId xmlns:a16="http://schemas.microsoft.com/office/drawing/2014/main" id="{1A19FD35-A489-4DC8-937C-BF65968057C7}"/>
-              </a:ext>
-            </a:extLst>
-          </p:cNvPr>
-          <p:cNvPicPr>
-            <a:picLocks noChangeAspect="1"/>
-          </p:cNvPicPr>
-          <p:nvPr/>
-        </p:nvPicPr>
-        <p:blipFill rotWithShape="1">
-          <a:blip r:embed="rId2">
-            <a:extLst>
-              <a:ext uri="{28A0092B-C50C-407E-A947-70E740481C1C}">
-                <a14:useLocalDpi xmlns:a14="http://schemas.microsoft.com/office/drawing/2010/main" val="0"/>
-              </a:ext>
-            </a:extLst>
-          </a:blip>
-          <a:srcRect t="6250"/>
-          <a:stretch/>
-        </p:blipFill>
-        <p:spPr>
-          <a:xfrm>
-            <a:off x="-1" y="-30"/>
-            <a:ext cx="12192000" cy="6855958"/>
-          </a:xfrm>
-          <a:prstGeom prst="rect">
-            <a:avLst/>
-          </a:prstGeom>
-        </p:spPr>
-      </p:pic>
-      <p:sp>
-        <p:nvSpPr>
-          <p:cNvPr id="29" name="Freeform 5">
-            <a:extLst>
-              <a:ext uri="{FF2B5EF4-FFF2-40B4-BE49-F238E27FC236}">
-                <a16:creationId xmlns:a16="http://schemas.microsoft.com/office/drawing/2014/main" id="{3CD9DF72-87A3-404E-A828-84CBF11A8303}"/>
-              </a:ext>
-              <a:ext uri="{C183D7F6-B498-43B3-948B-1728B52AA6E4}">
-                <adec:decorative xmlns:adec="http://schemas.microsoft.com/office/drawing/2017/decorative" val="1"/>
-              </a:ext>
-            </a:extLst>
-          </p:cNvPr>
-          <p:cNvSpPr>
-            <a:spLocks noGrp="1" noRot="1" noChangeAspect="1" noMove="1" noResize="1" noEditPoints="1" noAdjustHandles="1" noChangeArrowheads="1" noChangeShapeType="1" noTextEdit="1"/>
-          </p:cNvSpPr>
-          <p:nvPr>
-            <p:extLst>
-              <p:ext uri="{386F3935-93C4-4BCD-93E2-E3B085C9AB24}">
-                <p16:designElem xmlns:p16="http://schemas.microsoft.com/office/powerpoint/2015/main" val="1"/>
-              </p:ext>
-            </p:extLst>
-          </p:nvPr>
-        </p:nvSpPr>
-        <p:spPr bwMode="grayWhite">
-          <a:xfrm flipH="1">
-            <a:off x="0" y="998175"/>
-            <a:ext cx="6017172" cy="5859825"/>
-          </a:xfrm>
-          <a:custGeom>
-            <a:avLst/>
-            <a:gdLst>
-              <a:gd name="T0" fmla="*/ 1333 w 1333"/>
-              <a:gd name="T1" fmla="*/ 1031 h 1298"/>
-              <a:gd name="T2" fmla="*/ 1333 w 1333"/>
-              <a:gd name="T3" fmla="*/ 380 h 1298"/>
-              <a:gd name="T4" fmla="*/ 706 w 1333"/>
-              <a:gd name="T5" fmla="*/ 0 h 1298"/>
-              <a:gd name="T6" fmla="*/ 0 w 1333"/>
-              <a:gd name="T7" fmla="*/ 706 h 1298"/>
-              <a:gd name="T8" fmla="*/ 323 w 1333"/>
-              <a:gd name="T9" fmla="*/ 1298 h 1298"/>
-              <a:gd name="T10" fmla="*/ 1090 w 1333"/>
-              <a:gd name="T11" fmla="*/ 1298 h 1298"/>
-              <a:gd name="T12" fmla="*/ 1333 w 1333"/>
-              <a:gd name="T13" fmla="*/ 1031 h 1298"/>
-            </a:gdLst>
-            <a:ahLst/>
-            <a:cxnLst>
-              <a:cxn ang="0">
-                <a:pos x="T0" y="T1"/>
-              </a:cxn>
-              <a:cxn ang="0">
-                <a:pos x="T2" y="T3"/>
-              </a:cxn>
-              <a:cxn ang="0">
-                <a:pos x="T4" y="T5"/>
-              </a:cxn>
-              <a:cxn ang="0">
-                <a:pos x="T6" y="T7"/>
-              </a:cxn>
-              <a:cxn ang="0">
-                <a:pos x="T8" y="T9"/>
-              </a:cxn>
-              <a:cxn ang="0">
-                <a:pos x="T10" y="T11"/>
-              </a:cxn>
-              <a:cxn ang="0">
-                <a:pos x="T12" y="T13"/>
-              </a:cxn>
-            </a:cxnLst>
-            <a:rect l="0" t="0" r="r" b="b"/>
-            <a:pathLst>
-              <a:path w="1333" h="1298">
-                <a:moveTo>
-                  <a:pt x="1333" y="1031"/>
-                </a:moveTo>
-                <a:cubicBezTo>
-                  <a:pt x="1333" y="380"/>
-                  <a:pt x="1333" y="380"/>
-                  <a:pt x="1333" y="380"/>
-                </a:cubicBezTo>
-                <a:cubicBezTo>
-                  <a:pt x="1215" y="154"/>
-                  <a:pt x="979" y="0"/>
-                  <a:pt x="706" y="0"/>
-                </a:cubicBezTo>
-                <a:cubicBezTo>
-                  <a:pt x="317" y="0"/>
-                  <a:pt x="0" y="316"/>
-                  <a:pt x="0" y="706"/>
-                </a:cubicBezTo>
-                <a:cubicBezTo>
-                  <a:pt x="0" y="954"/>
-                  <a:pt x="129" y="1172"/>
-                  <a:pt x="323" y="1298"/>
-                </a:cubicBezTo>
-                <a:cubicBezTo>
-                  <a:pt x="1090" y="1298"/>
-                  <a:pt x="1090" y="1298"/>
-                  <a:pt x="1090" y="1298"/>
-                </a:cubicBezTo>
-                <a:cubicBezTo>
-                  <a:pt x="1193" y="1232"/>
-                  <a:pt x="1276" y="1140"/>
-                  <a:pt x="1333" y="1031"/>
-                </a:cubicBezTo>
-                <a:close/>
-              </a:path>
-            </a:pathLst>
-          </a:custGeom>
-          <a:solidFill>
-            <a:schemeClr val="bg1">
-              <a:alpha val="75000"/>
-            </a:schemeClr>
-          </a:solidFill>
-          <a:ln w="50800" cap="sq" cmpd="dbl">
-            <a:noFill/>
-            <a:miter lim="800000"/>
-          </a:ln>
-          <a:effectLst/>
-        </p:spPr>
-        <p:txBody>
-          <a:bodyPr vert="horz" lIns="91440" tIns="45720" rIns="91440" bIns="45720" rtlCol="0" anchor="t">
-            <a:normAutofit/>
-          </a:bodyPr>
-          <a:lstStyle/>
-          <a:p>
-            <a:pPr algn="ctr">
-              <a:spcAft>
-                <a:spcPts val="1000"/>
-              </a:spcAft>
-              <a:buClr>
-                <a:schemeClr val="tx1"/>
-              </a:buClr>
-              <a:buSzPct val="100000"/>
-              <a:buFont typeface="Arial"/>
-              <a:buNone/>
-            </a:pPr>
-            <a:endParaRPr lang="en-US" sz="1600" cap="all"/>
-          </a:p>
-        </p:txBody>
-      </p:sp>
-      <p:sp>
-        <p:nvSpPr>
-          <p:cNvPr id="2" name="Titre 1">
-            <a:extLst>
-              <a:ext uri="{FF2B5EF4-FFF2-40B4-BE49-F238E27FC236}">
-                <a16:creationId xmlns:a16="http://schemas.microsoft.com/office/drawing/2014/main" id="{F0FFC3D5-D02E-4246-A076-5A8E3A3F3F12}"/>
-              </a:ext>
-            </a:extLst>
-          </p:cNvPr>
-          <p:cNvSpPr>
-            <a:spLocks noGrp="1"/>
-          </p:cNvSpPr>
-          <p:nvPr>
-            <p:ph type="title"/>
-          </p:nvPr>
-        </p:nvSpPr>
-        <p:spPr>
-          <a:xfrm>
-            <a:off x="709448" y="1913950"/>
-            <a:ext cx="4204137" cy="1342754"/>
-          </a:xfrm>
-        </p:spPr>
-        <p:txBody>
-          <a:bodyPr vert="horz" lIns="91440" tIns="45720" rIns="91440" bIns="45720" rtlCol="0">
-            <a:normAutofit/>
-          </a:bodyPr>
-          <a:lstStyle/>
-          <a:p>
-            <a:pPr algn="ctr"/>
-            <a:r>
-              <a:rPr lang="en-US" sz="3600" b="1" dirty="0">
-                <a:solidFill>
-                  <a:srgbClr val="FF0000"/>
-                </a:solidFill>
-              </a:rPr>
-              <a:t>Mécanisme n°6</a:t>
-            </a:r>
-          </a:p>
-        </p:txBody>
-      </p:sp>
-      <p:cxnSp>
-        <p:nvCxnSpPr>
-          <p:cNvPr id="31" name="Straight Connector 30">
-            <a:extLst>
-              <a:ext uri="{FF2B5EF4-FFF2-40B4-BE49-F238E27FC236}">
-                <a16:creationId xmlns:a16="http://schemas.microsoft.com/office/drawing/2014/main" id="{20E3A342-4D61-4E3F-AF90-1AB42AEB96CC}"/>
-              </a:ext>
-              <a:ext uri="{C183D7F6-B498-43B3-948B-1728B52AA6E4}">
-                <adec:decorative xmlns:adec="http://schemas.microsoft.com/office/drawing/2017/decorative" val="1"/>
-              </a:ext>
-            </a:extLst>
-          </p:cNvPr>
-          <p:cNvCxnSpPr>
-            <a:cxnSpLocks noGrp="1" noRot="1" noChangeAspect="1" noMove="1" noResize="1" noEditPoints="1" noAdjustHandles="1" noChangeArrowheads="1" noChangeShapeType="1"/>
-          </p:cNvCxnSpPr>
-          <p:nvPr>
-            <p:extLst>
-              <p:ext uri="{386F3935-93C4-4BCD-93E2-E3B085C9AB24}">
-                <p16:designElem xmlns:p16="http://schemas.microsoft.com/office/powerpoint/2015/main" val="1"/>
-              </p:ext>
-            </p:extLst>
-          </p:nvPr>
-        </p:nvCxnSpPr>
-        <p:spPr>
-          <a:xfrm>
-            <a:off x="2287051" y="3337139"/>
-            <a:ext cx="935420" cy="0"/>
-          </a:xfrm>
-          <a:prstGeom prst="line">
-            <a:avLst/>
-          </a:prstGeom>
-          <a:ln w="25400" cap="sq">
-            <a:solidFill>
-              <a:schemeClr val="tx1">
-                <a:lumMod val="85000"/>
-                <a:lumOff val="15000"/>
-              </a:schemeClr>
-            </a:solidFill>
-            <a:bevel/>
-          </a:ln>
-        </p:spPr>
-        <p:style>
-          <a:lnRef idx="1">
-            <a:schemeClr val="accent1"/>
-          </a:lnRef>
-          <a:fillRef idx="0">
-            <a:schemeClr val="accent1"/>
-          </a:fillRef>
-          <a:effectRef idx="0">
-            <a:schemeClr val="accent1"/>
-          </a:effectRef>
-          <a:fontRef idx="minor">
-            <a:schemeClr val="tx1"/>
-          </a:fontRef>
-        </p:style>
-      </p:cxnSp>
-      <p:sp>
-        <p:nvSpPr>
-          <p:cNvPr id="9" name="ZoneTexte 8">
-            <a:extLst>
-              <a:ext uri="{FF2B5EF4-FFF2-40B4-BE49-F238E27FC236}">
-                <a16:creationId xmlns:a16="http://schemas.microsoft.com/office/drawing/2014/main" id="{DE0931E8-D98F-49EF-A2C3-9447BB71632C}"/>
-              </a:ext>
-            </a:extLst>
-          </p:cNvPr>
-          <p:cNvSpPr txBox="1"/>
-          <p:nvPr/>
-        </p:nvSpPr>
-        <p:spPr>
-          <a:xfrm>
-            <a:off x="118872" y="3584448"/>
-            <a:ext cx="5084064" cy="2031325"/>
-          </a:xfrm>
-          <a:prstGeom prst="rect">
-            <a:avLst/>
-          </a:prstGeom>
-          <a:noFill/>
-        </p:spPr>
-        <p:txBody>
-          <a:bodyPr wrap="square" rtlCol="0">
-            <a:spAutoFit/>
-          </a:bodyPr>
-          <a:lstStyle/>
-          <a:p>
-            <a:r>
-              <a:rPr lang="fr-FR" b="1" dirty="0"/>
-              <a:t>Les composants:</a:t>
-            </a:r>
-          </a:p>
-          <a:p>
-            <a:endParaRPr lang="fr-FR" dirty="0"/>
-          </a:p>
-          <a:p>
-            <a:r>
-              <a:rPr lang="fr-FR" dirty="0"/>
-              <a:t>-Une statue de chien</a:t>
-            </a:r>
-          </a:p>
-          <a:p>
-            <a:r>
-              <a:rPr lang="fr-FR" dirty="0"/>
-              <a:t>-Un bouton poussoir</a:t>
-            </a:r>
-          </a:p>
-          <a:p>
-            <a:r>
-              <a:rPr lang="fr-FR" dirty="0"/>
-              <a:t>-Deux leds (une rouge + une verte)</a:t>
-            </a:r>
-          </a:p>
-          <a:p>
-            <a:r>
-              <a:rPr lang="fr-FR" dirty="0"/>
-              <a:t>-Un tube avec une clef</a:t>
-            </a:r>
-          </a:p>
-          <a:p>
-            <a:r>
-              <a:rPr lang="fr-FR" dirty="0"/>
-              <a:t>-Sept vannes</a:t>
-            </a:r>
-          </a:p>
-        </p:txBody>
-      </p:sp>
-      <p:sp>
-        <p:nvSpPr>
-          <p:cNvPr id="3" name="Espace réservé du pied de page 2">
-            <a:extLst>
-              <a:ext uri="{FF2B5EF4-FFF2-40B4-BE49-F238E27FC236}">
-                <a16:creationId xmlns:a16="http://schemas.microsoft.com/office/drawing/2014/main" id="{F7704999-6CAC-4E46-9706-5EC951174235}"/>
-              </a:ext>
-            </a:extLst>
-          </p:cNvPr>
-          <p:cNvSpPr>
-            <a:spLocks noGrp="1"/>
-          </p:cNvSpPr>
-          <p:nvPr>
-            <p:ph type="ftr" sz="quarter" idx="11"/>
-          </p:nvPr>
-        </p:nvSpPr>
-        <p:spPr/>
-        <p:txBody>
-          <a:bodyPr/>
-          <a:lstStyle/>
-          <a:p>
-            <a:r>
-              <a:rPr lang="fr-FR"/>
-              <a:t>Corentin BRENY - ST Félix La Salle - 2020</a:t>
-            </a:r>
-          </a:p>
-        </p:txBody>
-      </p:sp>
-      <p:sp>
-        <p:nvSpPr>
-          <p:cNvPr id="5" name="Espace réservé du numéro de diapositive 4">
-            <a:extLst>
-              <a:ext uri="{FF2B5EF4-FFF2-40B4-BE49-F238E27FC236}">
-                <a16:creationId xmlns:a16="http://schemas.microsoft.com/office/drawing/2014/main" id="{07A84899-E0F3-4A2E-BB9D-B24E151416AB}"/>
-              </a:ext>
-            </a:extLst>
-          </p:cNvPr>
-          <p:cNvSpPr>
-            <a:spLocks noGrp="1"/>
-          </p:cNvSpPr>
-          <p:nvPr>
-            <p:ph type="sldNum" sz="quarter" idx="12"/>
-          </p:nvPr>
-        </p:nvSpPr>
-        <p:spPr/>
-        <p:txBody>
-          <a:bodyPr/>
-          <a:lstStyle/>
-          <a:p>
-            <a:fld id="{B8E0B961-A637-4848-B0A2-B04876406418}" type="slidenum">
-              <a:rPr lang="fr-FR" smtClean="0"/>
-              <a:t>6</a:t>
-            </a:fld>
-            <a:endParaRPr lang="fr-FR"/>
-          </a:p>
-        </p:txBody>
-      </p:sp>
-      <p:sp>
-        <p:nvSpPr>
-          <p:cNvPr id="10" name="Rectangle 9">
-            <a:extLst>
-              <a:ext uri="{FF2B5EF4-FFF2-40B4-BE49-F238E27FC236}">
-                <a16:creationId xmlns:a16="http://schemas.microsoft.com/office/drawing/2014/main" id="{1F92E7C5-750C-4076-96B7-F075649E31F9}"/>
-              </a:ext>
-            </a:extLst>
-          </p:cNvPr>
-          <p:cNvSpPr/>
-          <p:nvPr/>
-        </p:nvSpPr>
-        <p:spPr>
-          <a:xfrm>
-            <a:off x="11352276" y="339806"/>
-            <a:ext cx="649222" cy="5859825"/>
-          </a:xfrm>
-          <a:prstGeom prst="rect">
-            <a:avLst/>
-          </a:prstGeom>
-          <a:solidFill>
-            <a:schemeClr val="tx1"/>
-          </a:solidFill>
-          <a:ln>
-            <a:solidFill>
-              <a:srgbClr val="00C020"/>
-            </a:solidFill>
-          </a:ln>
-        </p:spPr>
-        <p:style>
-          <a:lnRef idx="2">
-            <a:schemeClr val="accent1">
-              <a:shade val="50000"/>
-            </a:schemeClr>
-          </a:lnRef>
-          <a:fillRef idx="1">
-            <a:schemeClr val="accent1"/>
-          </a:fillRef>
-          <a:effectRef idx="0">
-            <a:schemeClr val="accent1"/>
-          </a:effectRef>
-          <a:fontRef idx="minor">
-            <a:schemeClr val="lt1"/>
-          </a:fontRef>
-        </p:style>
-        <p:txBody>
-          <a:bodyPr rtlCol="0" anchor="ctr"/>
-          <a:lstStyle/>
-          <a:p>
-            <a:pPr algn="ctr"/>
-            <a:endParaRPr lang="fr-FR"/>
-          </a:p>
-        </p:txBody>
-      </p:sp>
-      <p:sp>
-        <p:nvSpPr>
-          <p:cNvPr id="11" name="Ellipse 10">
-            <a:extLst>
-              <a:ext uri="{FF2B5EF4-FFF2-40B4-BE49-F238E27FC236}">
-                <a16:creationId xmlns:a16="http://schemas.microsoft.com/office/drawing/2014/main" id="{4F3EF8EE-9C7D-4305-8395-1C67F68DF6E3}"/>
-              </a:ext>
-            </a:extLst>
-          </p:cNvPr>
-          <p:cNvSpPr/>
-          <p:nvPr/>
-        </p:nvSpPr>
-        <p:spPr>
-          <a:xfrm>
-            <a:off x="11352273" y="954310"/>
-            <a:ext cx="649224" cy="694981"/>
-          </a:xfrm>
-          <a:prstGeom prst="ellipse">
-            <a:avLst/>
-          </a:prstGeom>
-          <a:solidFill>
-            <a:srgbClr val="00C020"/>
-          </a:solidFill>
-          <a:ln>
-            <a:solidFill>
-              <a:srgbClr val="00C020"/>
-            </a:solidFill>
-          </a:ln>
-        </p:spPr>
-        <p:style>
-          <a:lnRef idx="2">
-            <a:schemeClr val="accent1">
-              <a:shade val="50000"/>
-            </a:schemeClr>
-          </a:lnRef>
-          <a:fillRef idx="1">
-            <a:schemeClr val="accent1"/>
-          </a:fillRef>
-          <a:effectRef idx="0">
-            <a:schemeClr val="accent1"/>
-          </a:effectRef>
-          <a:fontRef idx="minor">
-            <a:schemeClr val="lt1"/>
-          </a:fontRef>
-        </p:style>
-        <p:txBody>
-          <a:bodyPr rtlCol="0" anchor="ctr"/>
-          <a:lstStyle/>
-          <a:p>
-            <a:pPr algn="ctr"/>
-            <a:endParaRPr lang="fr-FR"/>
-          </a:p>
-        </p:txBody>
-      </p:sp>
-      <p:sp>
-        <p:nvSpPr>
-          <p:cNvPr id="12" name="Ellipse 11">
-            <a:extLst>
-              <a:ext uri="{FF2B5EF4-FFF2-40B4-BE49-F238E27FC236}">
-                <a16:creationId xmlns:a16="http://schemas.microsoft.com/office/drawing/2014/main" id="{9E24BFE5-4639-4E40-8960-D18B97DA9C24}"/>
-              </a:ext>
-            </a:extLst>
-          </p:cNvPr>
-          <p:cNvSpPr/>
-          <p:nvPr/>
-        </p:nvSpPr>
-        <p:spPr>
-          <a:xfrm>
-            <a:off x="11352274" y="-36612"/>
-            <a:ext cx="649224" cy="694981"/>
-          </a:xfrm>
-          <a:prstGeom prst="ellipse">
-            <a:avLst/>
-          </a:prstGeom>
-          <a:solidFill>
-            <a:srgbClr val="00C020"/>
-          </a:solidFill>
-          <a:ln>
-            <a:solidFill>
-              <a:srgbClr val="00C020"/>
-            </a:solidFill>
-          </a:ln>
-        </p:spPr>
-        <p:style>
-          <a:lnRef idx="2">
-            <a:schemeClr val="accent1">
-              <a:shade val="50000"/>
-            </a:schemeClr>
-          </a:lnRef>
-          <a:fillRef idx="1">
-            <a:schemeClr val="accent1"/>
-          </a:fillRef>
-          <a:effectRef idx="0">
-            <a:schemeClr val="accent1"/>
-          </a:effectRef>
-          <a:fontRef idx="minor">
-            <a:schemeClr val="lt1"/>
-          </a:fontRef>
-        </p:style>
-        <p:txBody>
-          <a:bodyPr rtlCol="0" anchor="ctr"/>
-          <a:lstStyle/>
-          <a:p>
-            <a:pPr algn="ctr"/>
-            <a:endParaRPr lang="fr-FR"/>
-          </a:p>
-        </p:txBody>
-      </p:sp>
-      <p:sp>
-        <p:nvSpPr>
-          <p:cNvPr id="13" name="Ellipse 12">
-            <a:extLst>
-              <a:ext uri="{FF2B5EF4-FFF2-40B4-BE49-F238E27FC236}">
-                <a16:creationId xmlns:a16="http://schemas.microsoft.com/office/drawing/2014/main" id="{8A71FA3A-51B2-45EF-96E3-8C3460B7A12D}"/>
-              </a:ext>
-            </a:extLst>
-          </p:cNvPr>
-          <p:cNvSpPr/>
-          <p:nvPr/>
-        </p:nvSpPr>
-        <p:spPr>
-          <a:xfrm>
-            <a:off x="11352273" y="1922124"/>
-            <a:ext cx="649225" cy="694981"/>
-          </a:xfrm>
-          <a:prstGeom prst="ellipse">
-            <a:avLst/>
-          </a:prstGeom>
-          <a:solidFill>
-            <a:srgbClr val="00C020"/>
-          </a:solidFill>
-          <a:ln>
-            <a:solidFill>
-              <a:srgbClr val="00C020"/>
-            </a:solidFill>
-          </a:ln>
-        </p:spPr>
-        <p:style>
-          <a:lnRef idx="2">
-            <a:schemeClr val="accent1">
-              <a:shade val="50000"/>
-            </a:schemeClr>
-          </a:lnRef>
-          <a:fillRef idx="1">
-            <a:schemeClr val="accent1"/>
-          </a:fillRef>
-          <a:effectRef idx="0">
-            <a:schemeClr val="accent1"/>
-          </a:effectRef>
-          <a:fontRef idx="minor">
-            <a:schemeClr val="lt1"/>
-          </a:fontRef>
-        </p:style>
-        <p:txBody>
-          <a:bodyPr rtlCol="0" anchor="ctr"/>
-          <a:lstStyle/>
-          <a:p>
-            <a:pPr algn="ctr"/>
-            <a:endParaRPr lang="fr-FR"/>
-          </a:p>
-        </p:txBody>
-      </p:sp>
-      <p:sp>
-        <p:nvSpPr>
-          <p:cNvPr id="14" name="Ellipse 13">
-            <a:extLst>
-              <a:ext uri="{FF2B5EF4-FFF2-40B4-BE49-F238E27FC236}">
-                <a16:creationId xmlns:a16="http://schemas.microsoft.com/office/drawing/2014/main" id="{40307E3C-E462-4BC5-8DE2-3F6241EA8274}"/>
-              </a:ext>
-            </a:extLst>
-          </p:cNvPr>
-          <p:cNvSpPr/>
-          <p:nvPr/>
-        </p:nvSpPr>
-        <p:spPr>
-          <a:xfrm>
-            <a:off x="11352273" y="2913046"/>
-            <a:ext cx="649225" cy="694981"/>
-          </a:xfrm>
-          <a:prstGeom prst="ellipse">
-            <a:avLst/>
-          </a:prstGeom>
-          <a:solidFill>
-            <a:srgbClr val="00C020"/>
-          </a:solidFill>
-          <a:ln>
-            <a:solidFill>
-              <a:srgbClr val="00C020"/>
-            </a:solidFill>
-          </a:ln>
-        </p:spPr>
-        <p:style>
-          <a:lnRef idx="2">
-            <a:schemeClr val="accent1">
-              <a:shade val="50000"/>
-            </a:schemeClr>
-          </a:lnRef>
-          <a:fillRef idx="1">
-            <a:schemeClr val="accent1"/>
-          </a:fillRef>
-          <a:effectRef idx="0">
-            <a:schemeClr val="accent1"/>
-          </a:effectRef>
-          <a:fontRef idx="minor">
-            <a:schemeClr val="lt1"/>
-          </a:fontRef>
-        </p:style>
-        <p:txBody>
-          <a:bodyPr rtlCol="0" anchor="ctr"/>
-          <a:lstStyle/>
-          <a:p>
-            <a:pPr algn="ctr"/>
-            <a:endParaRPr lang="fr-FR"/>
-          </a:p>
-        </p:txBody>
-      </p:sp>
-      <p:sp>
-        <p:nvSpPr>
-          <p:cNvPr id="15" name="Ellipse 14">
-            <a:extLst>
-              <a:ext uri="{FF2B5EF4-FFF2-40B4-BE49-F238E27FC236}">
-                <a16:creationId xmlns:a16="http://schemas.microsoft.com/office/drawing/2014/main" id="{99F2B49F-3494-4F3D-ADAE-455882623123}"/>
-              </a:ext>
-            </a:extLst>
-          </p:cNvPr>
-          <p:cNvSpPr/>
-          <p:nvPr/>
-        </p:nvSpPr>
-        <p:spPr>
-          <a:xfrm>
-            <a:off x="11352273" y="3903968"/>
-            <a:ext cx="649224" cy="694981"/>
-          </a:xfrm>
-          <a:prstGeom prst="ellipse">
-            <a:avLst/>
-          </a:prstGeom>
-          <a:solidFill>
-            <a:srgbClr val="00C020"/>
-          </a:solidFill>
-          <a:ln>
-            <a:solidFill>
-              <a:srgbClr val="00C020"/>
-            </a:solidFill>
-          </a:ln>
-        </p:spPr>
-        <p:style>
-          <a:lnRef idx="2">
-            <a:schemeClr val="accent1">
-              <a:shade val="50000"/>
-            </a:schemeClr>
-          </a:lnRef>
-          <a:fillRef idx="1">
-            <a:schemeClr val="accent1"/>
-          </a:fillRef>
-          <a:effectRef idx="0">
-            <a:schemeClr val="accent1"/>
-          </a:effectRef>
-          <a:fontRef idx="minor">
-            <a:schemeClr val="lt1"/>
-          </a:fontRef>
-        </p:style>
-        <p:txBody>
-          <a:bodyPr rtlCol="0" anchor="ctr"/>
-          <a:lstStyle/>
-          <a:p>
-            <a:pPr algn="ctr"/>
-            <a:endParaRPr lang="fr-FR"/>
-          </a:p>
-        </p:txBody>
-      </p:sp>
-      <p:sp>
-        <p:nvSpPr>
-          <p:cNvPr id="16" name="Ellipse 15">
-            <a:extLst>
-              <a:ext uri="{FF2B5EF4-FFF2-40B4-BE49-F238E27FC236}">
-                <a16:creationId xmlns:a16="http://schemas.microsoft.com/office/drawing/2014/main" id="{EFA56041-0055-47ED-8D10-3272B93FDDE0}"/>
-              </a:ext>
-            </a:extLst>
-          </p:cNvPr>
-          <p:cNvSpPr/>
-          <p:nvPr/>
-        </p:nvSpPr>
-        <p:spPr>
-          <a:xfrm>
-            <a:off x="11352273" y="4894193"/>
-            <a:ext cx="649224" cy="694982"/>
-          </a:xfrm>
-          <a:prstGeom prst="ellipse">
-            <a:avLst/>
-          </a:prstGeom>
-          <a:solidFill>
-            <a:schemeClr val="tx1"/>
-          </a:solidFill>
-          <a:ln>
-            <a:solidFill>
-              <a:srgbClr val="00C020"/>
-            </a:solidFill>
-          </a:ln>
-        </p:spPr>
-        <p:style>
-          <a:lnRef idx="2">
-            <a:schemeClr val="accent1">
-              <a:shade val="50000"/>
-            </a:schemeClr>
-          </a:lnRef>
-          <a:fillRef idx="1">
-            <a:schemeClr val="accent1"/>
-          </a:fillRef>
-          <a:effectRef idx="0">
-            <a:schemeClr val="accent1"/>
-          </a:effectRef>
-          <a:fontRef idx="minor">
-            <a:schemeClr val="lt1"/>
-          </a:fontRef>
-        </p:style>
-        <p:txBody>
-          <a:bodyPr rtlCol="0" anchor="ctr"/>
-          <a:lstStyle/>
-          <a:p>
-            <a:pPr algn="ctr"/>
-            <a:endParaRPr lang="fr-FR"/>
-          </a:p>
-        </p:txBody>
-      </p:sp>
-      <p:sp>
-        <p:nvSpPr>
-          <p:cNvPr id="17" name="Ellipse 16">
-            <a:extLst>
-              <a:ext uri="{FF2B5EF4-FFF2-40B4-BE49-F238E27FC236}">
-                <a16:creationId xmlns:a16="http://schemas.microsoft.com/office/drawing/2014/main" id="{B410CDF6-8EE3-489E-9941-D9325A6473CF}"/>
-              </a:ext>
-            </a:extLst>
-          </p:cNvPr>
-          <p:cNvSpPr/>
-          <p:nvPr/>
-        </p:nvSpPr>
-        <p:spPr>
-          <a:xfrm>
-            <a:off x="11352273" y="5888237"/>
-            <a:ext cx="649224" cy="694981"/>
-          </a:xfrm>
-          <a:prstGeom prst="ellipse">
-            <a:avLst/>
-          </a:prstGeom>
-          <a:solidFill>
-            <a:schemeClr val="tx1"/>
-          </a:solidFill>
-          <a:ln>
-            <a:solidFill>
-              <a:srgbClr val="00C020"/>
-            </a:solidFill>
-          </a:ln>
-        </p:spPr>
-        <p:style>
-          <a:lnRef idx="2">
-            <a:schemeClr val="accent1">
-              <a:shade val="50000"/>
-            </a:schemeClr>
-          </a:lnRef>
-          <a:fillRef idx="1">
-            <a:schemeClr val="accent1"/>
-          </a:fillRef>
-          <a:effectRef idx="0">
-            <a:schemeClr val="accent1"/>
-          </a:effectRef>
-          <a:fontRef idx="minor">
-            <a:schemeClr val="lt1"/>
-          </a:fontRef>
-        </p:style>
-        <p:txBody>
-          <a:bodyPr rtlCol="0" anchor="ctr"/>
-          <a:lstStyle/>
-          <a:p>
-            <a:pPr algn="ctr"/>
-            <a:endParaRPr lang="fr-FR"/>
-          </a:p>
-        </p:txBody>
-      </p:sp>
-      <p:pic>
-        <p:nvPicPr>
-          <p:cNvPr id="6" name="Image 5">
-            <a:extLst>
-              <a:ext uri="{FF2B5EF4-FFF2-40B4-BE49-F238E27FC236}">
-                <a16:creationId xmlns:a16="http://schemas.microsoft.com/office/drawing/2014/main" id="{002BAF95-7DEF-4A06-9E05-039D8C985346}"/>
-              </a:ext>
-            </a:extLst>
-          </p:cNvPr>
-          <p:cNvPicPr>
-            <a:picLocks noChangeAspect="1"/>
-          </p:cNvPicPr>
-          <p:nvPr/>
-        </p:nvPicPr>
-        <p:blipFill>
-          <a:blip r:embed="rId3"/>
-          <a:stretch>
-            <a:fillRect/>
-          </a:stretch>
-        </p:blipFill>
-        <p:spPr>
-          <a:xfrm>
-            <a:off x="5509522" y="0"/>
-            <a:ext cx="5844461" cy="6453627"/>
-          </a:xfrm>
-          <a:prstGeom prst="rect">
-            <a:avLst/>
-          </a:prstGeom>
-        </p:spPr>
-      </p:pic>
-    </p:spTree>
-    <p:extLst>
-      <p:ext uri="{BB962C8B-B14F-4D97-AF65-F5344CB8AC3E}">
-        <p14:creationId xmlns:p14="http://schemas.microsoft.com/office/powerpoint/2010/main" val="2395788279"/>
       </p:ext>
     </p:extLst>
   </p:cSld>
@@ -10320,7 +8332,7 @@
                   <a:srgbClr val="FF0000"/>
                 </a:solidFill>
               </a:rPr>
-              <a:t>Mécanisme n°7</a:t>
+              <a:t>Mécanisme n°6</a:t>
             </a:r>
           </a:p>
         </p:txBody>
@@ -10395,7 +8407,7 @@
         </p:nvSpPr>
         <p:spPr>
           <a:xfrm>
-            <a:off x="128016" y="3601297"/>
+            <a:off x="118872" y="3584448"/>
             <a:ext cx="5084064" cy="2031325"/>
           </a:xfrm>
           <a:prstGeom prst="rect">
@@ -10420,29 +8432,32 @@
           <a:p>
             <a:r>
               <a:rPr lang="fr-FR" dirty="0"/>
-              <a:t>-Un mur avec un trou</a:t>
+              <a:t>-Une statue de chien</a:t>
             </a:r>
           </a:p>
           <a:p>
             <a:r>
               <a:rPr lang="fr-FR" dirty="0"/>
-              <a:t>-Une trappe où se trouve un doigt ( système 3)</a:t>
+              <a:t>-Un bouton poussoir</a:t>
             </a:r>
           </a:p>
           <a:p>
             <a:r>
               <a:rPr lang="fr-FR" dirty="0"/>
-              <a:t>-Un Katana</a:t>
+              <a:t>-Deux leds (une rouge + une verte)</a:t>
             </a:r>
           </a:p>
           <a:p>
             <a:r>
               <a:rPr lang="fr-FR" dirty="0"/>
-              <a:t>-Interrupteur de fin de course</a:t>
-            </a:r>
-          </a:p>
-          <a:p>
-            <a:endParaRPr lang="fr-FR" dirty="0"/>
+              <a:t>-Un tube avec une clef</a:t>
+            </a:r>
+          </a:p>
+          <a:p>
+            <a:r>
+              <a:rPr lang="fr-FR" dirty="0"/>
+              <a:t>-Sept vannes</a:t>
+            </a:r>
           </a:p>
         </p:txBody>
       </p:sp>
@@ -10451,7 +8466,7 @@
           <p:cNvPr id="3" name="Espace réservé du pied de page 2">
             <a:extLst>
               <a:ext uri="{FF2B5EF4-FFF2-40B4-BE49-F238E27FC236}">
-                <a16:creationId xmlns:a16="http://schemas.microsoft.com/office/drawing/2014/main" id="{EE25281D-75F1-4D59-9DF6-0BD24681854F}"/>
+                <a16:creationId xmlns:a16="http://schemas.microsoft.com/office/drawing/2014/main" id="{F7704999-6CAC-4E46-9706-5EC951174235}"/>
               </a:ext>
             </a:extLst>
           </p:cNvPr>
@@ -10479,7 +8494,7 @@
           <p:cNvPr id="5" name="Espace réservé du numéro de diapositive 4">
             <a:extLst>
               <a:ext uri="{FF2B5EF4-FFF2-40B4-BE49-F238E27FC236}">
-                <a16:creationId xmlns:a16="http://schemas.microsoft.com/office/drawing/2014/main" id="{53850AB9-760E-4F5D-86A0-716386D0A526}"/>
+                <a16:creationId xmlns:a16="http://schemas.microsoft.com/office/drawing/2014/main" id="{07A84899-E0F3-4A2E-BB9D-B24E151416AB}"/>
               </a:ext>
             </a:extLst>
           </p:cNvPr>
@@ -10503,462 +8518,34 @@
           </a:p>
         </p:txBody>
       </p:sp>
-      <p:sp>
-        <p:nvSpPr>
-          <p:cNvPr id="10" name="Rectangle 9">
-            <a:extLst>
-              <a:ext uri="{FF2B5EF4-FFF2-40B4-BE49-F238E27FC236}">
-                <a16:creationId xmlns:a16="http://schemas.microsoft.com/office/drawing/2014/main" id="{55DCE50F-A79D-47E1-81F5-0A487B44BBD2}"/>
-              </a:ext>
-            </a:extLst>
-          </p:cNvPr>
-          <p:cNvSpPr/>
-          <p:nvPr/>
-        </p:nvSpPr>
-        <p:spPr>
-          <a:xfrm>
-            <a:off x="11352276" y="339806"/>
-            <a:ext cx="649222" cy="5859825"/>
-          </a:xfrm>
-          <a:prstGeom prst="rect">
-            <a:avLst/>
-          </a:prstGeom>
-          <a:solidFill>
-            <a:schemeClr val="tx1"/>
-          </a:solidFill>
-          <a:ln>
-            <a:solidFill>
-              <a:srgbClr val="00C020"/>
-            </a:solidFill>
-          </a:ln>
-        </p:spPr>
-        <p:style>
-          <a:lnRef idx="2">
-            <a:schemeClr val="accent1">
-              <a:shade val="50000"/>
-            </a:schemeClr>
-          </a:lnRef>
-          <a:fillRef idx="1">
-            <a:schemeClr val="accent1"/>
-          </a:fillRef>
-          <a:effectRef idx="0">
-            <a:schemeClr val="accent1"/>
-          </a:effectRef>
-          <a:fontRef idx="minor">
-            <a:schemeClr val="lt1"/>
-          </a:fontRef>
-        </p:style>
-        <p:txBody>
-          <a:bodyPr rtlCol="0" anchor="ctr"/>
-          <a:lstStyle/>
-          <a:p>
-            <a:pPr algn="ctr"/>
-            <a:endParaRPr lang="fr-FR"/>
-          </a:p>
-        </p:txBody>
-      </p:sp>
-      <p:sp>
-        <p:nvSpPr>
-          <p:cNvPr id="11" name="Ellipse 10">
-            <a:extLst>
-              <a:ext uri="{FF2B5EF4-FFF2-40B4-BE49-F238E27FC236}">
-                <a16:creationId xmlns:a16="http://schemas.microsoft.com/office/drawing/2014/main" id="{DC5C09D3-F7A1-4ECB-A955-BA9D217EF84B}"/>
-              </a:ext>
-            </a:extLst>
-          </p:cNvPr>
-          <p:cNvSpPr/>
-          <p:nvPr/>
-        </p:nvSpPr>
-        <p:spPr>
-          <a:xfrm>
-            <a:off x="11352273" y="954310"/>
-            <a:ext cx="649224" cy="694981"/>
-          </a:xfrm>
-          <a:prstGeom prst="ellipse">
-            <a:avLst/>
-          </a:prstGeom>
-          <a:solidFill>
-            <a:srgbClr val="00C020"/>
-          </a:solidFill>
-          <a:ln>
-            <a:solidFill>
-              <a:srgbClr val="00C020"/>
-            </a:solidFill>
-          </a:ln>
-        </p:spPr>
-        <p:style>
-          <a:lnRef idx="2">
-            <a:schemeClr val="accent1">
-              <a:shade val="50000"/>
-            </a:schemeClr>
-          </a:lnRef>
-          <a:fillRef idx="1">
-            <a:schemeClr val="accent1"/>
-          </a:fillRef>
-          <a:effectRef idx="0">
-            <a:schemeClr val="accent1"/>
-          </a:effectRef>
-          <a:fontRef idx="minor">
-            <a:schemeClr val="lt1"/>
-          </a:fontRef>
-        </p:style>
-        <p:txBody>
-          <a:bodyPr rtlCol="0" anchor="ctr"/>
-          <a:lstStyle/>
-          <a:p>
-            <a:pPr algn="ctr"/>
-            <a:endParaRPr lang="fr-FR"/>
-          </a:p>
-        </p:txBody>
-      </p:sp>
-      <p:sp>
-        <p:nvSpPr>
-          <p:cNvPr id="12" name="Ellipse 11">
-            <a:extLst>
-              <a:ext uri="{FF2B5EF4-FFF2-40B4-BE49-F238E27FC236}">
-                <a16:creationId xmlns:a16="http://schemas.microsoft.com/office/drawing/2014/main" id="{563B98D1-C3AF-48A3-997B-4A4845754443}"/>
-              </a:ext>
-            </a:extLst>
-          </p:cNvPr>
-          <p:cNvSpPr/>
-          <p:nvPr/>
-        </p:nvSpPr>
-        <p:spPr>
-          <a:xfrm>
-            <a:off x="11352274" y="-36612"/>
-            <a:ext cx="649224" cy="694981"/>
-          </a:xfrm>
-          <a:prstGeom prst="ellipse">
-            <a:avLst/>
-          </a:prstGeom>
-          <a:solidFill>
-            <a:srgbClr val="00C020"/>
-          </a:solidFill>
-          <a:ln>
-            <a:solidFill>
-              <a:srgbClr val="00C020"/>
-            </a:solidFill>
-          </a:ln>
-        </p:spPr>
-        <p:style>
-          <a:lnRef idx="2">
-            <a:schemeClr val="accent1">
-              <a:shade val="50000"/>
-            </a:schemeClr>
-          </a:lnRef>
-          <a:fillRef idx="1">
-            <a:schemeClr val="accent1"/>
-          </a:fillRef>
-          <a:effectRef idx="0">
-            <a:schemeClr val="accent1"/>
-          </a:effectRef>
-          <a:fontRef idx="minor">
-            <a:schemeClr val="lt1"/>
-          </a:fontRef>
-        </p:style>
-        <p:txBody>
-          <a:bodyPr rtlCol="0" anchor="ctr"/>
-          <a:lstStyle/>
-          <a:p>
-            <a:pPr algn="ctr"/>
-            <a:endParaRPr lang="fr-FR"/>
-          </a:p>
-        </p:txBody>
-      </p:sp>
-      <p:sp>
-        <p:nvSpPr>
-          <p:cNvPr id="13" name="Ellipse 12">
-            <a:extLst>
-              <a:ext uri="{FF2B5EF4-FFF2-40B4-BE49-F238E27FC236}">
-                <a16:creationId xmlns:a16="http://schemas.microsoft.com/office/drawing/2014/main" id="{26C312D7-64FB-45B6-BC6B-1B371730F2D9}"/>
-              </a:ext>
-            </a:extLst>
-          </p:cNvPr>
-          <p:cNvSpPr/>
-          <p:nvPr/>
-        </p:nvSpPr>
-        <p:spPr>
-          <a:xfrm>
-            <a:off x="11352273" y="1922124"/>
-            <a:ext cx="649225" cy="694981"/>
-          </a:xfrm>
-          <a:prstGeom prst="ellipse">
-            <a:avLst/>
-          </a:prstGeom>
-          <a:solidFill>
-            <a:srgbClr val="00C020"/>
-          </a:solidFill>
-          <a:ln>
-            <a:solidFill>
-              <a:srgbClr val="00C020"/>
-            </a:solidFill>
-          </a:ln>
-        </p:spPr>
-        <p:style>
-          <a:lnRef idx="2">
-            <a:schemeClr val="accent1">
-              <a:shade val="50000"/>
-            </a:schemeClr>
-          </a:lnRef>
-          <a:fillRef idx="1">
-            <a:schemeClr val="accent1"/>
-          </a:fillRef>
-          <a:effectRef idx="0">
-            <a:schemeClr val="accent1"/>
-          </a:effectRef>
-          <a:fontRef idx="minor">
-            <a:schemeClr val="lt1"/>
-          </a:fontRef>
-        </p:style>
-        <p:txBody>
-          <a:bodyPr rtlCol="0" anchor="ctr"/>
-          <a:lstStyle/>
-          <a:p>
-            <a:pPr algn="ctr"/>
-            <a:endParaRPr lang="fr-FR"/>
-          </a:p>
-        </p:txBody>
-      </p:sp>
-      <p:sp>
-        <p:nvSpPr>
-          <p:cNvPr id="14" name="Ellipse 13">
-            <a:extLst>
-              <a:ext uri="{FF2B5EF4-FFF2-40B4-BE49-F238E27FC236}">
-                <a16:creationId xmlns:a16="http://schemas.microsoft.com/office/drawing/2014/main" id="{4D0F6D23-BB5D-4DE7-88B7-7FEA06968F7B}"/>
-              </a:ext>
-            </a:extLst>
-          </p:cNvPr>
-          <p:cNvSpPr/>
-          <p:nvPr/>
-        </p:nvSpPr>
-        <p:spPr>
-          <a:xfrm>
-            <a:off x="11352273" y="2913046"/>
-            <a:ext cx="649225" cy="694981"/>
-          </a:xfrm>
-          <a:prstGeom prst="ellipse">
-            <a:avLst/>
-          </a:prstGeom>
-          <a:solidFill>
-            <a:srgbClr val="00C020"/>
-          </a:solidFill>
-          <a:ln>
-            <a:solidFill>
-              <a:srgbClr val="00C020"/>
-            </a:solidFill>
-          </a:ln>
-        </p:spPr>
-        <p:style>
-          <a:lnRef idx="2">
-            <a:schemeClr val="accent1">
-              <a:shade val="50000"/>
-            </a:schemeClr>
-          </a:lnRef>
-          <a:fillRef idx="1">
-            <a:schemeClr val="accent1"/>
-          </a:fillRef>
-          <a:effectRef idx="0">
-            <a:schemeClr val="accent1"/>
-          </a:effectRef>
-          <a:fontRef idx="minor">
-            <a:schemeClr val="lt1"/>
-          </a:fontRef>
-        </p:style>
-        <p:txBody>
-          <a:bodyPr rtlCol="0" anchor="ctr"/>
-          <a:lstStyle/>
-          <a:p>
-            <a:pPr algn="ctr"/>
-            <a:endParaRPr lang="fr-FR"/>
-          </a:p>
-        </p:txBody>
-      </p:sp>
-      <p:sp>
-        <p:nvSpPr>
-          <p:cNvPr id="15" name="Ellipse 14">
-            <a:extLst>
-              <a:ext uri="{FF2B5EF4-FFF2-40B4-BE49-F238E27FC236}">
-                <a16:creationId xmlns:a16="http://schemas.microsoft.com/office/drawing/2014/main" id="{21F5915F-B2E2-4DA3-9B67-79FE76009E17}"/>
-              </a:ext>
-            </a:extLst>
-          </p:cNvPr>
-          <p:cNvSpPr/>
-          <p:nvPr/>
-        </p:nvSpPr>
-        <p:spPr>
-          <a:xfrm>
-            <a:off x="11352273" y="3903968"/>
-            <a:ext cx="649224" cy="694981"/>
-          </a:xfrm>
-          <a:prstGeom prst="ellipse">
-            <a:avLst/>
-          </a:prstGeom>
-          <a:solidFill>
-            <a:srgbClr val="00C020"/>
-          </a:solidFill>
-          <a:ln>
-            <a:solidFill>
-              <a:srgbClr val="00C020"/>
-            </a:solidFill>
-          </a:ln>
-        </p:spPr>
-        <p:style>
-          <a:lnRef idx="2">
-            <a:schemeClr val="accent1">
-              <a:shade val="50000"/>
-            </a:schemeClr>
-          </a:lnRef>
-          <a:fillRef idx="1">
-            <a:schemeClr val="accent1"/>
-          </a:fillRef>
-          <a:effectRef idx="0">
-            <a:schemeClr val="accent1"/>
-          </a:effectRef>
-          <a:fontRef idx="minor">
-            <a:schemeClr val="lt1"/>
-          </a:fontRef>
-        </p:style>
-        <p:txBody>
-          <a:bodyPr rtlCol="0" anchor="ctr"/>
-          <a:lstStyle/>
-          <a:p>
-            <a:pPr algn="ctr"/>
-            <a:endParaRPr lang="fr-FR"/>
-          </a:p>
-        </p:txBody>
-      </p:sp>
-      <p:sp>
-        <p:nvSpPr>
-          <p:cNvPr id="16" name="Ellipse 15">
-            <a:extLst>
-              <a:ext uri="{FF2B5EF4-FFF2-40B4-BE49-F238E27FC236}">
-                <a16:creationId xmlns:a16="http://schemas.microsoft.com/office/drawing/2014/main" id="{3CE8D709-685E-4E9C-BD2C-8AF11CB70392}"/>
-              </a:ext>
-            </a:extLst>
-          </p:cNvPr>
-          <p:cNvSpPr/>
-          <p:nvPr/>
-        </p:nvSpPr>
-        <p:spPr>
-          <a:xfrm>
-            <a:off x="11352273" y="4894193"/>
-            <a:ext cx="649224" cy="694982"/>
-          </a:xfrm>
-          <a:prstGeom prst="ellipse">
-            <a:avLst/>
-          </a:prstGeom>
-          <a:solidFill>
-            <a:srgbClr val="00C020"/>
-          </a:solidFill>
-          <a:ln>
-            <a:solidFill>
-              <a:srgbClr val="00C020"/>
-            </a:solidFill>
-          </a:ln>
-        </p:spPr>
-        <p:style>
-          <a:lnRef idx="2">
-            <a:schemeClr val="accent1">
-              <a:shade val="50000"/>
-            </a:schemeClr>
-          </a:lnRef>
-          <a:fillRef idx="1">
-            <a:schemeClr val="accent1"/>
-          </a:fillRef>
-          <a:effectRef idx="0">
-            <a:schemeClr val="accent1"/>
-          </a:effectRef>
-          <a:fontRef idx="minor">
-            <a:schemeClr val="lt1"/>
-          </a:fontRef>
-        </p:style>
-        <p:txBody>
-          <a:bodyPr rtlCol="0" anchor="ctr"/>
-          <a:lstStyle/>
-          <a:p>
-            <a:pPr algn="ctr"/>
-            <a:endParaRPr lang="fr-FR"/>
-          </a:p>
-        </p:txBody>
-      </p:sp>
-      <p:sp>
-        <p:nvSpPr>
-          <p:cNvPr id="17" name="Ellipse 16">
-            <a:extLst>
-              <a:ext uri="{FF2B5EF4-FFF2-40B4-BE49-F238E27FC236}">
-                <a16:creationId xmlns:a16="http://schemas.microsoft.com/office/drawing/2014/main" id="{84FE928B-D5A7-4331-B180-B6A0BCB5D183}"/>
-              </a:ext>
-            </a:extLst>
-          </p:cNvPr>
-          <p:cNvSpPr/>
-          <p:nvPr/>
-        </p:nvSpPr>
-        <p:spPr>
-          <a:xfrm>
-            <a:off x="11352273" y="5888237"/>
-            <a:ext cx="649224" cy="694981"/>
-          </a:xfrm>
-          <a:prstGeom prst="ellipse">
-            <a:avLst/>
-          </a:prstGeom>
-          <a:solidFill>
-            <a:schemeClr val="tx1"/>
-          </a:solidFill>
-          <a:ln>
-            <a:solidFill>
-              <a:srgbClr val="00C020"/>
-            </a:solidFill>
-          </a:ln>
-        </p:spPr>
-        <p:style>
-          <a:lnRef idx="2">
-            <a:schemeClr val="accent1">
-              <a:shade val="50000"/>
-            </a:schemeClr>
-          </a:lnRef>
-          <a:fillRef idx="1">
-            <a:schemeClr val="accent1"/>
-          </a:fillRef>
-          <a:effectRef idx="0">
-            <a:schemeClr val="accent1"/>
-          </a:effectRef>
-          <a:fontRef idx="minor">
-            <a:schemeClr val="lt1"/>
-          </a:fontRef>
-        </p:style>
-        <p:txBody>
-          <a:bodyPr rtlCol="0" anchor="ctr"/>
-          <a:lstStyle/>
-          <a:p>
-            <a:pPr algn="ctr"/>
-            <a:endParaRPr lang="fr-FR"/>
-          </a:p>
-        </p:txBody>
-      </p:sp>
       <p:pic>
         <p:nvPicPr>
-          <p:cNvPr id="6" name="Image 5">
-            <a:extLst>
-              <a:ext uri="{FF2B5EF4-FFF2-40B4-BE49-F238E27FC236}">
-                <a16:creationId xmlns:a16="http://schemas.microsoft.com/office/drawing/2014/main" id="{EC6DF2C3-DF98-48A6-B4E1-74884658E0BF}"/>
-              </a:ext>
-            </a:extLst>
-          </p:cNvPr>
-          <p:cNvPicPr>
-            <a:picLocks noChangeAspect="1"/>
-          </p:cNvPicPr>
+          <p:cNvPr id="18" name="Image 17" descr="Une image contenant capture d’écran&#10;&#10;Description générée automatiquement">
+            <a:extLst>
+              <a:ext uri="{FF2B5EF4-FFF2-40B4-BE49-F238E27FC236}">
+                <a16:creationId xmlns:a16="http://schemas.microsoft.com/office/drawing/2014/main" id="{022D1035-FC53-468D-8382-C0A4BB8BE805}"/>
+              </a:ext>
+            </a:extLst>
+          </p:cNvPr>
+          <p:cNvPicPr/>
           <p:nvPr/>
         </p:nvPicPr>
         <p:blipFill>
-          <a:blip r:embed="rId3"/>
+          <a:blip r:embed="rId3">
+            <a:extLst>
+              <a:ext uri="{28A0092B-C50C-407E-A947-70E740481C1C}">
+                <a14:useLocalDpi xmlns:a14="http://schemas.microsoft.com/office/drawing/2010/main" val="0"/>
+              </a:ext>
+            </a:extLst>
+          </a:blip>
           <a:stretch>
             <a:fillRect/>
           </a:stretch>
         </p:blipFill>
         <p:spPr>
           <a:xfrm>
-            <a:off x="6056372" y="-18035"/>
-            <a:ext cx="5295900" cy="6296025"/>
+            <a:off x="6478142" y="2483977"/>
+            <a:ext cx="4922520" cy="2673350"/>
           </a:xfrm>
           <a:prstGeom prst="rect">
             <a:avLst/>
@@ -10967,10 +8554,10 @@
       </p:pic>
       <p:pic>
         <p:nvPicPr>
-          <p:cNvPr id="7" name="Image 6">
-            <a:extLst>
-              <a:ext uri="{FF2B5EF4-FFF2-40B4-BE49-F238E27FC236}">
-                <a16:creationId xmlns:a16="http://schemas.microsoft.com/office/drawing/2014/main" id="{515F9F77-1D9A-43FE-ACDA-5F93997EA1E5}"/>
+          <p:cNvPr id="6" name="Image 5">
+            <a:extLst>
+              <a:ext uri="{FF2B5EF4-FFF2-40B4-BE49-F238E27FC236}">
+                <a16:creationId xmlns:a16="http://schemas.microsoft.com/office/drawing/2014/main" id="{002BAF95-7DEF-4A06-9E05-039D8C985346}"/>
               </a:ext>
             </a:extLst>
           </p:cNvPr>
@@ -10987,8 +8574,8 @@
         </p:blipFill>
         <p:spPr>
           <a:xfrm>
-            <a:off x="5862620" y="-38684"/>
-            <a:ext cx="5491179" cy="6316673"/>
+            <a:off x="6017172" y="0"/>
+            <a:ext cx="5844461" cy="6453627"/>
           </a:xfrm>
           <a:prstGeom prst="rect">
             <a:avLst/>
@@ -10998,7 +8585,7 @@
     </p:spTree>
     <p:extLst>
       <p:ext uri="{BB962C8B-B14F-4D97-AF65-F5344CB8AC3E}">
-        <p14:creationId xmlns:p14="http://schemas.microsoft.com/office/powerpoint/2010/main" val="1725238643"/>
+        <p14:creationId xmlns:p14="http://schemas.microsoft.com/office/powerpoint/2010/main" val="2395788279"/>
       </p:ext>
     </p:extLst>
   </p:cSld>
@@ -11039,7 +8626,7 @@
                                           </p:stCondLst>
                                         </p:cTn>
                                         <p:tgtEl>
-                                          <p:spTgt spid="6"/>
+                                          <p:spTgt spid="18"/>
                                         </p:tgtEl>
                                         <p:attrNameLst>
                                           <p:attrName>style.visibility</p:attrName>
@@ -11084,7 +8671,7 @@
                                           </p:stCondLst>
                                         </p:cTn>
                                         <p:tgtEl>
-                                          <p:spTgt spid="7"/>
+                                          <p:spTgt spid="6"/>
                                         </p:tgtEl>
                                         <p:attrNameLst>
                                           <p:attrName>style.visibility</p:attrName>
@@ -11180,7 +8767,7 @@
         </p:blipFill>
         <p:spPr>
           <a:xfrm>
-            <a:off x="0" y="0"/>
+            <a:off x="-1" y="-30"/>
             <a:ext cx="12192000" cy="6855958"/>
           </a:xfrm>
           <a:prstGeom prst="rect">
@@ -11365,7 +8952,7 @@
                   <a:srgbClr val="FF0000"/>
                 </a:solidFill>
               </a:rPr>
-              <a:t>La Base de Données</a:t>
+              <a:t>Mécanisme n°7</a:t>
             </a:r>
           </a:p>
         </p:txBody>
@@ -11441,6 +9028,698 @@
         <p:spPr>
           <a:xfrm>
             <a:off x="128016" y="3601297"/>
+            <a:ext cx="5084064" cy="2031325"/>
+          </a:xfrm>
+          <a:prstGeom prst="rect">
+            <a:avLst/>
+          </a:prstGeom>
+          <a:noFill/>
+        </p:spPr>
+        <p:txBody>
+          <a:bodyPr wrap="square" rtlCol="0">
+            <a:spAutoFit/>
+          </a:bodyPr>
+          <a:lstStyle/>
+          <a:p>
+            <a:r>
+              <a:rPr lang="fr-FR" b="1" dirty="0"/>
+              <a:t>Les composants:</a:t>
+            </a:r>
+          </a:p>
+          <a:p>
+            <a:endParaRPr lang="fr-FR" dirty="0"/>
+          </a:p>
+          <a:p>
+            <a:r>
+              <a:rPr lang="fr-FR" dirty="0"/>
+              <a:t>-Un mur avec un trou</a:t>
+            </a:r>
+          </a:p>
+          <a:p>
+            <a:r>
+              <a:rPr lang="fr-FR" dirty="0"/>
+              <a:t>-Une trappe où se trouve un doigt ( système 3)</a:t>
+            </a:r>
+          </a:p>
+          <a:p>
+            <a:r>
+              <a:rPr lang="fr-FR" dirty="0"/>
+              <a:t>-Un Katana</a:t>
+            </a:r>
+          </a:p>
+          <a:p>
+            <a:r>
+              <a:rPr lang="fr-FR" dirty="0"/>
+              <a:t>-Interrupteur de fin de course</a:t>
+            </a:r>
+          </a:p>
+          <a:p>
+            <a:endParaRPr lang="fr-FR" dirty="0"/>
+          </a:p>
+        </p:txBody>
+      </p:sp>
+      <p:sp>
+        <p:nvSpPr>
+          <p:cNvPr id="3" name="Espace réservé du pied de page 2">
+            <a:extLst>
+              <a:ext uri="{FF2B5EF4-FFF2-40B4-BE49-F238E27FC236}">
+                <a16:creationId xmlns:a16="http://schemas.microsoft.com/office/drawing/2014/main" id="{EE25281D-75F1-4D59-9DF6-0BD24681854F}"/>
+              </a:ext>
+            </a:extLst>
+          </p:cNvPr>
+          <p:cNvSpPr>
+            <a:spLocks noGrp="1"/>
+          </p:cNvSpPr>
+          <p:nvPr>
+            <p:ph type="ftr" sz="quarter" idx="11"/>
+          </p:nvPr>
+        </p:nvSpPr>
+        <p:spPr/>
+        <p:txBody>
+          <a:bodyPr/>
+          <a:lstStyle/>
+          <a:p>
+            <a:r>
+              <a:rPr lang="fr-FR"/>
+              <a:t>Corentin BRENY - ST Félix La Salle - 2020</a:t>
+            </a:r>
+          </a:p>
+        </p:txBody>
+      </p:sp>
+      <p:sp>
+        <p:nvSpPr>
+          <p:cNvPr id="5" name="Espace réservé du numéro de diapositive 4">
+            <a:extLst>
+              <a:ext uri="{FF2B5EF4-FFF2-40B4-BE49-F238E27FC236}">
+                <a16:creationId xmlns:a16="http://schemas.microsoft.com/office/drawing/2014/main" id="{53850AB9-760E-4F5D-86A0-716386D0A526}"/>
+              </a:ext>
+            </a:extLst>
+          </p:cNvPr>
+          <p:cNvSpPr>
+            <a:spLocks noGrp="1"/>
+          </p:cNvSpPr>
+          <p:nvPr>
+            <p:ph type="sldNum" sz="quarter" idx="12"/>
+          </p:nvPr>
+        </p:nvSpPr>
+        <p:spPr/>
+        <p:txBody>
+          <a:bodyPr/>
+          <a:lstStyle/>
+          <a:p>
+            <a:fld id="{B8E0B961-A637-4848-B0A2-B04876406418}" type="slidenum">
+              <a:rPr lang="fr-FR" smtClean="0"/>
+              <a:t>8</a:t>
+            </a:fld>
+            <a:endParaRPr lang="fr-FR"/>
+          </a:p>
+        </p:txBody>
+      </p:sp>
+      <p:pic>
+        <p:nvPicPr>
+          <p:cNvPr id="19" name="Image 18" descr="Une image contenant capture d’écran&#10;&#10;Description générée automatiquement">
+            <a:extLst>
+              <a:ext uri="{FF2B5EF4-FFF2-40B4-BE49-F238E27FC236}">
+                <a16:creationId xmlns:a16="http://schemas.microsoft.com/office/drawing/2014/main" id="{26E44D92-B6BF-4E03-ADE2-589E1D0818D0}"/>
+              </a:ext>
+            </a:extLst>
+          </p:cNvPr>
+          <p:cNvPicPr/>
+          <p:nvPr/>
+        </p:nvPicPr>
+        <p:blipFill>
+          <a:blip r:embed="rId3">
+            <a:extLst>
+              <a:ext uri="{28A0092B-C50C-407E-A947-70E740481C1C}">
+                <a14:useLocalDpi xmlns:a14="http://schemas.microsoft.com/office/drawing/2010/main" val="0"/>
+              </a:ext>
+            </a:extLst>
+          </a:blip>
+          <a:stretch>
+            <a:fillRect/>
+          </a:stretch>
+        </p:blipFill>
+        <p:spPr>
+          <a:xfrm>
+            <a:off x="6006126" y="2261766"/>
+            <a:ext cx="5562600" cy="2150745"/>
+          </a:xfrm>
+          <a:prstGeom prst="rect">
+            <a:avLst/>
+          </a:prstGeom>
+        </p:spPr>
+      </p:pic>
+      <p:pic>
+        <p:nvPicPr>
+          <p:cNvPr id="6" name="Image 5">
+            <a:extLst>
+              <a:ext uri="{FF2B5EF4-FFF2-40B4-BE49-F238E27FC236}">
+                <a16:creationId xmlns:a16="http://schemas.microsoft.com/office/drawing/2014/main" id="{EC6DF2C3-DF98-48A6-B4E1-74884658E0BF}"/>
+              </a:ext>
+            </a:extLst>
+          </p:cNvPr>
+          <p:cNvPicPr>
+            <a:picLocks noChangeAspect="1"/>
+          </p:cNvPicPr>
+          <p:nvPr/>
+        </p:nvPicPr>
+        <p:blipFill>
+          <a:blip r:embed="rId4"/>
+          <a:stretch>
+            <a:fillRect/>
+          </a:stretch>
+        </p:blipFill>
+        <p:spPr>
+          <a:xfrm>
+            <a:off x="6017172" y="28291"/>
+            <a:ext cx="5562600" cy="6344444"/>
+          </a:xfrm>
+          <a:prstGeom prst="rect">
+            <a:avLst/>
+          </a:prstGeom>
+        </p:spPr>
+      </p:pic>
+      <p:pic>
+        <p:nvPicPr>
+          <p:cNvPr id="7" name="Image 6">
+            <a:extLst>
+              <a:ext uri="{FF2B5EF4-FFF2-40B4-BE49-F238E27FC236}">
+                <a16:creationId xmlns:a16="http://schemas.microsoft.com/office/drawing/2014/main" id="{515F9F77-1D9A-43FE-ACDA-5F93997EA1E5}"/>
+              </a:ext>
+            </a:extLst>
+          </p:cNvPr>
+          <p:cNvPicPr>
+            <a:picLocks noChangeAspect="1"/>
+          </p:cNvPicPr>
+          <p:nvPr/>
+        </p:nvPicPr>
+        <p:blipFill>
+          <a:blip r:embed="rId5"/>
+          <a:stretch>
+            <a:fillRect/>
+          </a:stretch>
+        </p:blipFill>
+        <p:spPr>
+          <a:xfrm>
+            <a:off x="6017172" y="7258"/>
+            <a:ext cx="5551554" cy="6386124"/>
+          </a:xfrm>
+          <a:prstGeom prst="rect">
+            <a:avLst/>
+          </a:prstGeom>
+        </p:spPr>
+      </p:pic>
+    </p:spTree>
+    <p:extLst>
+      <p:ext uri="{BB962C8B-B14F-4D97-AF65-F5344CB8AC3E}">
+        <p14:creationId xmlns:p14="http://schemas.microsoft.com/office/powerpoint/2010/main" val="1725238643"/>
+      </p:ext>
+    </p:extLst>
+  </p:cSld>
+  <p:clrMapOvr>
+    <a:masterClrMapping/>
+  </p:clrMapOvr>
+  <p:timing>
+    <p:tnLst>
+      <p:par>
+        <p:cTn id="1" dur="indefinite" restart="never" nodeType="tmRoot">
+          <p:childTnLst>
+            <p:seq concurrent="1" nextAc="seek">
+              <p:cTn id="2" dur="indefinite" nodeType="mainSeq">
+                <p:childTnLst>
+                  <p:par>
+                    <p:cTn id="3" fill="hold">
+                      <p:stCondLst>
+                        <p:cond delay="indefinite"/>
+                      </p:stCondLst>
+                      <p:childTnLst>
+                        <p:par>
+                          <p:cTn id="4" fill="hold">
+                            <p:stCondLst>
+                              <p:cond delay="0"/>
+                            </p:stCondLst>
+                            <p:childTnLst>
+                              <p:par>
+                                <p:cTn id="5" presetID="1" presetClass="entr" presetSubtype="0" fill="hold" nodeType="clickEffect">
+                                  <p:stCondLst>
+                                    <p:cond delay="0"/>
+                                  </p:stCondLst>
+                                  <p:childTnLst>
+                                    <p:set>
+                                      <p:cBhvr>
+                                        <p:cTn id="6" dur="1" fill="hold">
+                                          <p:stCondLst>
+                                            <p:cond delay="0"/>
+                                          </p:stCondLst>
+                                        </p:cTn>
+                                        <p:tgtEl>
+                                          <p:spTgt spid="19"/>
+                                        </p:tgtEl>
+                                        <p:attrNameLst>
+                                          <p:attrName>style.visibility</p:attrName>
+                                        </p:attrNameLst>
+                                      </p:cBhvr>
+                                      <p:to>
+                                        <p:strVal val="visible"/>
+                                      </p:to>
+                                    </p:set>
+                                  </p:childTnLst>
+                                </p:cTn>
+                              </p:par>
+                            </p:childTnLst>
+                          </p:cTn>
+                        </p:par>
+                      </p:childTnLst>
+                    </p:cTn>
+                  </p:par>
+                  <p:par>
+                    <p:cTn id="7" fill="hold">
+                      <p:stCondLst>
+                        <p:cond delay="indefinite"/>
+                      </p:stCondLst>
+                      <p:childTnLst>
+                        <p:par>
+                          <p:cTn id="8" fill="hold">
+                            <p:stCondLst>
+                              <p:cond delay="0"/>
+                            </p:stCondLst>
+                            <p:childTnLst>
+                              <p:par>
+                                <p:cTn id="9" presetID="1" presetClass="entr" presetSubtype="0" fill="hold" nodeType="clickEffect">
+                                  <p:stCondLst>
+                                    <p:cond delay="0"/>
+                                  </p:stCondLst>
+                                  <p:childTnLst>
+                                    <p:set>
+                                      <p:cBhvr>
+                                        <p:cTn id="10" dur="1" fill="hold">
+                                          <p:stCondLst>
+                                            <p:cond delay="0"/>
+                                          </p:stCondLst>
+                                        </p:cTn>
+                                        <p:tgtEl>
+                                          <p:spTgt spid="6"/>
+                                        </p:tgtEl>
+                                        <p:attrNameLst>
+                                          <p:attrName>style.visibility</p:attrName>
+                                        </p:attrNameLst>
+                                      </p:cBhvr>
+                                      <p:to>
+                                        <p:strVal val="visible"/>
+                                      </p:to>
+                                    </p:set>
+                                  </p:childTnLst>
+                                </p:cTn>
+                              </p:par>
+                            </p:childTnLst>
+                          </p:cTn>
+                        </p:par>
+                      </p:childTnLst>
+                    </p:cTn>
+                  </p:par>
+                  <p:par>
+                    <p:cTn id="11" fill="hold">
+                      <p:stCondLst>
+                        <p:cond delay="indefinite"/>
+                      </p:stCondLst>
+                      <p:childTnLst>
+                        <p:par>
+                          <p:cTn id="12" fill="hold">
+                            <p:stCondLst>
+                              <p:cond delay="0"/>
+                            </p:stCondLst>
+                            <p:childTnLst>
+                              <p:par>
+                                <p:cTn id="13" presetID="1" presetClass="entr" presetSubtype="0" fill="hold" nodeType="clickEffect">
+                                  <p:stCondLst>
+                                    <p:cond delay="0"/>
+                                  </p:stCondLst>
+                                  <p:childTnLst>
+                                    <p:set>
+                                      <p:cBhvr>
+                                        <p:cTn id="14" dur="1" fill="hold">
+                                          <p:stCondLst>
+                                            <p:cond delay="0"/>
+                                          </p:stCondLst>
+                                        </p:cTn>
+                                        <p:tgtEl>
+                                          <p:spTgt spid="7"/>
+                                        </p:tgtEl>
+                                        <p:attrNameLst>
+                                          <p:attrName>style.visibility</p:attrName>
+                                        </p:attrNameLst>
+                                      </p:cBhvr>
+                                      <p:to>
+                                        <p:strVal val="visible"/>
+                                      </p:to>
+                                    </p:set>
+                                  </p:childTnLst>
+                                </p:cTn>
+                              </p:par>
+                            </p:childTnLst>
+                          </p:cTn>
+                        </p:par>
+                      </p:childTnLst>
+                    </p:cTn>
+                  </p:par>
+                </p:childTnLst>
+              </p:cTn>
+              <p:prevCondLst>
+                <p:cond evt="onPrev" delay="0">
+                  <p:tgtEl>
+                    <p:sldTgt/>
+                  </p:tgtEl>
+                </p:cond>
+              </p:prevCondLst>
+              <p:nextCondLst>
+                <p:cond evt="onNext" delay="0">
+                  <p:tgtEl>
+                    <p:sldTgt/>
+                  </p:tgtEl>
+                </p:cond>
+              </p:nextCondLst>
+            </p:seq>
+          </p:childTnLst>
+        </p:cTn>
+      </p:par>
+    </p:tnLst>
+  </p:timing>
+</p:sld>
+</file>
+
+<file path=ppt/slides/slide9.xml><?xml version="1.0" encoding="utf-8"?>
+<p:sld xmlns:a="http://schemas.openxmlformats.org/drawingml/2006/main" xmlns:r="http://schemas.openxmlformats.org/officeDocument/2006/relationships" xmlns:p="http://schemas.openxmlformats.org/presentationml/2006/main">
+  <p:cSld>
+    <p:bg>
+      <p:bgPr>
+        <a:solidFill>
+          <a:schemeClr val="bg1"/>
+        </a:solidFill>
+        <a:effectLst/>
+      </p:bgPr>
+    </p:bg>
+    <p:spTree>
+      <p:nvGrpSpPr>
+        <p:cNvPr id="1" name=""/>
+        <p:cNvGrpSpPr/>
+        <p:nvPr/>
+      </p:nvGrpSpPr>
+      <p:grpSpPr>
+        <a:xfrm>
+          <a:off x="0" y="0"/>
+          <a:ext cx="0" cy="0"/>
+          <a:chOff x="0" y="0"/>
+          <a:chExt cx="0" cy="0"/>
+        </a:xfrm>
+      </p:grpSpPr>
+      <p:pic>
+        <p:nvPicPr>
+          <p:cNvPr id="4" name="Espace réservé du contenu 3" descr="Une image contenant table, paire&#10;&#10;Description générée automatiquement">
+            <a:extLst>
+              <a:ext uri="{FF2B5EF4-FFF2-40B4-BE49-F238E27FC236}">
+                <a16:creationId xmlns:a16="http://schemas.microsoft.com/office/drawing/2014/main" id="{1A19FD35-A489-4DC8-937C-BF65968057C7}"/>
+              </a:ext>
+            </a:extLst>
+          </p:cNvPr>
+          <p:cNvPicPr>
+            <a:picLocks noChangeAspect="1"/>
+          </p:cNvPicPr>
+          <p:nvPr/>
+        </p:nvPicPr>
+        <p:blipFill rotWithShape="1">
+          <a:blip r:embed="rId2">
+            <a:extLst>
+              <a:ext uri="{28A0092B-C50C-407E-A947-70E740481C1C}">
+                <a14:useLocalDpi xmlns:a14="http://schemas.microsoft.com/office/drawing/2010/main" val="0"/>
+              </a:ext>
+            </a:extLst>
+          </a:blip>
+          <a:srcRect t="6250"/>
+          <a:stretch/>
+        </p:blipFill>
+        <p:spPr>
+          <a:xfrm>
+            <a:off x="0" y="0"/>
+            <a:ext cx="12192000" cy="6855958"/>
+          </a:xfrm>
+          <a:prstGeom prst="rect">
+            <a:avLst/>
+          </a:prstGeom>
+        </p:spPr>
+      </p:pic>
+      <p:sp>
+        <p:nvSpPr>
+          <p:cNvPr id="29" name="Freeform 5">
+            <a:extLst>
+              <a:ext uri="{FF2B5EF4-FFF2-40B4-BE49-F238E27FC236}">
+                <a16:creationId xmlns:a16="http://schemas.microsoft.com/office/drawing/2014/main" id="{3CD9DF72-87A3-404E-A828-84CBF11A8303}"/>
+              </a:ext>
+              <a:ext uri="{C183D7F6-B498-43B3-948B-1728B52AA6E4}">
+                <adec:decorative xmlns:adec="http://schemas.microsoft.com/office/drawing/2017/decorative" val="1"/>
+              </a:ext>
+            </a:extLst>
+          </p:cNvPr>
+          <p:cNvSpPr>
+            <a:spLocks noGrp="1" noRot="1" noChangeAspect="1" noMove="1" noResize="1" noEditPoints="1" noAdjustHandles="1" noChangeArrowheads="1" noChangeShapeType="1" noTextEdit="1"/>
+          </p:cNvSpPr>
+          <p:nvPr>
+            <p:extLst>
+              <p:ext uri="{386F3935-93C4-4BCD-93E2-E3B085C9AB24}">
+                <p16:designElem xmlns:p16="http://schemas.microsoft.com/office/powerpoint/2015/main" val="1"/>
+              </p:ext>
+            </p:extLst>
+          </p:nvPr>
+        </p:nvSpPr>
+        <p:spPr bwMode="grayWhite">
+          <a:xfrm flipH="1">
+            <a:off x="0" y="998175"/>
+            <a:ext cx="6017172" cy="5859825"/>
+          </a:xfrm>
+          <a:custGeom>
+            <a:avLst/>
+            <a:gdLst>
+              <a:gd name="T0" fmla="*/ 1333 w 1333"/>
+              <a:gd name="T1" fmla="*/ 1031 h 1298"/>
+              <a:gd name="T2" fmla="*/ 1333 w 1333"/>
+              <a:gd name="T3" fmla="*/ 380 h 1298"/>
+              <a:gd name="T4" fmla="*/ 706 w 1333"/>
+              <a:gd name="T5" fmla="*/ 0 h 1298"/>
+              <a:gd name="T6" fmla="*/ 0 w 1333"/>
+              <a:gd name="T7" fmla="*/ 706 h 1298"/>
+              <a:gd name="T8" fmla="*/ 323 w 1333"/>
+              <a:gd name="T9" fmla="*/ 1298 h 1298"/>
+              <a:gd name="T10" fmla="*/ 1090 w 1333"/>
+              <a:gd name="T11" fmla="*/ 1298 h 1298"/>
+              <a:gd name="T12" fmla="*/ 1333 w 1333"/>
+              <a:gd name="T13" fmla="*/ 1031 h 1298"/>
+            </a:gdLst>
+            <a:ahLst/>
+            <a:cxnLst>
+              <a:cxn ang="0">
+                <a:pos x="T0" y="T1"/>
+              </a:cxn>
+              <a:cxn ang="0">
+                <a:pos x="T2" y="T3"/>
+              </a:cxn>
+              <a:cxn ang="0">
+                <a:pos x="T4" y="T5"/>
+              </a:cxn>
+              <a:cxn ang="0">
+                <a:pos x="T6" y="T7"/>
+              </a:cxn>
+              <a:cxn ang="0">
+                <a:pos x="T8" y="T9"/>
+              </a:cxn>
+              <a:cxn ang="0">
+                <a:pos x="T10" y="T11"/>
+              </a:cxn>
+              <a:cxn ang="0">
+                <a:pos x="T12" y="T13"/>
+              </a:cxn>
+            </a:cxnLst>
+            <a:rect l="0" t="0" r="r" b="b"/>
+            <a:pathLst>
+              <a:path w="1333" h="1298">
+                <a:moveTo>
+                  <a:pt x="1333" y="1031"/>
+                </a:moveTo>
+                <a:cubicBezTo>
+                  <a:pt x="1333" y="380"/>
+                  <a:pt x="1333" y="380"/>
+                  <a:pt x="1333" y="380"/>
+                </a:cubicBezTo>
+                <a:cubicBezTo>
+                  <a:pt x="1215" y="154"/>
+                  <a:pt x="979" y="0"/>
+                  <a:pt x="706" y="0"/>
+                </a:cubicBezTo>
+                <a:cubicBezTo>
+                  <a:pt x="317" y="0"/>
+                  <a:pt x="0" y="316"/>
+                  <a:pt x="0" y="706"/>
+                </a:cubicBezTo>
+                <a:cubicBezTo>
+                  <a:pt x="0" y="954"/>
+                  <a:pt x="129" y="1172"/>
+                  <a:pt x="323" y="1298"/>
+                </a:cubicBezTo>
+                <a:cubicBezTo>
+                  <a:pt x="1090" y="1298"/>
+                  <a:pt x="1090" y="1298"/>
+                  <a:pt x="1090" y="1298"/>
+                </a:cubicBezTo>
+                <a:cubicBezTo>
+                  <a:pt x="1193" y="1232"/>
+                  <a:pt x="1276" y="1140"/>
+                  <a:pt x="1333" y="1031"/>
+                </a:cubicBezTo>
+                <a:close/>
+              </a:path>
+            </a:pathLst>
+          </a:custGeom>
+          <a:solidFill>
+            <a:schemeClr val="bg1">
+              <a:alpha val="75000"/>
+            </a:schemeClr>
+          </a:solidFill>
+          <a:ln w="50800" cap="sq" cmpd="dbl">
+            <a:noFill/>
+            <a:miter lim="800000"/>
+          </a:ln>
+          <a:effectLst/>
+        </p:spPr>
+        <p:txBody>
+          <a:bodyPr vert="horz" lIns="91440" tIns="45720" rIns="91440" bIns="45720" rtlCol="0" anchor="t">
+            <a:normAutofit/>
+          </a:bodyPr>
+          <a:lstStyle/>
+          <a:p>
+            <a:pPr algn="ctr">
+              <a:spcAft>
+                <a:spcPts val="1000"/>
+              </a:spcAft>
+              <a:buClr>
+                <a:schemeClr val="tx1"/>
+              </a:buClr>
+              <a:buSzPct val="100000"/>
+              <a:buFont typeface="Arial"/>
+              <a:buNone/>
+            </a:pPr>
+            <a:endParaRPr lang="en-US" sz="1600" cap="all"/>
+          </a:p>
+        </p:txBody>
+      </p:sp>
+      <p:sp>
+        <p:nvSpPr>
+          <p:cNvPr id="2" name="Titre 1">
+            <a:extLst>
+              <a:ext uri="{FF2B5EF4-FFF2-40B4-BE49-F238E27FC236}">
+                <a16:creationId xmlns:a16="http://schemas.microsoft.com/office/drawing/2014/main" id="{F0FFC3D5-D02E-4246-A076-5A8E3A3F3F12}"/>
+              </a:ext>
+            </a:extLst>
+          </p:cNvPr>
+          <p:cNvSpPr>
+            <a:spLocks noGrp="1"/>
+          </p:cNvSpPr>
+          <p:nvPr>
+            <p:ph type="title"/>
+          </p:nvPr>
+        </p:nvSpPr>
+        <p:spPr>
+          <a:xfrm>
+            <a:off x="709448" y="1913950"/>
+            <a:ext cx="4204137" cy="1342754"/>
+          </a:xfrm>
+        </p:spPr>
+        <p:txBody>
+          <a:bodyPr vert="horz" lIns="91440" tIns="45720" rIns="91440" bIns="45720" rtlCol="0">
+            <a:normAutofit/>
+          </a:bodyPr>
+          <a:lstStyle/>
+          <a:p>
+            <a:pPr algn="ctr"/>
+            <a:r>
+              <a:rPr lang="en-US" sz="3600" b="1" dirty="0">
+                <a:solidFill>
+                  <a:srgbClr val="FF0000"/>
+                </a:solidFill>
+              </a:rPr>
+              <a:t>La Base de Données</a:t>
+            </a:r>
+          </a:p>
+        </p:txBody>
+      </p:sp>
+      <p:cxnSp>
+        <p:nvCxnSpPr>
+          <p:cNvPr id="31" name="Straight Connector 30">
+            <a:extLst>
+              <a:ext uri="{FF2B5EF4-FFF2-40B4-BE49-F238E27FC236}">
+                <a16:creationId xmlns:a16="http://schemas.microsoft.com/office/drawing/2014/main" id="{20E3A342-4D61-4E3F-AF90-1AB42AEB96CC}"/>
+              </a:ext>
+              <a:ext uri="{C183D7F6-B498-43B3-948B-1728B52AA6E4}">
+                <adec:decorative xmlns:adec="http://schemas.microsoft.com/office/drawing/2017/decorative" val="1"/>
+              </a:ext>
+            </a:extLst>
+          </p:cNvPr>
+          <p:cNvCxnSpPr>
+            <a:cxnSpLocks noGrp="1" noRot="1" noChangeAspect="1" noMove="1" noResize="1" noEditPoints="1" noAdjustHandles="1" noChangeArrowheads="1" noChangeShapeType="1"/>
+          </p:cNvCxnSpPr>
+          <p:nvPr>
+            <p:extLst>
+              <p:ext uri="{386F3935-93C4-4BCD-93E2-E3B085C9AB24}">
+                <p16:designElem xmlns:p16="http://schemas.microsoft.com/office/powerpoint/2015/main" val="1"/>
+              </p:ext>
+            </p:extLst>
+          </p:nvPr>
+        </p:nvCxnSpPr>
+        <p:spPr>
+          <a:xfrm>
+            <a:off x="2287051" y="3337139"/>
+            <a:ext cx="935420" cy="0"/>
+          </a:xfrm>
+          <a:prstGeom prst="line">
+            <a:avLst/>
+          </a:prstGeom>
+          <a:ln w="25400" cap="sq">
+            <a:solidFill>
+              <a:schemeClr val="tx1">
+                <a:lumMod val="85000"/>
+                <a:lumOff val="15000"/>
+              </a:schemeClr>
+            </a:solidFill>
+            <a:bevel/>
+          </a:ln>
+        </p:spPr>
+        <p:style>
+          <a:lnRef idx="1">
+            <a:schemeClr val="accent1"/>
+          </a:lnRef>
+          <a:fillRef idx="0">
+            <a:schemeClr val="accent1"/>
+          </a:fillRef>
+          <a:effectRef idx="0">
+            <a:schemeClr val="accent1"/>
+          </a:effectRef>
+          <a:fontRef idx="minor">
+            <a:schemeClr val="tx1"/>
+          </a:fontRef>
+        </p:style>
+      </p:cxnSp>
+      <p:sp>
+        <p:nvSpPr>
+          <p:cNvPr id="9" name="ZoneTexte 8">
+            <a:extLst>
+              <a:ext uri="{FF2B5EF4-FFF2-40B4-BE49-F238E27FC236}">
+                <a16:creationId xmlns:a16="http://schemas.microsoft.com/office/drawing/2014/main" id="{DE0931E8-D98F-49EF-A2C3-9447BB71632C}"/>
+              </a:ext>
+            </a:extLst>
+          </p:cNvPr>
+          <p:cNvSpPr txBox="1"/>
+          <p:nvPr/>
+        </p:nvSpPr>
+        <p:spPr>
+          <a:xfrm>
+            <a:off x="128016" y="3601297"/>
             <a:ext cx="5084064" cy="1200329"/>
           </a:xfrm>
           <a:prstGeom prst="rect">
@@ -11542,440 +9821,8 @@
           <a:p>
             <a:fld id="{B8E0B961-A637-4848-B0A2-B04876406418}" type="slidenum">
               <a:rPr lang="fr-FR" smtClean="0"/>
-              <a:t>8</a:t>
+              <a:t>9</a:t>
             </a:fld>
-            <a:endParaRPr lang="fr-FR"/>
-          </a:p>
-        </p:txBody>
-      </p:sp>
-      <p:sp>
-        <p:nvSpPr>
-          <p:cNvPr id="10" name="Rectangle 9">
-            <a:extLst>
-              <a:ext uri="{FF2B5EF4-FFF2-40B4-BE49-F238E27FC236}">
-                <a16:creationId xmlns:a16="http://schemas.microsoft.com/office/drawing/2014/main" id="{55DCE50F-A79D-47E1-81F5-0A487B44BBD2}"/>
-              </a:ext>
-            </a:extLst>
-          </p:cNvPr>
-          <p:cNvSpPr/>
-          <p:nvPr/>
-        </p:nvSpPr>
-        <p:spPr>
-          <a:xfrm>
-            <a:off x="11352276" y="339806"/>
-            <a:ext cx="649222" cy="5859825"/>
-          </a:xfrm>
-          <a:prstGeom prst="rect">
-            <a:avLst/>
-          </a:prstGeom>
-          <a:solidFill>
-            <a:schemeClr val="tx1"/>
-          </a:solidFill>
-          <a:ln>
-            <a:solidFill>
-              <a:srgbClr val="00C020"/>
-            </a:solidFill>
-          </a:ln>
-        </p:spPr>
-        <p:style>
-          <a:lnRef idx="2">
-            <a:schemeClr val="accent1">
-              <a:shade val="50000"/>
-            </a:schemeClr>
-          </a:lnRef>
-          <a:fillRef idx="1">
-            <a:schemeClr val="accent1"/>
-          </a:fillRef>
-          <a:effectRef idx="0">
-            <a:schemeClr val="accent1"/>
-          </a:effectRef>
-          <a:fontRef idx="minor">
-            <a:schemeClr val="lt1"/>
-          </a:fontRef>
-        </p:style>
-        <p:txBody>
-          <a:bodyPr rtlCol="0" anchor="ctr"/>
-          <a:lstStyle/>
-          <a:p>
-            <a:pPr algn="ctr"/>
-            <a:endParaRPr lang="fr-FR"/>
-          </a:p>
-        </p:txBody>
-      </p:sp>
-      <p:sp>
-        <p:nvSpPr>
-          <p:cNvPr id="11" name="Ellipse 10">
-            <a:extLst>
-              <a:ext uri="{FF2B5EF4-FFF2-40B4-BE49-F238E27FC236}">
-                <a16:creationId xmlns:a16="http://schemas.microsoft.com/office/drawing/2014/main" id="{DC5C09D3-F7A1-4ECB-A955-BA9D217EF84B}"/>
-              </a:ext>
-            </a:extLst>
-          </p:cNvPr>
-          <p:cNvSpPr/>
-          <p:nvPr/>
-        </p:nvSpPr>
-        <p:spPr>
-          <a:xfrm>
-            <a:off x="11352273" y="954310"/>
-            <a:ext cx="649224" cy="694981"/>
-          </a:xfrm>
-          <a:prstGeom prst="ellipse">
-            <a:avLst/>
-          </a:prstGeom>
-          <a:solidFill>
-            <a:srgbClr val="00C020"/>
-          </a:solidFill>
-          <a:ln>
-            <a:solidFill>
-              <a:srgbClr val="00C020"/>
-            </a:solidFill>
-          </a:ln>
-        </p:spPr>
-        <p:style>
-          <a:lnRef idx="2">
-            <a:schemeClr val="accent1">
-              <a:shade val="50000"/>
-            </a:schemeClr>
-          </a:lnRef>
-          <a:fillRef idx="1">
-            <a:schemeClr val="accent1"/>
-          </a:fillRef>
-          <a:effectRef idx="0">
-            <a:schemeClr val="accent1"/>
-          </a:effectRef>
-          <a:fontRef idx="minor">
-            <a:schemeClr val="lt1"/>
-          </a:fontRef>
-        </p:style>
-        <p:txBody>
-          <a:bodyPr rtlCol="0" anchor="ctr"/>
-          <a:lstStyle/>
-          <a:p>
-            <a:pPr algn="ctr"/>
-            <a:endParaRPr lang="fr-FR"/>
-          </a:p>
-        </p:txBody>
-      </p:sp>
-      <p:sp>
-        <p:nvSpPr>
-          <p:cNvPr id="12" name="Ellipse 11">
-            <a:extLst>
-              <a:ext uri="{FF2B5EF4-FFF2-40B4-BE49-F238E27FC236}">
-                <a16:creationId xmlns:a16="http://schemas.microsoft.com/office/drawing/2014/main" id="{563B98D1-C3AF-48A3-997B-4A4845754443}"/>
-              </a:ext>
-            </a:extLst>
-          </p:cNvPr>
-          <p:cNvSpPr/>
-          <p:nvPr/>
-        </p:nvSpPr>
-        <p:spPr>
-          <a:xfrm>
-            <a:off x="11352274" y="-36612"/>
-            <a:ext cx="649224" cy="694981"/>
-          </a:xfrm>
-          <a:prstGeom prst="ellipse">
-            <a:avLst/>
-          </a:prstGeom>
-          <a:solidFill>
-            <a:srgbClr val="00C020"/>
-          </a:solidFill>
-          <a:ln>
-            <a:solidFill>
-              <a:srgbClr val="00C020"/>
-            </a:solidFill>
-          </a:ln>
-        </p:spPr>
-        <p:style>
-          <a:lnRef idx="2">
-            <a:schemeClr val="accent1">
-              <a:shade val="50000"/>
-            </a:schemeClr>
-          </a:lnRef>
-          <a:fillRef idx="1">
-            <a:schemeClr val="accent1"/>
-          </a:fillRef>
-          <a:effectRef idx="0">
-            <a:schemeClr val="accent1"/>
-          </a:effectRef>
-          <a:fontRef idx="minor">
-            <a:schemeClr val="lt1"/>
-          </a:fontRef>
-        </p:style>
-        <p:txBody>
-          <a:bodyPr rtlCol="0" anchor="ctr"/>
-          <a:lstStyle/>
-          <a:p>
-            <a:pPr algn="ctr"/>
-            <a:endParaRPr lang="fr-FR"/>
-          </a:p>
-        </p:txBody>
-      </p:sp>
-      <p:sp>
-        <p:nvSpPr>
-          <p:cNvPr id="13" name="Ellipse 12">
-            <a:extLst>
-              <a:ext uri="{FF2B5EF4-FFF2-40B4-BE49-F238E27FC236}">
-                <a16:creationId xmlns:a16="http://schemas.microsoft.com/office/drawing/2014/main" id="{26C312D7-64FB-45B6-BC6B-1B371730F2D9}"/>
-              </a:ext>
-            </a:extLst>
-          </p:cNvPr>
-          <p:cNvSpPr/>
-          <p:nvPr/>
-        </p:nvSpPr>
-        <p:spPr>
-          <a:xfrm>
-            <a:off x="11352273" y="1922124"/>
-            <a:ext cx="649225" cy="694981"/>
-          </a:xfrm>
-          <a:prstGeom prst="ellipse">
-            <a:avLst/>
-          </a:prstGeom>
-          <a:solidFill>
-            <a:srgbClr val="00C020"/>
-          </a:solidFill>
-          <a:ln>
-            <a:solidFill>
-              <a:srgbClr val="00C020"/>
-            </a:solidFill>
-          </a:ln>
-        </p:spPr>
-        <p:style>
-          <a:lnRef idx="2">
-            <a:schemeClr val="accent1">
-              <a:shade val="50000"/>
-            </a:schemeClr>
-          </a:lnRef>
-          <a:fillRef idx="1">
-            <a:schemeClr val="accent1"/>
-          </a:fillRef>
-          <a:effectRef idx="0">
-            <a:schemeClr val="accent1"/>
-          </a:effectRef>
-          <a:fontRef idx="minor">
-            <a:schemeClr val="lt1"/>
-          </a:fontRef>
-        </p:style>
-        <p:txBody>
-          <a:bodyPr rtlCol="0" anchor="ctr"/>
-          <a:lstStyle/>
-          <a:p>
-            <a:pPr algn="ctr"/>
-            <a:endParaRPr lang="fr-FR"/>
-          </a:p>
-        </p:txBody>
-      </p:sp>
-      <p:sp>
-        <p:nvSpPr>
-          <p:cNvPr id="14" name="Ellipse 13">
-            <a:extLst>
-              <a:ext uri="{FF2B5EF4-FFF2-40B4-BE49-F238E27FC236}">
-                <a16:creationId xmlns:a16="http://schemas.microsoft.com/office/drawing/2014/main" id="{4D0F6D23-BB5D-4DE7-88B7-7FEA06968F7B}"/>
-              </a:ext>
-            </a:extLst>
-          </p:cNvPr>
-          <p:cNvSpPr/>
-          <p:nvPr/>
-        </p:nvSpPr>
-        <p:spPr>
-          <a:xfrm>
-            <a:off x="11352273" y="2913046"/>
-            <a:ext cx="649225" cy="694981"/>
-          </a:xfrm>
-          <a:prstGeom prst="ellipse">
-            <a:avLst/>
-          </a:prstGeom>
-          <a:solidFill>
-            <a:srgbClr val="00C020"/>
-          </a:solidFill>
-          <a:ln>
-            <a:solidFill>
-              <a:srgbClr val="00C020"/>
-            </a:solidFill>
-          </a:ln>
-        </p:spPr>
-        <p:style>
-          <a:lnRef idx="2">
-            <a:schemeClr val="accent1">
-              <a:shade val="50000"/>
-            </a:schemeClr>
-          </a:lnRef>
-          <a:fillRef idx="1">
-            <a:schemeClr val="accent1"/>
-          </a:fillRef>
-          <a:effectRef idx="0">
-            <a:schemeClr val="accent1"/>
-          </a:effectRef>
-          <a:fontRef idx="minor">
-            <a:schemeClr val="lt1"/>
-          </a:fontRef>
-        </p:style>
-        <p:txBody>
-          <a:bodyPr rtlCol="0" anchor="ctr"/>
-          <a:lstStyle/>
-          <a:p>
-            <a:pPr algn="ctr"/>
-            <a:endParaRPr lang="fr-FR"/>
-          </a:p>
-        </p:txBody>
-      </p:sp>
-      <p:sp>
-        <p:nvSpPr>
-          <p:cNvPr id="15" name="Ellipse 14">
-            <a:extLst>
-              <a:ext uri="{FF2B5EF4-FFF2-40B4-BE49-F238E27FC236}">
-                <a16:creationId xmlns:a16="http://schemas.microsoft.com/office/drawing/2014/main" id="{21F5915F-B2E2-4DA3-9B67-79FE76009E17}"/>
-              </a:ext>
-            </a:extLst>
-          </p:cNvPr>
-          <p:cNvSpPr/>
-          <p:nvPr/>
-        </p:nvSpPr>
-        <p:spPr>
-          <a:xfrm>
-            <a:off x="11352273" y="3903968"/>
-            <a:ext cx="649224" cy="694981"/>
-          </a:xfrm>
-          <a:prstGeom prst="ellipse">
-            <a:avLst/>
-          </a:prstGeom>
-          <a:solidFill>
-            <a:srgbClr val="00C020"/>
-          </a:solidFill>
-          <a:ln>
-            <a:solidFill>
-              <a:srgbClr val="00C020"/>
-            </a:solidFill>
-          </a:ln>
-        </p:spPr>
-        <p:style>
-          <a:lnRef idx="2">
-            <a:schemeClr val="accent1">
-              <a:shade val="50000"/>
-            </a:schemeClr>
-          </a:lnRef>
-          <a:fillRef idx="1">
-            <a:schemeClr val="accent1"/>
-          </a:fillRef>
-          <a:effectRef idx="0">
-            <a:schemeClr val="accent1"/>
-          </a:effectRef>
-          <a:fontRef idx="minor">
-            <a:schemeClr val="lt1"/>
-          </a:fontRef>
-        </p:style>
-        <p:txBody>
-          <a:bodyPr rtlCol="0" anchor="ctr"/>
-          <a:lstStyle/>
-          <a:p>
-            <a:pPr algn="ctr"/>
-            <a:endParaRPr lang="fr-FR"/>
-          </a:p>
-        </p:txBody>
-      </p:sp>
-      <p:sp>
-        <p:nvSpPr>
-          <p:cNvPr id="16" name="Ellipse 15">
-            <a:extLst>
-              <a:ext uri="{FF2B5EF4-FFF2-40B4-BE49-F238E27FC236}">
-                <a16:creationId xmlns:a16="http://schemas.microsoft.com/office/drawing/2014/main" id="{3CE8D709-685E-4E9C-BD2C-8AF11CB70392}"/>
-              </a:ext>
-            </a:extLst>
-          </p:cNvPr>
-          <p:cNvSpPr/>
-          <p:nvPr/>
-        </p:nvSpPr>
-        <p:spPr>
-          <a:xfrm>
-            <a:off x="11352273" y="4894193"/>
-            <a:ext cx="649224" cy="694982"/>
-          </a:xfrm>
-          <a:prstGeom prst="ellipse">
-            <a:avLst/>
-          </a:prstGeom>
-          <a:solidFill>
-            <a:srgbClr val="00C020"/>
-          </a:solidFill>
-          <a:ln>
-            <a:solidFill>
-              <a:srgbClr val="00C020"/>
-            </a:solidFill>
-          </a:ln>
-        </p:spPr>
-        <p:style>
-          <a:lnRef idx="2">
-            <a:schemeClr val="accent1">
-              <a:shade val="50000"/>
-            </a:schemeClr>
-          </a:lnRef>
-          <a:fillRef idx="1">
-            <a:schemeClr val="accent1"/>
-          </a:fillRef>
-          <a:effectRef idx="0">
-            <a:schemeClr val="accent1"/>
-          </a:effectRef>
-          <a:fontRef idx="minor">
-            <a:schemeClr val="lt1"/>
-          </a:fontRef>
-        </p:style>
-        <p:txBody>
-          <a:bodyPr rtlCol="0" anchor="ctr"/>
-          <a:lstStyle/>
-          <a:p>
-            <a:pPr algn="ctr"/>
-            <a:endParaRPr lang="fr-FR"/>
-          </a:p>
-        </p:txBody>
-      </p:sp>
-      <p:sp>
-        <p:nvSpPr>
-          <p:cNvPr id="17" name="Ellipse 16">
-            <a:extLst>
-              <a:ext uri="{FF2B5EF4-FFF2-40B4-BE49-F238E27FC236}">
-                <a16:creationId xmlns:a16="http://schemas.microsoft.com/office/drawing/2014/main" id="{84FE928B-D5A7-4331-B180-B6A0BCB5D183}"/>
-              </a:ext>
-            </a:extLst>
-          </p:cNvPr>
-          <p:cNvSpPr/>
-          <p:nvPr/>
-        </p:nvSpPr>
-        <p:spPr>
-          <a:xfrm>
-            <a:off x="11352273" y="5888237"/>
-            <a:ext cx="649224" cy="694981"/>
-          </a:xfrm>
-          <a:prstGeom prst="ellipse">
-            <a:avLst/>
-          </a:prstGeom>
-          <a:solidFill>
-            <a:srgbClr val="00C020"/>
-          </a:solidFill>
-          <a:ln>
-            <a:solidFill>
-              <a:srgbClr val="00C020"/>
-            </a:solidFill>
-          </a:ln>
-        </p:spPr>
-        <p:style>
-          <a:lnRef idx="2">
-            <a:schemeClr val="accent1">
-              <a:shade val="50000"/>
-            </a:schemeClr>
-          </a:lnRef>
-          <a:fillRef idx="1">
-            <a:schemeClr val="accent1"/>
-          </a:fillRef>
-          <a:effectRef idx="0">
-            <a:schemeClr val="accent1"/>
-          </a:effectRef>
-          <a:fontRef idx="minor">
-            <a:schemeClr val="lt1"/>
-          </a:fontRef>
-        </p:style>
-        <p:txBody>
-          <a:bodyPr rtlCol="0" anchor="ctr"/>
-          <a:lstStyle/>
-          <a:p>
-            <a:pPr algn="ctr"/>
             <a:endParaRPr lang="fr-FR"/>
           </a:p>
         </p:txBody>
@@ -12407,495 +10254,6 @@
                                         </p:cTn>
                                         <p:tgtEl>
                                           <p:spTgt spid="19"/>
-                                        </p:tgtEl>
-                                        <p:attrNameLst>
-                                          <p:attrName>style.visibility</p:attrName>
-                                        </p:attrNameLst>
-                                      </p:cBhvr>
-                                      <p:to>
-                                        <p:strVal val="visible"/>
-                                      </p:to>
-                                    </p:set>
-                                  </p:childTnLst>
-                                </p:cTn>
-                              </p:par>
-                            </p:childTnLst>
-                          </p:cTn>
-                        </p:par>
-                      </p:childTnLst>
-                    </p:cTn>
-                  </p:par>
-                </p:childTnLst>
-              </p:cTn>
-              <p:prevCondLst>
-                <p:cond evt="onPrev" delay="0">
-                  <p:tgtEl>
-                    <p:sldTgt/>
-                  </p:tgtEl>
-                </p:cond>
-              </p:prevCondLst>
-              <p:nextCondLst>
-                <p:cond evt="onNext" delay="0">
-                  <p:tgtEl>
-                    <p:sldTgt/>
-                  </p:tgtEl>
-                </p:cond>
-              </p:nextCondLst>
-            </p:seq>
-          </p:childTnLst>
-        </p:cTn>
-      </p:par>
-    </p:tnLst>
-  </p:timing>
-</p:sld>
-</file>
-
-<file path=ppt/slides/slide9.xml><?xml version="1.0" encoding="utf-8"?>
-<p:sld xmlns:a="http://schemas.openxmlformats.org/drawingml/2006/main" xmlns:r="http://schemas.openxmlformats.org/officeDocument/2006/relationships" xmlns:p="http://schemas.openxmlformats.org/presentationml/2006/main">
-  <p:cSld>
-    <p:spTree>
-      <p:nvGrpSpPr>
-        <p:cNvPr id="1" name=""/>
-        <p:cNvGrpSpPr/>
-        <p:nvPr/>
-      </p:nvGrpSpPr>
-      <p:grpSpPr>
-        <a:xfrm>
-          <a:off x="0" y="0"/>
-          <a:ext cx="0" cy="0"/>
-          <a:chOff x="0" y="0"/>
-          <a:chExt cx="0" cy="0"/>
-        </a:xfrm>
-      </p:grpSpPr>
-      <p:pic>
-        <p:nvPicPr>
-          <p:cNvPr id="6" name="Espace réservé du contenu 3" descr="Une image contenant table, paire&#10;&#10;Description générée automatiquement">
-            <a:extLst>
-              <a:ext uri="{FF2B5EF4-FFF2-40B4-BE49-F238E27FC236}">
-                <a16:creationId xmlns:a16="http://schemas.microsoft.com/office/drawing/2014/main" id="{36AADBB3-FE91-4F9F-9535-6CF3BFD6922F}"/>
-              </a:ext>
-            </a:extLst>
-          </p:cNvPr>
-          <p:cNvPicPr>
-            <a:picLocks noChangeAspect="1"/>
-          </p:cNvPicPr>
-          <p:nvPr/>
-        </p:nvPicPr>
-        <p:blipFill rotWithShape="1">
-          <a:blip r:embed="rId2">
-            <a:extLst>
-              <a:ext uri="{28A0092B-C50C-407E-A947-70E740481C1C}">
-                <a14:useLocalDpi xmlns:a14="http://schemas.microsoft.com/office/drawing/2010/main" val="0"/>
-              </a:ext>
-            </a:extLst>
-          </a:blip>
-          <a:srcRect t="6250"/>
-          <a:stretch/>
-        </p:blipFill>
-        <p:spPr>
-          <a:xfrm>
-            <a:off x="0" y="0"/>
-            <a:ext cx="12192000" cy="6855958"/>
-          </a:xfrm>
-          <a:prstGeom prst="rect">
-            <a:avLst/>
-          </a:prstGeom>
-        </p:spPr>
-      </p:pic>
-      <p:sp>
-        <p:nvSpPr>
-          <p:cNvPr id="2" name="Titre 1">
-            <a:extLst>
-              <a:ext uri="{FF2B5EF4-FFF2-40B4-BE49-F238E27FC236}">
-                <a16:creationId xmlns:a16="http://schemas.microsoft.com/office/drawing/2014/main" id="{C804A32E-AB4B-4C2B-9FD5-BC3FAB0E272B}"/>
-              </a:ext>
-            </a:extLst>
-          </p:cNvPr>
-          <p:cNvSpPr>
-            <a:spLocks noGrp="1"/>
-          </p:cNvSpPr>
-          <p:nvPr>
-            <p:ph type="title"/>
-          </p:nvPr>
-        </p:nvSpPr>
-        <p:spPr>
-          <a:xfrm>
-            <a:off x="838200" y="0"/>
-            <a:ext cx="10515600" cy="1325563"/>
-          </a:xfrm>
-        </p:spPr>
-        <p:txBody>
-          <a:bodyPr/>
-          <a:lstStyle/>
-          <a:p>
-            <a:pPr algn="ctr"/>
-            <a:r>
-              <a:rPr lang="fr-FR" b="1" dirty="0">
-                <a:solidFill>
-                  <a:srgbClr val="FF0000"/>
-                </a:solidFill>
-              </a:rPr>
-              <a:t>Base de données finale</a:t>
-            </a:r>
-          </a:p>
-        </p:txBody>
-      </p:sp>
-      <p:sp>
-        <p:nvSpPr>
-          <p:cNvPr id="4" name="Espace réservé du pied de page 3">
-            <a:extLst>
-              <a:ext uri="{FF2B5EF4-FFF2-40B4-BE49-F238E27FC236}">
-                <a16:creationId xmlns:a16="http://schemas.microsoft.com/office/drawing/2014/main" id="{4A8D1CF7-04E6-46C9-BF49-58FD1BF54189}"/>
-              </a:ext>
-            </a:extLst>
-          </p:cNvPr>
-          <p:cNvSpPr>
-            <a:spLocks noGrp="1"/>
-          </p:cNvSpPr>
-          <p:nvPr>
-            <p:ph type="ftr" sz="quarter" idx="11"/>
-          </p:nvPr>
-        </p:nvSpPr>
-        <p:spPr/>
-        <p:txBody>
-          <a:bodyPr/>
-          <a:lstStyle/>
-          <a:p>
-            <a:r>
-              <a:rPr lang="fr-FR"/>
-              <a:t>Corentin BRENY - ST Félix La Salle - 2020</a:t>
-            </a:r>
-          </a:p>
-        </p:txBody>
-      </p:sp>
-      <p:sp>
-        <p:nvSpPr>
-          <p:cNvPr id="5" name="Espace réservé du numéro de diapositive 4">
-            <a:extLst>
-              <a:ext uri="{FF2B5EF4-FFF2-40B4-BE49-F238E27FC236}">
-                <a16:creationId xmlns:a16="http://schemas.microsoft.com/office/drawing/2014/main" id="{F193CF98-5D02-4D74-A27A-BFA6EC168915}"/>
-              </a:ext>
-            </a:extLst>
-          </p:cNvPr>
-          <p:cNvSpPr>
-            <a:spLocks noGrp="1"/>
-          </p:cNvSpPr>
-          <p:nvPr>
-            <p:ph type="sldNum" sz="quarter" idx="12"/>
-          </p:nvPr>
-        </p:nvSpPr>
-        <p:spPr/>
-        <p:txBody>
-          <a:bodyPr/>
-          <a:lstStyle/>
-          <a:p>
-            <a:fld id="{B8E0B961-A637-4848-B0A2-B04876406418}" type="slidenum">
-              <a:rPr lang="fr-FR" smtClean="0"/>
-              <a:t>9</a:t>
-            </a:fld>
-            <a:endParaRPr lang="fr-FR"/>
-          </a:p>
-        </p:txBody>
-      </p:sp>
-      <p:pic>
-        <p:nvPicPr>
-          <p:cNvPr id="7" name="Image 6">
-            <a:extLst>
-              <a:ext uri="{FF2B5EF4-FFF2-40B4-BE49-F238E27FC236}">
-                <a16:creationId xmlns:a16="http://schemas.microsoft.com/office/drawing/2014/main" id="{A3E03887-7E88-4CD1-B0C2-797B92001DA0}"/>
-              </a:ext>
-            </a:extLst>
-          </p:cNvPr>
-          <p:cNvPicPr/>
-          <p:nvPr/>
-        </p:nvPicPr>
-        <p:blipFill>
-          <a:blip r:embed="rId3"/>
-          <a:stretch>
-            <a:fillRect/>
-          </a:stretch>
-        </p:blipFill>
-        <p:spPr>
-          <a:xfrm>
-            <a:off x="1935126" y="1373410"/>
-            <a:ext cx="8420985" cy="4848457"/>
-          </a:xfrm>
-          <a:prstGeom prst="rect">
-            <a:avLst/>
-          </a:prstGeom>
-        </p:spPr>
-      </p:pic>
-      <p:pic>
-        <p:nvPicPr>
-          <p:cNvPr id="8" name="Image 7">
-            <a:extLst>
-              <a:ext uri="{FF2B5EF4-FFF2-40B4-BE49-F238E27FC236}">
-                <a16:creationId xmlns:a16="http://schemas.microsoft.com/office/drawing/2014/main" id="{BBBF9243-0C6A-4CE9-A55D-33EDF6CFCFB7}"/>
-              </a:ext>
-            </a:extLst>
-          </p:cNvPr>
-          <p:cNvPicPr/>
-          <p:nvPr/>
-        </p:nvPicPr>
-        <p:blipFill>
-          <a:blip r:embed="rId4"/>
-          <a:stretch>
-            <a:fillRect/>
-          </a:stretch>
-        </p:blipFill>
-        <p:spPr>
-          <a:xfrm>
-            <a:off x="1935125" y="1373411"/>
-            <a:ext cx="8420985" cy="4848456"/>
-          </a:xfrm>
-          <a:prstGeom prst="rect">
-            <a:avLst/>
-          </a:prstGeom>
-        </p:spPr>
-      </p:pic>
-      <p:pic>
-        <p:nvPicPr>
-          <p:cNvPr id="9" name="Image 8">
-            <a:extLst>
-              <a:ext uri="{FF2B5EF4-FFF2-40B4-BE49-F238E27FC236}">
-                <a16:creationId xmlns:a16="http://schemas.microsoft.com/office/drawing/2014/main" id="{7B8AAB24-96D4-46C5-9560-F2E075DF0EA5}"/>
-              </a:ext>
-            </a:extLst>
-          </p:cNvPr>
-          <p:cNvPicPr/>
-          <p:nvPr/>
-        </p:nvPicPr>
-        <p:blipFill>
-          <a:blip r:embed="rId5"/>
-          <a:stretch>
-            <a:fillRect/>
-          </a:stretch>
-        </p:blipFill>
-        <p:spPr>
-          <a:xfrm>
-            <a:off x="2742231" y="2388678"/>
-            <a:ext cx="6707538" cy="3616160"/>
-          </a:xfrm>
-          <a:prstGeom prst="rect">
-            <a:avLst/>
-          </a:prstGeom>
-        </p:spPr>
-      </p:pic>
-      <p:pic>
-        <p:nvPicPr>
-          <p:cNvPr id="10" name="Image 9">
-            <a:extLst>
-              <a:ext uri="{FF2B5EF4-FFF2-40B4-BE49-F238E27FC236}">
-                <a16:creationId xmlns:a16="http://schemas.microsoft.com/office/drawing/2014/main" id="{1521DD76-E4D6-4AA3-8BCE-58F8D5D79E60}"/>
-              </a:ext>
-            </a:extLst>
-          </p:cNvPr>
-          <p:cNvPicPr/>
-          <p:nvPr/>
-        </p:nvPicPr>
-        <p:blipFill rotWithShape="1">
-          <a:blip r:embed="rId6"/>
-          <a:srcRect t="-990" r="27167"/>
-          <a:stretch/>
-        </p:blipFill>
-        <p:spPr bwMode="auto">
-          <a:xfrm>
-            <a:off x="312234" y="2484867"/>
-            <a:ext cx="7040601" cy="2271182"/>
-          </a:xfrm>
-          <a:prstGeom prst="rect">
-            <a:avLst/>
-          </a:prstGeom>
-          <a:ln>
-            <a:noFill/>
-          </a:ln>
-          <a:extLst>
-            <a:ext uri="{53640926-AAD7-44D8-BBD7-CCE9431645EC}">
-              <a14:shadowObscured xmlns:a14="http://schemas.microsoft.com/office/drawing/2010/main"/>
-            </a:ext>
-          </a:extLst>
-        </p:spPr>
-      </p:pic>
-    </p:spTree>
-    <p:extLst>
-      <p:ext uri="{BB962C8B-B14F-4D97-AF65-F5344CB8AC3E}">
-        <p14:creationId xmlns:p14="http://schemas.microsoft.com/office/powerpoint/2010/main" val="685834599"/>
-      </p:ext>
-    </p:extLst>
-  </p:cSld>
-  <p:clrMapOvr>
-    <a:masterClrMapping/>
-  </p:clrMapOvr>
-  <p:timing>
-    <p:tnLst>
-      <p:par>
-        <p:cTn id="1" dur="indefinite" restart="never" nodeType="tmRoot">
-          <p:childTnLst>
-            <p:seq concurrent="1" nextAc="seek">
-              <p:cTn id="2" dur="indefinite" nodeType="mainSeq">
-                <p:childTnLst>
-                  <p:par>
-                    <p:cTn id="3" fill="hold">
-                      <p:stCondLst>
-                        <p:cond delay="indefinite"/>
-                      </p:stCondLst>
-                      <p:childTnLst>
-                        <p:par>
-                          <p:cTn id="4" fill="hold">
-                            <p:stCondLst>
-                              <p:cond delay="0"/>
-                            </p:stCondLst>
-                            <p:childTnLst>
-                              <p:par>
-                                <p:cTn id="5" presetID="1" presetClass="entr" presetSubtype="0" fill="hold" nodeType="clickEffect">
-                                  <p:stCondLst>
-                                    <p:cond delay="0"/>
-                                  </p:stCondLst>
-                                  <p:childTnLst>
-                                    <p:set>
-                                      <p:cBhvr>
-                                        <p:cTn id="6" dur="1" fill="hold">
-                                          <p:stCondLst>
-                                            <p:cond delay="1999"/>
-                                          </p:stCondLst>
-                                        </p:cTn>
-                                        <p:tgtEl>
-                                          <p:spTgt spid="10"/>
-                                        </p:tgtEl>
-                                        <p:attrNameLst>
-                                          <p:attrName>style.visibility</p:attrName>
-                                        </p:attrNameLst>
-                                      </p:cBhvr>
-                                      <p:to>
-                                        <p:strVal val="visible"/>
-                                      </p:to>
-                                    </p:set>
-                                  </p:childTnLst>
-                                </p:cTn>
-                              </p:par>
-                            </p:childTnLst>
-                          </p:cTn>
-                        </p:par>
-                      </p:childTnLst>
-                    </p:cTn>
-                  </p:par>
-                  <p:par>
-                    <p:cTn id="7" fill="hold">
-                      <p:stCondLst>
-                        <p:cond delay="indefinite"/>
-                      </p:stCondLst>
-                      <p:childTnLst>
-                        <p:par>
-                          <p:cTn id="8" fill="hold">
-                            <p:stCondLst>
-                              <p:cond delay="0"/>
-                            </p:stCondLst>
-                            <p:childTnLst>
-                              <p:par>
-                                <p:cTn id="9" presetID="1" presetClass="entr" presetSubtype="0" fill="hold" nodeType="clickEffect">
-                                  <p:stCondLst>
-                                    <p:cond delay="0"/>
-                                  </p:stCondLst>
-                                  <p:childTnLst>
-                                    <p:set>
-                                      <p:cBhvr>
-                                        <p:cTn id="10" dur="1" fill="hold">
-                                          <p:stCondLst>
-                                            <p:cond delay="0"/>
-                                          </p:stCondLst>
-                                        </p:cTn>
-                                        <p:tgtEl>
-                                          <p:spTgt spid="9"/>
-                                        </p:tgtEl>
-                                        <p:attrNameLst>
-                                          <p:attrName>style.visibility</p:attrName>
-                                        </p:attrNameLst>
-                                      </p:cBhvr>
-                                      <p:to>
-                                        <p:strVal val="visible"/>
-                                      </p:to>
-                                    </p:set>
-                                  </p:childTnLst>
-                                </p:cTn>
-                              </p:par>
-                            </p:childTnLst>
-                          </p:cTn>
-                        </p:par>
-                      </p:childTnLst>
-                    </p:cTn>
-                  </p:par>
-                  <p:par>
-                    <p:cTn id="11" fill="hold">
-                      <p:stCondLst>
-                        <p:cond delay="indefinite"/>
-                      </p:stCondLst>
-                      <p:childTnLst>
-                        <p:par>
-                          <p:cTn id="12" fill="hold">
-                            <p:stCondLst>
-                              <p:cond delay="0"/>
-                            </p:stCondLst>
-                            <p:childTnLst>
-                              <p:par>
-                                <p:cTn id="13" presetID="1" presetClass="entr" presetSubtype="0" fill="hold" nodeType="clickEffect">
-                                  <p:stCondLst>
-                                    <p:cond delay="0"/>
-                                  </p:stCondLst>
-                                  <p:childTnLst>
-                                    <p:set>
-                                      <p:cBhvr>
-                                        <p:cTn id="14" dur="1" fill="hold">
-                                          <p:stCondLst>
-                                            <p:cond delay="0"/>
-                                          </p:stCondLst>
-                                        </p:cTn>
-                                        <p:tgtEl>
-                                          <p:spTgt spid="8"/>
-                                        </p:tgtEl>
-                                        <p:attrNameLst>
-                                          <p:attrName>style.visibility</p:attrName>
-                                        </p:attrNameLst>
-                                      </p:cBhvr>
-                                      <p:to>
-                                        <p:strVal val="visible"/>
-                                      </p:to>
-                                    </p:set>
-                                  </p:childTnLst>
-                                </p:cTn>
-                              </p:par>
-                            </p:childTnLst>
-                          </p:cTn>
-                        </p:par>
-                      </p:childTnLst>
-                    </p:cTn>
-                  </p:par>
-                  <p:par>
-                    <p:cTn id="15" fill="hold">
-                      <p:stCondLst>
-                        <p:cond delay="indefinite"/>
-                      </p:stCondLst>
-                      <p:childTnLst>
-                        <p:par>
-                          <p:cTn id="16" fill="hold">
-                            <p:stCondLst>
-                              <p:cond delay="0"/>
-                            </p:stCondLst>
-                            <p:childTnLst>
-                              <p:par>
-                                <p:cTn id="17" presetID="1" presetClass="entr" presetSubtype="0" fill="hold" nodeType="clickEffect">
-                                  <p:stCondLst>
-                                    <p:cond delay="0"/>
-                                  </p:stCondLst>
-                                  <p:childTnLst>
-                                    <p:set>
-                                      <p:cBhvr>
-                                        <p:cTn id="18" dur="1" fill="hold">
-                                          <p:stCondLst>
-                                            <p:cond delay="0"/>
-                                          </p:stCondLst>
-                                        </p:cTn>
-                                        <p:tgtEl>
-                                          <p:spTgt spid="7"/>
                                         </p:tgtEl>
                                         <p:attrNameLst>
                                           <p:attrName>style.visibility</p:attrName>
